--- a/Spirit Warrior.pptx
+++ b/Spirit Warrior.pptx
@@ -1,24 +1,27 @@
 
 <file path=ppt/presentation.xml><?xml version="1.0" encoding="utf-8"?>
-<p:presentation xmlns:a="http://schemas.openxmlformats.org/drawingml/2006/main" xmlns:r="http://schemas.openxmlformats.org/officeDocument/2006/relationships" xmlns:p="http://schemas.openxmlformats.org/presentationml/2006/main" autoCompressPictures="0">
+<p:presentation xmlns:a="http://schemas.openxmlformats.org/drawingml/2006/main" xmlns:r="http://schemas.openxmlformats.org/officeDocument/2006/relationships" xmlns:p="http://schemas.openxmlformats.org/presentationml/2006/main" xmlns:m="http://schemas.openxmlformats.org/officeDocument/2006/math" xmlns:w="http://schemas.openxmlformats.org/wordprocessingml/2006/main" autoCompressPictures="0">
   <p:sldMasterIdLst>
     <p:sldMasterId id="2147483648" r:id="rId1"/>
   </p:sldMasterIdLst>
   <p:sldIdLst>
-    <p:sldId id="256" r:id="rId2"/>
-    <p:sldId id="257" r:id="rId3"/>
-    <p:sldId id="258" r:id="rId4"/>
-    <p:sldId id="259" r:id="rId5"/>
-    <p:sldId id="260" r:id="rId6"/>
+    <p:sldId id="256" r:id="rId3"/>
+    <p:sldId id="257" r:id="rId4"/>
+    <p:sldId id="258" r:id="rId5"/>
+    <p:sldId id="259" r:id="rId6"/>
+    <p:sldId id="260" r:id="rId7"/>
+    <p:sldId id="261" r:id="rId8"/>
+    <p:sldId id="262" r:id="rId9"/>
+    <p:sldId id="263" r:id="rId10"/>
   </p:sldIdLst>
   <p:sldSz cx="12192000" cy="6858000"/>
-  <p:notesSz cx="6858000" cy="9144000"/>
+  <p:notesSz cx="12192000" cy="6858000"/>
   <p:defaultTextStyle>
     <a:defPPr>
       <a:defRPr lang="en-US"/>
     </a:defPPr>
-    <a:lvl1pPr marL="0" algn="l" defTabSz="457200" rtl="0" eaLnBrk="1" latinLnBrk="0" hangingPunct="1">
-      <a:defRPr sz="1800" kern="1200">
+    <a:lvl1pPr marL="0" algn="l" defTabSz="457200">
+      <a:defRPr sz="1800">
         <a:solidFill>
           <a:schemeClr val="tx1"/>
         </a:solidFill>
@@ -27,8 +30,8 @@
         <a:cs typeface="+mn-cs"/>
       </a:defRPr>
     </a:lvl1pPr>
-    <a:lvl2pPr marL="457200" algn="l" defTabSz="457200" rtl="0" eaLnBrk="1" latinLnBrk="0" hangingPunct="1">
-      <a:defRPr sz="1800" kern="1200">
+    <a:lvl2pPr marL="457200" algn="l" defTabSz="457200">
+      <a:defRPr sz="1800">
         <a:solidFill>
           <a:schemeClr val="tx1"/>
         </a:solidFill>
@@ -37,8 +40,8 @@
         <a:cs typeface="+mn-cs"/>
       </a:defRPr>
     </a:lvl2pPr>
-    <a:lvl3pPr marL="914400" algn="l" defTabSz="457200" rtl="0" eaLnBrk="1" latinLnBrk="0" hangingPunct="1">
-      <a:defRPr sz="1800" kern="1200">
+    <a:lvl3pPr marL="914400" algn="l" defTabSz="457200">
+      <a:defRPr sz="1800">
         <a:solidFill>
           <a:schemeClr val="tx1"/>
         </a:solidFill>
@@ -47,8 +50,8 @@
         <a:cs typeface="+mn-cs"/>
       </a:defRPr>
     </a:lvl3pPr>
-    <a:lvl4pPr marL="1371600" algn="l" defTabSz="457200" rtl="0" eaLnBrk="1" latinLnBrk="0" hangingPunct="1">
-      <a:defRPr sz="1800" kern="1200">
+    <a:lvl4pPr marL="1371600" algn="l" defTabSz="457200">
+      <a:defRPr sz="1800">
         <a:solidFill>
           <a:schemeClr val="tx1"/>
         </a:solidFill>
@@ -57,8 +60,8 @@
         <a:cs typeface="+mn-cs"/>
       </a:defRPr>
     </a:lvl4pPr>
-    <a:lvl5pPr marL="1828800" algn="l" defTabSz="457200" rtl="0" eaLnBrk="1" latinLnBrk="0" hangingPunct="1">
-      <a:defRPr sz="1800" kern="1200">
+    <a:lvl5pPr marL="1828800" algn="l" defTabSz="457200">
+      <a:defRPr sz="1800">
         <a:solidFill>
           <a:schemeClr val="tx1"/>
         </a:solidFill>
@@ -67,8 +70,8 @@
         <a:cs typeface="+mn-cs"/>
       </a:defRPr>
     </a:lvl5pPr>
-    <a:lvl6pPr marL="2286000" algn="l" defTabSz="457200" rtl="0" eaLnBrk="1" latinLnBrk="0" hangingPunct="1">
-      <a:defRPr sz="1800" kern="1200">
+    <a:lvl6pPr marL="2286000" algn="l" defTabSz="457200">
+      <a:defRPr sz="1800">
         <a:solidFill>
           <a:schemeClr val="tx1"/>
         </a:solidFill>
@@ -77,8 +80,8 @@
         <a:cs typeface="+mn-cs"/>
       </a:defRPr>
     </a:lvl6pPr>
-    <a:lvl7pPr marL="2743200" algn="l" defTabSz="457200" rtl="0" eaLnBrk="1" latinLnBrk="0" hangingPunct="1">
-      <a:defRPr sz="1800" kern="1200">
+    <a:lvl7pPr marL="2743200" algn="l" defTabSz="457200">
+      <a:defRPr sz="1800">
         <a:solidFill>
           <a:schemeClr val="tx1"/>
         </a:solidFill>
@@ -87,8 +90,8 @@
         <a:cs typeface="+mn-cs"/>
       </a:defRPr>
     </a:lvl7pPr>
-    <a:lvl8pPr marL="3200400" algn="l" defTabSz="457200" rtl="0" eaLnBrk="1" latinLnBrk="0" hangingPunct="1">
-      <a:defRPr sz="1800" kern="1200">
+    <a:lvl8pPr marL="3200400" algn="l" defTabSz="457200">
+      <a:defRPr sz="1800">
         <a:solidFill>
           <a:schemeClr val="tx1"/>
         </a:solidFill>
@@ -97,8 +100,8 @@
         <a:cs typeface="+mn-cs"/>
       </a:defRPr>
     </a:lvl8pPr>
-    <a:lvl9pPr marL="3657600" algn="l" defTabSz="457200" rtl="0" eaLnBrk="1" latinLnBrk="0" hangingPunct="1">
-      <a:defRPr sz="1800" kern="1200">
+    <a:lvl9pPr marL="3657600" algn="l" defTabSz="457200">
+      <a:defRPr sz="1800">
         <a:solidFill>
           <a:schemeClr val="tx1"/>
         </a:solidFill>
@@ -112,7 +115,7 @@
 </file>
 
 <file path=ppt/slideLayouts/slideLayout1.xml><?xml version="1.0" encoding="utf-8"?>
-<p:sldLayout xmlns:a="http://schemas.openxmlformats.org/drawingml/2006/main" xmlns:r="http://schemas.openxmlformats.org/officeDocument/2006/relationships" xmlns:p="http://schemas.openxmlformats.org/presentationml/2006/main" type="title" preserve="1">
+<p:sldLayout xmlns:a="http://schemas.openxmlformats.org/drawingml/2006/main" xmlns:r="http://schemas.openxmlformats.org/officeDocument/2006/relationships" xmlns:p="http://schemas.openxmlformats.org/presentationml/2006/main" xmlns:m="http://schemas.openxmlformats.org/officeDocument/2006/math" xmlns:w="http://schemas.openxmlformats.org/wordprocessingml/2006/main" matchingName="" preserve="1" showMasterPhAnim="0" type="title" userDrawn="1">
   <p:cSld name="Титульный слайд">
     <p:spTree>
       <p:nvGrpSpPr>
@@ -120,7 +123,7 @@
         <p:cNvGrpSpPr/>
         <p:nvPr/>
       </p:nvGrpSpPr>
-      <p:grpSpPr>
+      <p:grpSpPr bwMode="auto">
         <a:xfrm>
           <a:off x="0" y="0"/>
           <a:ext cx="0" cy="0"/>
@@ -138,7 +141,7 @@
             <p:ph type="ctrTitle"/>
           </p:nvPr>
         </p:nvSpPr>
-        <p:spPr>
+        <p:spPr bwMode="auto">
           <a:xfrm>
             <a:off x="2589213" y="2514600"/>
             <a:ext cx="8915399" cy="2262781"/>
@@ -154,11 +157,14 @@
             </a:lvl1pPr>
           </a:lstStyle>
           <a:p>
+            <a:pPr>
+              <a:defRPr/>
+            </a:pPr>
             <a:r>
               <a:rPr lang="ru-RU"/>
               <a:t>Образец заголовка</a:t>
             </a:r>
-            <a:endParaRPr lang="en-US" dirty="0"/>
+            <a:endParaRPr lang="en-US"/>
           </a:p>
         </p:txBody>
       </p:sp>
@@ -172,7 +178,7 @@
             <p:ph type="subTitle" idx="1"/>
           </p:nvPr>
         </p:nvSpPr>
-        <p:spPr>
+        <p:spPr bwMode="auto">
           <a:xfrm>
             <a:off x="2589213" y="4777379"/>
             <a:ext cx="8915399" cy="1126283"/>
@@ -274,11 +280,14 @@
             </a:lvl9pPr>
           </a:lstStyle>
           <a:p>
+            <a:pPr>
+              <a:defRPr/>
+            </a:pPr>
             <a:r>
               <a:rPr lang="ru-RU"/>
               <a:t>Образец подзаголовка</a:t>
             </a:r>
-            <a:endParaRPr lang="en-US" dirty="0"/>
+            <a:endParaRPr lang="en-US"/>
           </a:p>
         </p:txBody>
       </p:sp>
@@ -292,17 +301,19 @@
             <p:ph type="dt" sz="half" idx="10"/>
           </p:nvPr>
         </p:nvSpPr>
-        <p:spPr/>
+        <p:spPr bwMode="auto"/>
         <p:txBody>
           <a:bodyPr/>
           <a:lstStyle/>
           <a:p>
+            <a:pPr>
+              <a:defRPr/>
+            </a:pPr>
             <a:fld id="{B61BEF0D-F0BB-DE4B-95CE-6DB70DBA9567}" type="datetimeFigureOut">
-              <a:rPr lang="en-US" dirty="0"/>
-              <a:pPr/>
-              <a:t>1/1/2024</a:t>
+              <a:rPr lang="en-US"/>
+              <a:t/>
             </a:fld>
-            <a:endParaRPr lang="en-US" dirty="0"/>
+            <a:endParaRPr lang="en-US"/>
           </a:p>
         </p:txBody>
       </p:sp>
@@ -316,12 +327,15 @@
             <p:ph type="ftr" sz="quarter" idx="11"/>
           </p:nvPr>
         </p:nvSpPr>
-        <p:spPr/>
+        <p:spPr bwMode="auto"/>
         <p:txBody>
           <a:bodyPr/>
           <a:lstStyle/>
           <a:p>
-            <a:endParaRPr lang="en-US" dirty="0"/>
+            <a:pPr>
+              <a:defRPr/>
+            </a:pPr>
+            <a:endParaRPr lang="en-US"/>
           </a:p>
         </p:txBody>
       </p:sp>
@@ -343,7 +357,7 @@
             <a:cxnLst/>
             <a:rect l="0" t="0" r="r" b="b"/>
             <a:pathLst>
-              <a:path w="372" h="166">
+              <a:path w="372" h="166" fill="norm" stroke="1" extrusionOk="0">
                 <a:moveTo>
                   <a:pt x="287" y="166"/>
                 </a:moveTo>
@@ -417,22 +431,24 @@
             <p:ph type="sldNum" sz="quarter" idx="12"/>
           </p:nvPr>
         </p:nvSpPr>
-        <p:spPr>
+        <p:spPr bwMode="auto">
           <a:xfrm>
             <a:off x="531812" y="4529540"/>
-            <a:ext cx="779767" cy="365125"/>
+            <a:ext cx="779766" cy="365125"/>
           </a:xfrm>
         </p:spPr>
         <p:txBody>
           <a:bodyPr/>
           <a:lstStyle/>
           <a:p>
+            <a:pPr>
+              <a:defRPr/>
+            </a:pPr>
             <a:fld id="{D57F1E4F-1CFF-5643-939E-217C01CDF565}" type="slidenum">
-              <a:rPr lang="en-US" dirty="0"/>
-              <a:pPr/>
-              <a:t>‹#›</a:t>
+              <a:rPr lang="en-US"/>
+              <a:t/>
             </a:fld>
-            <a:endParaRPr lang="en-US" dirty="0"/>
+            <a:endParaRPr lang="en-US"/>
           </a:p>
         </p:txBody>
       </p:sp>
@@ -445,7 +461,7 @@
 </file>
 
 <file path=ppt/slideLayouts/slideLayout10.xml><?xml version="1.0" encoding="utf-8"?>
-<p:sldLayout xmlns:a="http://schemas.openxmlformats.org/drawingml/2006/main" xmlns:r="http://schemas.openxmlformats.org/officeDocument/2006/relationships" xmlns:p="http://schemas.openxmlformats.org/presentationml/2006/main" preserve="1">
+<p:sldLayout xmlns:a="http://schemas.openxmlformats.org/drawingml/2006/main" xmlns:r="http://schemas.openxmlformats.org/officeDocument/2006/relationships" xmlns:p="http://schemas.openxmlformats.org/presentationml/2006/main" xmlns:m="http://schemas.openxmlformats.org/officeDocument/2006/math" xmlns:w="http://schemas.openxmlformats.org/wordprocessingml/2006/main" matchingName="" preserve="1" showMasterPhAnim="0" userDrawn="1">
   <p:cSld name="Заголовок и подпись">
     <p:spTree>
       <p:nvGrpSpPr>
@@ -453,7 +469,7 @@
         <p:cNvGrpSpPr/>
         <p:nvPr/>
       </p:nvGrpSpPr>
-      <p:grpSpPr>
+      <p:grpSpPr bwMode="auto">
         <a:xfrm>
           <a:off x="0" y="0"/>
           <a:ext cx="0" cy="0"/>
@@ -471,7 +487,7 @@
             <p:ph type="title"/>
           </p:nvPr>
         </p:nvSpPr>
-        <p:spPr>
+        <p:spPr bwMode="auto">
           <a:xfrm>
             <a:off x="2589212" y="609600"/>
             <a:ext cx="8915399" cy="3117040"/>
@@ -487,11 +503,14 @@
             </a:lvl1pPr>
           </a:lstStyle>
           <a:p>
+            <a:pPr>
+              <a:defRPr/>
+            </a:pPr>
             <a:r>
               <a:rPr lang="ru-RU"/>
               <a:t>Образец заголовка</a:t>
             </a:r>
-            <a:endParaRPr lang="en-US" dirty="0"/>
+            <a:endParaRPr lang="en-US"/>
           </a:p>
         </p:txBody>
       </p:sp>
@@ -505,7 +524,7 @@
             <p:ph type="body" idx="1"/>
           </p:nvPr>
         </p:nvSpPr>
-        <p:spPr>
+        <p:spPr bwMode="auto">
           <a:xfrm>
             <a:off x="2589212" y="4354046"/>
             <a:ext cx="8915399" cy="1555864"/>
@@ -609,11 +628,14 @@
             </a:lvl9pPr>
           </a:lstStyle>
           <a:p>
-            <a:pPr lvl="0"/>
+            <a:pPr lvl="0">
+              <a:defRPr/>
+            </a:pPr>
             <a:r>
               <a:rPr lang="ru-RU"/>
               <a:t>Образец текста</a:t>
             </a:r>
+            <a:endParaRPr/>
           </a:p>
         </p:txBody>
       </p:sp>
@@ -627,17 +649,19 @@
             <p:ph type="dt" sz="half" idx="10"/>
           </p:nvPr>
         </p:nvSpPr>
-        <p:spPr/>
+        <p:spPr bwMode="auto"/>
         <p:txBody>
           <a:bodyPr/>
           <a:lstStyle/>
           <a:p>
+            <a:pPr>
+              <a:defRPr/>
+            </a:pPr>
             <a:fld id="{B61BEF0D-F0BB-DE4B-95CE-6DB70DBA9567}" type="datetimeFigureOut">
-              <a:rPr lang="en-US" dirty="0"/>
-              <a:pPr/>
-              <a:t>1/1/2024</a:t>
+              <a:rPr lang="en-US"/>
+              <a:t/>
             </a:fld>
-            <a:endParaRPr lang="en-US" dirty="0"/>
+            <a:endParaRPr lang="en-US"/>
           </a:p>
         </p:txBody>
       </p:sp>
@@ -651,12 +675,15 @@
             <p:ph type="ftr" sz="quarter" idx="11"/>
           </p:nvPr>
         </p:nvSpPr>
-        <p:spPr/>
+        <p:spPr bwMode="auto"/>
         <p:txBody>
           <a:bodyPr/>
           <a:lstStyle/>
           <a:p>
-            <a:endParaRPr lang="en-US" dirty="0"/>
+            <a:pPr>
+              <a:defRPr/>
+            </a:pPr>
+            <a:endParaRPr lang="en-US"/>
           </a:p>
         </p:txBody>
       </p:sp>
@@ -669,7 +696,7 @@
         <p:spPr bwMode="auto">
           <a:xfrm flipV="1">
             <a:off x="-4189" y="3178175"/>
-            <a:ext cx="1588527" cy="507297"/>
+            <a:ext cx="1588526" cy="507296"/>
           </a:xfrm>
           <a:custGeom>
             <a:avLst/>
@@ -678,7 +705,7 @@
             <a:cxnLst/>
             <a:rect l="l" t="t" r="r" b="b"/>
             <a:pathLst>
-              <a:path w="9248" h="10000">
+              <a:path w="9248" h="10000" fill="norm" stroke="1" extrusionOk="0">
                 <a:moveTo>
                   <a:pt x="9248" y="4701"/>
                 </a:moveTo>
@@ -752,22 +779,24 @@
             <p:ph type="sldNum" sz="quarter" idx="12"/>
           </p:nvPr>
         </p:nvSpPr>
-        <p:spPr>
+        <p:spPr bwMode="auto">
           <a:xfrm>
             <a:off x="531812" y="3244139"/>
-            <a:ext cx="779767" cy="365125"/>
+            <a:ext cx="779766" cy="365125"/>
           </a:xfrm>
         </p:spPr>
         <p:txBody>
           <a:bodyPr/>
           <a:lstStyle/>
           <a:p>
+            <a:pPr>
+              <a:defRPr/>
+            </a:pPr>
             <a:fld id="{D57F1E4F-1CFF-5643-939E-217C01CDF565}" type="slidenum">
-              <a:rPr lang="en-US" dirty="0"/>
-              <a:pPr/>
-              <a:t>‹#›</a:t>
+              <a:rPr lang="en-US"/>
+              <a:t/>
             </a:fld>
-            <a:endParaRPr lang="en-US" dirty="0"/>
+            <a:endParaRPr lang="en-US"/>
           </a:p>
         </p:txBody>
       </p:sp>
@@ -780,7 +809,7 @@
 </file>
 
 <file path=ppt/slideLayouts/slideLayout11.xml><?xml version="1.0" encoding="utf-8"?>
-<p:sldLayout xmlns:a="http://schemas.openxmlformats.org/drawingml/2006/main" xmlns:r="http://schemas.openxmlformats.org/officeDocument/2006/relationships" xmlns:p="http://schemas.openxmlformats.org/presentationml/2006/main" preserve="1">
+<p:sldLayout xmlns:a="http://schemas.openxmlformats.org/drawingml/2006/main" xmlns:r="http://schemas.openxmlformats.org/officeDocument/2006/relationships" xmlns:p="http://schemas.openxmlformats.org/presentationml/2006/main" xmlns:m="http://schemas.openxmlformats.org/officeDocument/2006/math" xmlns:w="http://schemas.openxmlformats.org/wordprocessingml/2006/main" matchingName="" preserve="1" showMasterPhAnim="0" userDrawn="1">
   <p:cSld name="Цитата с подписью">
     <p:spTree>
       <p:nvGrpSpPr>
@@ -788,7 +817,7 @@
         <p:cNvGrpSpPr/>
         <p:nvPr/>
       </p:nvGrpSpPr>
-      <p:grpSpPr>
+      <p:grpSpPr bwMode="auto">
         <a:xfrm>
           <a:off x="0" y="0"/>
           <a:ext cx="0" cy="0"/>
@@ -806,7 +835,7 @@
             <p:ph type="title"/>
           </p:nvPr>
         </p:nvSpPr>
-        <p:spPr>
+        <p:spPr bwMode="auto">
           <a:xfrm>
             <a:off x="2849949" y="609600"/>
             <a:ext cx="8393926" cy="2895600"/>
@@ -822,11 +851,14 @@
             </a:lvl1pPr>
           </a:lstStyle>
           <a:p>
+            <a:pPr>
+              <a:defRPr/>
+            </a:pPr>
             <a:r>
               <a:rPr lang="ru-RU"/>
               <a:t>Образец заголовка</a:t>
             </a:r>
-            <a:endParaRPr lang="en-US" dirty="0"/>
+            <a:endParaRPr lang="en-US"/>
           </a:p>
         </p:txBody>
       </p:sp>
@@ -840,9 +872,9 @@
             <p:ph type="body" sz="quarter" idx="13"/>
           </p:nvPr>
         </p:nvSpPr>
-        <p:spPr>
+        <p:spPr bwMode="auto">
           <a:xfrm>
-            <a:off x="3275012" y="3505200"/>
+            <a:off x="3275012" y="3505199"/>
             <a:ext cx="7536554" cy="381000"/>
           </a:xfrm>
         </p:spPr>
@@ -885,11 +917,14 @@
             </a:lvl5pPr>
           </a:lstStyle>
           <a:p>
-            <a:pPr lvl="0"/>
+            <a:pPr lvl="0">
+              <a:defRPr/>
+            </a:pPr>
             <a:r>
               <a:rPr lang="ru-RU"/>
               <a:t>Образец текста</a:t>
             </a:r>
+            <a:endParaRPr/>
           </a:p>
         </p:txBody>
       </p:sp>
@@ -903,7 +938,7 @@
             <p:ph type="body" idx="1"/>
           </p:nvPr>
         </p:nvSpPr>
-        <p:spPr>
+        <p:spPr bwMode="auto">
           <a:xfrm>
             <a:off x="2589212" y="4354046"/>
             <a:ext cx="8915399" cy="1555864"/>
@@ -1007,11 +1042,14 @@
             </a:lvl9pPr>
           </a:lstStyle>
           <a:p>
-            <a:pPr lvl="0"/>
+            <a:pPr lvl="0">
+              <a:defRPr/>
+            </a:pPr>
             <a:r>
               <a:rPr lang="ru-RU"/>
               <a:t>Образец текста</a:t>
             </a:r>
+            <a:endParaRPr/>
           </a:p>
         </p:txBody>
       </p:sp>
@@ -1025,17 +1063,19 @@
             <p:ph type="dt" sz="half" idx="10"/>
           </p:nvPr>
         </p:nvSpPr>
-        <p:spPr/>
+        <p:spPr bwMode="auto"/>
         <p:txBody>
           <a:bodyPr/>
           <a:lstStyle/>
           <a:p>
+            <a:pPr>
+              <a:defRPr/>
+            </a:pPr>
             <a:fld id="{B61BEF0D-F0BB-DE4B-95CE-6DB70DBA9567}" type="datetimeFigureOut">
-              <a:rPr lang="en-US" dirty="0"/>
-              <a:pPr/>
-              <a:t>1/1/2024</a:t>
+              <a:rPr lang="en-US"/>
+              <a:t/>
             </a:fld>
-            <a:endParaRPr lang="en-US" dirty="0"/>
+            <a:endParaRPr lang="en-US"/>
           </a:p>
         </p:txBody>
       </p:sp>
@@ -1049,12 +1089,15 @@
             <p:ph type="ftr" sz="quarter" idx="11"/>
           </p:nvPr>
         </p:nvSpPr>
-        <p:spPr/>
+        <p:spPr bwMode="auto"/>
         <p:txBody>
           <a:bodyPr/>
           <a:lstStyle/>
           <a:p>
-            <a:endParaRPr lang="en-US" dirty="0"/>
+            <a:pPr>
+              <a:defRPr/>
+            </a:pPr>
+            <a:endParaRPr lang="en-US"/>
           </a:p>
         </p:txBody>
       </p:sp>
@@ -1067,7 +1110,7 @@
         <p:spPr bwMode="auto">
           <a:xfrm flipV="1">
             <a:off x="-4189" y="3178175"/>
-            <a:ext cx="1588527" cy="507297"/>
+            <a:ext cx="1588526" cy="507296"/>
           </a:xfrm>
           <a:custGeom>
             <a:avLst/>
@@ -1076,7 +1119,7 @@
             <a:cxnLst/>
             <a:rect l="l" t="t" r="r" b="b"/>
             <a:pathLst>
-              <a:path w="9248" h="10000">
+              <a:path w="9248" h="10000" fill="norm" stroke="1" extrusionOk="0">
                 <a:moveTo>
                   <a:pt x="9248" y="4701"/>
                 </a:moveTo>
@@ -1150,22 +1193,24 @@
             <p:ph type="sldNum" sz="quarter" idx="12"/>
           </p:nvPr>
         </p:nvSpPr>
-        <p:spPr>
+        <p:spPr bwMode="auto">
           <a:xfrm>
             <a:off x="531812" y="3244139"/>
-            <a:ext cx="779767" cy="365125"/>
+            <a:ext cx="779766" cy="365125"/>
           </a:xfrm>
         </p:spPr>
         <p:txBody>
           <a:bodyPr/>
           <a:lstStyle/>
           <a:p>
+            <a:pPr>
+              <a:defRPr/>
+            </a:pPr>
             <a:fld id="{D57F1E4F-1CFF-5643-939E-217C01CDF565}" type="slidenum">
-              <a:rPr lang="en-US" dirty="0"/>
-              <a:pPr/>
-              <a:t>‹#›</a:t>
+              <a:rPr lang="en-US"/>
+              <a:t/>
             </a:fld>
-            <a:endParaRPr lang="en-US" dirty="0"/>
+            <a:endParaRPr lang="en-US"/>
           </a:p>
         </p:txBody>
       </p:sp>
@@ -1175,10 +1220,10 @@
           <p:cNvSpPr txBox="1"/>
           <p:nvPr/>
         </p:nvSpPr>
-        <p:spPr>
+        <p:spPr bwMode="auto">
           <a:xfrm>
-            <a:off x="2467652" y="648005"/>
-            <a:ext cx="609600" cy="584776"/>
+            <a:off x="2467651" y="648005"/>
+            <a:ext cx="609600" cy="584775"/>
           </a:xfrm>
           <a:prstGeom prst="rect">
             <a:avLst/>
@@ -1190,20 +1235,22 @@
           </a:bodyPr>
           <a:lstStyle/>
           <a:p>
-            <a:pPr lvl="0"/>
-            <a:r>
-              <a:rPr lang="en-US" sz="8000" baseline="0" dirty="0">
+            <a:pPr lvl="0">
+              <a:defRPr/>
+            </a:pPr>
+            <a:r>
+              <a:rPr lang="en-US" sz="8000">
                 <a:ln w="3175" cmpd="sng">
                   <a:noFill/>
                 </a:ln>
                 <a:solidFill>
                   <a:schemeClr val="accent1"/>
                 </a:solidFill>
-                <a:effectLst/>
                 <a:latin typeface="Arial"/>
               </a:rPr>
               <a:t>“</a:t>
             </a:r>
+            <a:endParaRPr/>
           </a:p>
         </p:txBody>
       </p:sp>
@@ -1213,10 +1260,10 @@
           <p:cNvSpPr txBox="1"/>
           <p:nvPr/>
         </p:nvSpPr>
-        <p:spPr>
+        <p:spPr bwMode="auto">
           <a:xfrm>
             <a:off x="11114852" y="2905306"/>
-            <a:ext cx="609600" cy="584776"/>
+            <a:ext cx="609600" cy="584775"/>
           </a:xfrm>
           <a:prstGeom prst="rect">
             <a:avLst/>
@@ -1228,20 +1275,22 @@
           </a:bodyPr>
           <a:lstStyle/>
           <a:p>
-            <a:pPr lvl="0"/>
-            <a:r>
-              <a:rPr lang="en-US" sz="8000" baseline="0" dirty="0">
+            <a:pPr lvl="0">
+              <a:defRPr/>
+            </a:pPr>
+            <a:r>
+              <a:rPr lang="en-US" sz="8000">
                 <a:ln w="3175" cmpd="sng">
                   <a:noFill/>
                 </a:ln>
                 <a:solidFill>
                   <a:schemeClr val="accent1"/>
                 </a:solidFill>
-                <a:effectLst/>
                 <a:latin typeface="Arial"/>
               </a:rPr>
               <a:t>”</a:t>
             </a:r>
+            <a:endParaRPr/>
           </a:p>
         </p:txBody>
       </p:sp>
@@ -1254,7 +1303,7 @@
 </file>
 
 <file path=ppt/slideLayouts/slideLayout12.xml><?xml version="1.0" encoding="utf-8"?>
-<p:sldLayout xmlns:a="http://schemas.openxmlformats.org/drawingml/2006/main" xmlns:r="http://schemas.openxmlformats.org/officeDocument/2006/relationships" xmlns:p="http://schemas.openxmlformats.org/presentationml/2006/main" preserve="1">
+<p:sldLayout xmlns:a="http://schemas.openxmlformats.org/drawingml/2006/main" xmlns:r="http://schemas.openxmlformats.org/officeDocument/2006/relationships" xmlns:p="http://schemas.openxmlformats.org/presentationml/2006/main" xmlns:m="http://schemas.openxmlformats.org/officeDocument/2006/math" xmlns:w="http://schemas.openxmlformats.org/wordprocessingml/2006/main" matchingName="" preserve="1" showMasterPhAnim="0" userDrawn="1">
   <p:cSld name="Карточка имени">
     <p:spTree>
       <p:nvGrpSpPr>
@@ -1262,7 +1311,7 @@
         <p:cNvGrpSpPr/>
         <p:nvPr/>
       </p:nvGrpSpPr>
-      <p:grpSpPr>
+      <p:grpSpPr bwMode="auto">
         <a:xfrm>
           <a:off x="0" y="0"/>
           <a:ext cx="0" cy="0"/>
@@ -1280,7 +1329,7 @@
             <p:ph type="title"/>
           </p:nvPr>
         </p:nvSpPr>
-        <p:spPr>
+        <p:spPr bwMode="auto">
           <a:xfrm>
             <a:off x="2589213" y="2438400"/>
             <a:ext cx="8915400" cy="2724845"/>
@@ -1296,11 +1345,14 @@
             </a:lvl1pPr>
           </a:lstStyle>
           <a:p>
+            <a:pPr>
+              <a:defRPr/>
+            </a:pPr>
             <a:r>
               <a:rPr lang="ru-RU"/>
               <a:t>Образец заголовка</a:t>
             </a:r>
-            <a:endParaRPr lang="en-US" dirty="0"/>
+            <a:endParaRPr lang="en-US"/>
           </a:p>
         </p:txBody>
       </p:sp>
@@ -1314,7 +1366,7 @@
             <p:ph type="body" sz="half" idx="2"/>
           </p:nvPr>
         </p:nvSpPr>
-        <p:spPr>
+        <p:spPr bwMode="auto">
           <a:xfrm>
             <a:off x="2589213" y="5181600"/>
             <a:ext cx="8915400" cy="729622"/>
@@ -1340,11 +1392,13 @@
           <a:p>
             <a:pPr marL="0" lvl="0" indent="0">
               <a:buNone/>
+              <a:defRPr/>
             </a:pPr>
             <a:r>
               <a:rPr lang="ru-RU"/>
               <a:t>Образец текста</a:t>
             </a:r>
+            <a:endParaRPr/>
           </a:p>
         </p:txBody>
       </p:sp>
@@ -1358,17 +1412,19 @@
             <p:ph type="dt" sz="half" idx="10"/>
           </p:nvPr>
         </p:nvSpPr>
-        <p:spPr/>
+        <p:spPr bwMode="auto"/>
         <p:txBody>
           <a:bodyPr/>
           <a:lstStyle/>
           <a:p>
+            <a:pPr>
+              <a:defRPr/>
+            </a:pPr>
             <a:fld id="{B61BEF0D-F0BB-DE4B-95CE-6DB70DBA9567}" type="datetimeFigureOut">
-              <a:rPr lang="en-US" dirty="0"/>
-              <a:pPr/>
-              <a:t>1/1/2024</a:t>
+              <a:rPr lang="en-US"/>
+              <a:t/>
             </a:fld>
-            <a:endParaRPr lang="en-US" dirty="0"/>
+            <a:endParaRPr lang="en-US"/>
           </a:p>
         </p:txBody>
       </p:sp>
@@ -1382,12 +1438,15 @@
             <p:ph type="ftr" sz="quarter" idx="11"/>
           </p:nvPr>
         </p:nvSpPr>
-        <p:spPr/>
+        <p:spPr bwMode="auto"/>
         <p:txBody>
           <a:bodyPr/>
           <a:lstStyle/>
           <a:p>
-            <a:endParaRPr lang="en-US" dirty="0"/>
+            <a:pPr>
+              <a:defRPr/>
+            </a:pPr>
+            <a:endParaRPr lang="en-US"/>
           </a:p>
         </p:txBody>
       </p:sp>
@@ -1400,7 +1459,7 @@
         <p:spPr bwMode="auto">
           <a:xfrm flipV="1">
             <a:off x="-4189" y="4911725"/>
-            <a:ext cx="1588527" cy="507297"/>
+            <a:ext cx="1588526" cy="507296"/>
           </a:xfrm>
           <a:custGeom>
             <a:avLst/>
@@ -1409,7 +1468,7 @@
             <a:cxnLst/>
             <a:rect l="l" t="t" r="r" b="b"/>
             <a:pathLst>
-              <a:path w="9248" h="10000">
+              <a:path w="9248" h="10000" fill="norm" stroke="1" extrusionOk="0">
                 <a:moveTo>
                   <a:pt x="9248" y="4701"/>
                 </a:moveTo>
@@ -1483,22 +1542,24 @@
             <p:ph type="sldNum" sz="quarter" idx="12"/>
           </p:nvPr>
         </p:nvSpPr>
-        <p:spPr>
+        <p:spPr bwMode="auto">
           <a:xfrm>
             <a:off x="531812" y="4983087"/>
-            <a:ext cx="779767" cy="365125"/>
+            <a:ext cx="779766" cy="365125"/>
           </a:xfrm>
         </p:spPr>
         <p:txBody>
           <a:bodyPr/>
           <a:lstStyle/>
           <a:p>
+            <a:pPr>
+              <a:defRPr/>
+            </a:pPr>
             <a:fld id="{D57F1E4F-1CFF-5643-939E-217C01CDF565}" type="slidenum">
-              <a:rPr lang="en-US" dirty="0"/>
-              <a:pPr/>
-              <a:t>‹#›</a:t>
+              <a:rPr lang="en-US"/>
+              <a:t/>
             </a:fld>
-            <a:endParaRPr lang="en-US" dirty="0"/>
+            <a:endParaRPr lang="en-US"/>
           </a:p>
         </p:txBody>
       </p:sp>
@@ -1511,7 +1572,7 @@
 </file>
 
 <file path=ppt/slideLayouts/slideLayout13.xml><?xml version="1.0" encoding="utf-8"?>
-<p:sldLayout xmlns:a="http://schemas.openxmlformats.org/drawingml/2006/main" xmlns:r="http://schemas.openxmlformats.org/officeDocument/2006/relationships" xmlns:p="http://schemas.openxmlformats.org/presentationml/2006/main" preserve="1">
+<p:sldLayout xmlns:a="http://schemas.openxmlformats.org/drawingml/2006/main" xmlns:r="http://schemas.openxmlformats.org/officeDocument/2006/relationships" xmlns:p="http://schemas.openxmlformats.org/presentationml/2006/main" xmlns:m="http://schemas.openxmlformats.org/officeDocument/2006/math" xmlns:w="http://schemas.openxmlformats.org/wordprocessingml/2006/main" matchingName="" preserve="1" showMasterPhAnim="0" userDrawn="1">
   <p:cSld name="Цитата карточки имени">
     <p:spTree>
       <p:nvGrpSpPr>
@@ -1519,7 +1580,7 @@
         <p:cNvGrpSpPr/>
         <p:nvPr/>
       </p:nvGrpSpPr>
-      <p:grpSpPr>
+      <p:grpSpPr bwMode="auto">
         <a:xfrm>
           <a:off x="0" y="0"/>
           <a:ext cx="0" cy="0"/>
@@ -1537,7 +1598,7 @@
             <p:ph type="title"/>
           </p:nvPr>
         </p:nvSpPr>
-        <p:spPr>
+        <p:spPr bwMode="auto">
           <a:xfrm>
             <a:off x="2849949" y="609600"/>
             <a:ext cx="8393926" cy="2895600"/>
@@ -1553,11 +1614,14 @@
             </a:lvl1pPr>
           </a:lstStyle>
           <a:p>
+            <a:pPr>
+              <a:defRPr/>
+            </a:pPr>
             <a:r>
               <a:rPr lang="ru-RU"/>
               <a:t>Образец заголовка</a:t>
             </a:r>
-            <a:endParaRPr lang="en-US" dirty="0"/>
+            <a:endParaRPr lang="en-US"/>
           </a:p>
         </p:txBody>
       </p:sp>
@@ -1571,7 +1635,7 @@
             <p:ph type="body" sz="quarter" idx="13"/>
           </p:nvPr>
         </p:nvSpPr>
-        <p:spPr>
+        <p:spPr bwMode="auto">
           <a:xfrm>
             <a:off x="2589212" y="4343400"/>
             <a:ext cx="8915400" cy="838200"/>
@@ -1613,11 +1677,14 @@
             </a:lvl5pPr>
           </a:lstStyle>
           <a:p>
-            <a:pPr lvl="0"/>
+            <a:pPr lvl="0">
+              <a:defRPr/>
+            </a:pPr>
             <a:r>
               <a:rPr lang="ru-RU"/>
               <a:t>Образец текста</a:t>
             </a:r>
+            <a:endParaRPr/>
           </a:p>
         </p:txBody>
       </p:sp>
@@ -1631,7 +1698,7 @@
             <p:ph type="body" sz="half" idx="2"/>
           </p:nvPr>
         </p:nvSpPr>
-        <p:spPr>
+        <p:spPr bwMode="auto">
           <a:xfrm>
             <a:off x="2589213" y="5181600"/>
             <a:ext cx="8915400" cy="729622"/>
@@ -1657,11 +1724,13 @@
           <a:p>
             <a:pPr marL="0" lvl="0" indent="0">
               <a:buNone/>
+              <a:defRPr/>
             </a:pPr>
             <a:r>
               <a:rPr lang="ru-RU"/>
               <a:t>Образец текста</a:t>
             </a:r>
+            <a:endParaRPr/>
           </a:p>
         </p:txBody>
       </p:sp>
@@ -1675,17 +1744,19 @@
             <p:ph type="dt" sz="half" idx="10"/>
           </p:nvPr>
         </p:nvSpPr>
-        <p:spPr/>
+        <p:spPr bwMode="auto"/>
         <p:txBody>
           <a:bodyPr/>
           <a:lstStyle/>
           <a:p>
+            <a:pPr>
+              <a:defRPr/>
+            </a:pPr>
             <a:fld id="{B61BEF0D-F0BB-DE4B-95CE-6DB70DBA9567}" type="datetimeFigureOut">
-              <a:rPr lang="en-US" dirty="0"/>
-              <a:pPr/>
-              <a:t>1/1/2024</a:t>
+              <a:rPr lang="en-US"/>
+              <a:t/>
             </a:fld>
-            <a:endParaRPr lang="en-US" dirty="0"/>
+            <a:endParaRPr lang="en-US"/>
           </a:p>
         </p:txBody>
       </p:sp>
@@ -1699,12 +1770,15 @@
             <p:ph type="ftr" sz="quarter" idx="11"/>
           </p:nvPr>
         </p:nvSpPr>
-        <p:spPr/>
+        <p:spPr bwMode="auto"/>
         <p:txBody>
           <a:bodyPr/>
           <a:lstStyle/>
           <a:p>
-            <a:endParaRPr lang="en-US" dirty="0"/>
+            <a:pPr>
+              <a:defRPr/>
+            </a:pPr>
+            <a:endParaRPr lang="en-US"/>
           </a:p>
         </p:txBody>
       </p:sp>
@@ -1717,7 +1791,7 @@
         <p:spPr bwMode="auto">
           <a:xfrm flipV="1">
             <a:off x="-4189" y="4911725"/>
-            <a:ext cx="1588527" cy="507297"/>
+            <a:ext cx="1588526" cy="507296"/>
           </a:xfrm>
           <a:custGeom>
             <a:avLst/>
@@ -1726,7 +1800,7 @@
             <a:cxnLst/>
             <a:rect l="l" t="t" r="r" b="b"/>
             <a:pathLst>
-              <a:path w="9248" h="10000">
+              <a:path w="9248" h="10000" fill="norm" stroke="1" extrusionOk="0">
                 <a:moveTo>
                   <a:pt x="9248" y="4701"/>
                 </a:moveTo>
@@ -1800,22 +1874,24 @@
             <p:ph type="sldNum" sz="quarter" idx="12"/>
           </p:nvPr>
         </p:nvSpPr>
-        <p:spPr>
+        <p:spPr bwMode="auto">
           <a:xfrm>
             <a:off x="531812" y="4983087"/>
-            <a:ext cx="779767" cy="365125"/>
+            <a:ext cx="779766" cy="365125"/>
           </a:xfrm>
         </p:spPr>
         <p:txBody>
           <a:bodyPr/>
           <a:lstStyle/>
           <a:p>
+            <a:pPr>
+              <a:defRPr/>
+            </a:pPr>
             <a:fld id="{D57F1E4F-1CFF-5643-939E-217C01CDF565}" type="slidenum">
-              <a:rPr lang="en-US" dirty="0"/>
-              <a:pPr/>
-              <a:t>‹#›</a:t>
+              <a:rPr lang="en-US"/>
+              <a:t/>
             </a:fld>
-            <a:endParaRPr lang="en-US" dirty="0"/>
+            <a:endParaRPr lang="en-US"/>
           </a:p>
         </p:txBody>
       </p:sp>
@@ -1825,10 +1901,10 @@
           <p:cNvSpPr txBox="1"/>
           <p:nvPr/>
         </p:nvSpPr>
-        <p:spPr>
+        <p:spPr bwMode="auto">
           <a:xfrm>
-            <a:off x="2467652" y="648005"/>
-            <a:ext cx="609600" cy="584776"/>
+            <a:off x="2467651" y="648005"/>
+            <a:ext cx="609600" cy="584775"/>
           </a:xfrm>
           <a:prstGeom prst="rect">
             <a:avLst/>
@@ -1840,20 +1916,22 @@
           </a:bodyPr>
           <a:lstStyle/>
           <a:p>
-            <a:pPr lvl="0"/>
-            <a:r>
-              <a:rPr lang="en-US" sz="8000" baseline="0" dirty="0">
+            <a:pPr lvl="0">
+              <a:defRPr/>
+            </a:pPr>
+            <a:r>
+              <a:rPr lang="en-US" sz="8000">
                 <a:ln w="3175" cmpd="sng">
                   <a:noFill/>
                 </a:ln>
                 <a:solidFill>
                   <a:schemeClr val="accent1"/>
                 </a:solidFill>
-                <a:effectLst/>
                 <a:latin typeface="Arial"/>
               </a:rPr>
               <a:t>“</a:t>
             </a:r>
+            <a:endParaRPr/>
           </a:p>
         </p:txBody>
       </p:sp>
@@ -1863,10 +1941,10 @@
           <p:cNvSpPr txBox="1"/>
           <p:nvPr/>
         </p:nvSpPr>
-        <p:spPr>
+        <p:spPr bwMode="auto">
           <a:xfrm>
             <a:off x="11114852" y="2905306"/>
-            <a:ext cx="609600" cy="584776"/>
+            <a:ext cx="609600" cy="584775"/>
           </a:xfrm>
           <a:prstGeom prst="rect">
             <a:avLst/>
@@ -1878,20 +1956,22 @@
           </a:bodyPr>
           <a:lstStyle/>
           <a:p>
-            <a:pPr lvl="0"/>
-            <a:r>
-              <a:rPr lang="en-US" sz="8000" baseline="0" dirty="0">
+            <a:pPr lvl="0">
+              <a:defRPr/>
+            </a:pPr>
+            <a:r>
+              <a:rPr lang="en-US" sz="8000">
                 <a:ln w="3175" cmpd="sng">
                   <a:noFill/>
                 </a:ln>
                 <a:solidFill>
                   <a:schemeClr val="accent1"/>
                 </a:solidFill>
-                <a:effectLst/>
                 <a:latin typeface="Arial"/>
               </a:rPr>
               <a:t>”</a:t>
             </a:r>
+            <a:endParaRPr/>
           </a:p>
         </p:txBody>
       </p:sp>
@@ -1904,7 +1984,7 @@
 </file>
 
 <file path=ppt/slideLayouts/slideLayout14.xml><?xml version="1.0" encoding="utf-8"?>
-<p:sldLayout xmlns:a="http://schemas.openxmlformats.org/drawingml/2006/main" xmlns:r="http://schemas.openxmlformats.org/officeDocument/2006/relationships" xmlns:p="http://schemas.openxmlformats.org/presentationml/2006/main" preserve="1">
+<p:sldLayout xmlns:a="http://schemas.openxmlformats.org/drawingml/2006/main" xmlns:r="http://schemas.openxmlformats.org/officeDocument/2006/relationships" xmlns:p="http://schemas.openxmlformats.org/presentationml/2006/main" xmlns:m="http://schemas.openxmlformats.org/officeDocument/2006/math" xmlns:w="http://schemas.openxmlformats.org/wordprocessingml/2006/main" matchingName="" preserve="1" showMasterPhAnim="0" userDrawn="1">
   <p:cSld name="Истина или ложь">
     <p:spTree>
       <p:nvGrpSpPr>
@@ -1912,7 +1992,7 @@
         <p:cNvGrpSpPr/>
         <p:nvPr/>
       </p:nvGrpSpPr>
-      <p:grpSpPr>
+      <p:grpSpPr bwMode="auto">
         <a:xfrm>
           <a:off x="0" y="0"/>
           <a:ext cx="0" cy="0"/>
@@ -1930,7 +2010,7 @@
             <p:ph type="title"/>
           </p:nvPr>
         </p:nvSpPr>
-        <p:spPr>
+        <p:spPr bwMode="auto">
           <a:xfrm>
             <a:off x="2589212" y="627407"/>
             <a:ext cx="8915399" cy="2880020"/>
@@ -1946,11 +2026,14 @@
             </a:lvl1pPr>
           </a:lstStyle>
           <a:p>
+            <a:pPr>
+              <a:defRPr/>
+            </a:pPr>
             <a:r>
               <a:rPr lang="ru-RU"/>
               <a:t>Образец заголовка</a:t>
             </a:r>
-            <a:endParaRPr lang="en-US" dirty="0"/>
+            <a:endParaRPr lang="en-US"/>
           </a:p>
         </p:txBody>
       </p:sp>
@@ -1964,7 +2047,7 @@
             <p:ph type="body" sz="quarter" idx="13"/>
           </p:nvPr>
         </p:nvSpPr>
-        <p:spPr>
+        <p:spPr bwMode="auto">
           <a:xfrm>
             <a:off x="2589212" y="4343400"/>
             <a:ext cx="8915400" cy="838200"/>
@@ -2006,11 +2089,14 @@
             </a:lvl5pPr>
           </a:lstStyle>
           <a:p>
-            <a:pPr lvl="0"/>
+            <a:pPr lvl="0">
+              <a:defRPr/>
+            </a:pPr>
             <a:r>
               <a:rPr lang="ru-RU"/>
               <a:t>Образец текста</a:t>
             </a:r>
+            <a:endParaRPr/>
           </a:p>
         </p:txBody>
       </p:sp>
@@ -2024,7 +2110,7 @@
             <p:ph type="body" sz="half" idx="2"/>
           </p:nvPr>
         </p:nvSpPr>
-        <p:spPr>
+        <p:spPr bwMode="auto">
           <a:xfrm>
             <a:off x="2589213" y="5181600"/>
             <a:ext cx="8915400" cy="729622"/>
@@ -2050,11 +2136,13 @@
           <a:p>
             <a:pPr marL="0" lvl="0" indent="0">
               <a:buNone/>
+              <a:defRPr/>
             </a:pPr>
             <a:r>
               <a:rPr lang="ru-RU"/>
               <a:t>Образец текста</a:t>
             </a:r>
+            <a:endParaRPr/>
           </a:p>
         </p:txBody>
       </p:sp>
@@ -2068,17 +2156,19 @@
             <p:ph type="dt" sz="half" idx="10"/>
           </p:nvPr>
         </p:nvSpPr>
-        <p:spPr/>
+        <p:spPr bwMode="auto"/>
         <p:txBody>
           <a:bodyPr/>
           <a:lstStyle/>
           <a:p>
+            <a:pPr>
+              <a:defRPr/>
+            </a:pPr>
             <a:fld id="{B61BEF0D-F0BB-DE4B-95CE-6DB70DBA9567}" type="datetimeFigureOut">
-              <a:rPr lang="en-US" dirty="0"/>
-              <a:pPr/>
-              <a:t>1/1/2024</a:t>
+              <a:rPr lang="en-US"/>
+              <a:t/>
             </a:fld>
-            <a:endParaRPr lang="en-US" dirty="0"/>
+            <a:endParaRPr lang="en-US"/>
           </a:p>
         </p:txBody>
       </p:sp>
@@ -2092,12 +2182,15 @@
             <p:ph type="ftr" sz="quarter" idx="11"/>
           </p:nvPr>
         </p:nvSpPr>
-        <p:spPr/>
+        <p:spPr bwMode="auto"/>
         <p:txBody>
           <a:bodyPr/>
           <a:lstStyle/>
           <a:p>
-            <a:endParaRPr lang="en-US" dirty="0"/>
+            <a:pPr>
+              <a:defRPr/>
+            </a:pPr>
+            <a:endParaRPr lang="en-US"/>
           </a:p>
         </p:txBody>
       </p:sp>
@@ -2110,7 +2203,7 @@
         <p:spPr bwMode="auto">
           <a:xfrm flipV="1">
             <a:off x="-4189" y="4911725"/>
-            <a:ext cx="1588527" cy="507297"/>
+            <a:ext cx="1588526" cy="507296"/>
           </a:xfrm>
           <a:custGeom>
             <a:avLst/>
@@ -2119,7 +2212,7 @@
             <a:cxnLst/>
             <a:rect l="l" t="t" r="r" b="b"/>
             <a:pathLst>
-              <a:path w="9248" h="10000">
+              <a:path w="9248" h="10000" fill="norm" stroke="1" extrusionOk="0">
                 <a:moveTo>
                   <a:pt x="9248" y="4701"/>
                 </a:moveTo>
@@ -2193,22 +2286,24 @@
             <p:ph type="sldNum" sz="quarter" idx="12"/>
           </p:nvPr>
         </p:nvSpPr>
-        <p:spPr>
+        <p:spPr bwMode="auto">
           <a:xfrm>
             <a:off x="531812" y="4983087"/>
-            <a:ext cx="779767" cy="365125"/>
+            <a:ext cx="779766" cy="365125"/>
           </a:xfrm>
         </p:spPr>
         <p:txBody>
           <a:bodyPr/>
           <a:lstStyle/>
           <a:p>
+            <a:pPr>
+              <a:defRPr/>
+            </a:pPr>
             <a:fld id="{D57F1E4F-1CFF-5643-939E-217C01CDF565}" type="slidenum">
-              <a:rPr lang="en-US" dirty="0"/>
-              <a:pPr/>
-              <a:t>‹#›</a:t>
+              <a:rPr lang="en-US"/>
+              <a:t/>
             </a:fld>
-            <a:endParaRPr lang="en-US" dirty="0"/>
+            <a:endParaRPr lang="en-US"/>
           </a:p>
         </p:txBody>
       </p:sp>
@@ -2221,7 +2316,7 @@
 </file>
 
 <file path=ppt/slideLayouts/slideLayout15.xml><?xml version="1.0" encoding="utf-8"?>
-<p:sldLayout xmlns:a="http://schemas.openxmlformats.org/drawingml/2006/main" xmlns:r="http://schemas.openxmlformats.org/officeDocument/2006/relationships" xmlns:p="http://schemas.openxmlformats.org/presentationml/2006/main" type="vertTx" preserve="1">
+<p:sldLayout xmlns:a="http://schemas.openxmlformats.org/drawingml/2006/main" xmlns:r="http://schemas.openxmlformats.org/officeDocument/2006/relationships" xmlns:p="http://schemas.openxmlformats.org/presentationml/2006/main" xmlns:m="http://schemas.openxmlformats.org/officeDocument/2006/math" xmlns:w="http://schemas.openxmlformats.org/wordprocessingml/2006/main" matchingName="" preserve="1" showMasterPhAnim="0" type="vertTx" userDrawn="1">
   <p:cSld name="Заголовок и вертикальный текст">
     <p:spTree>
       <p:nvGrpSpPr>
@@ -2229,7 +2324,7 @@
         <p:cNvGrpSpPr/>
         <p:nvPr/>
       </p:nvGrpSpPr>
-      <p:grpSpPr>
+      <p:grpSpPr bwMode="auto">
         <a:xfrm>
           <a:off x="0" y="0"/>
           <a:ext cx="0" cy="0"/>
@@ -2247,16 +2342,19 @@
             <p:ph type="title"/>
           </p:nvPr>
         </p:nvSpPr>
-        <p:spPr/>
+        <p:spPr bwMode="auto"/>
         <p:txBody>
           <a:bodyPr/>
           <a:lstStyle/>
           <a:p>
+            <a:pPr>
+              <a:defRPr/>
+            </a:pPr>
             <a:r>
               <a:rPr lang="ru-RU"/>
               <a:t>Образец заголовка</a:t>
             </a:r>
-            <a:endParaRPr lang="en-US" dirty="0"/>
+            <a:endParaRPr lang="en-US"/>
           </a:p>
         </p:txBody>
       </p:sp>
@@ -2270,45 +2368,59 @@
             <p:ph type="body" orient="vert" idx="1"/>
           </p:nvPr>
         </p:nvSpPr>
-        <p:spPr/>
+        <p:spPr bwMode="auto"/>
         <p:txBody>
           <a:bodyPr vert="eaVert" anchor="t"/>
           <a:lstStyle/>
           <a:p>
-            <a:pPr lvl="0"/>
+            <a:pPr lvl="0">
+              <a:defRPr/>
+            </a:pPr>
             <a:r>
               <a:rPr lang="ru-RU"/>
               <a:t>Образец текста</a:t>
             </a:r>
-          </a:p>
-          <a:p>
-            <a:pPr lvl="1"/>
+            <a:endParaRPr/>
+          </a:p>
+          <a:p>
+            <a:pPr lvl="1">
+              <a:defRPr/>
+            </a:pPr>
             <a:r>
               <a:rPr lang="ru-RU"/>
               <a:t>Второй уровень</a:t>
             </a:r>
-          </a:p>
-          <a:p>
-            <a:pPr lvl="2"/>
+            <a:endParaRPr/>
+          </a:p>
+          <a:p>
+            <a:pPr lvl="2">
+              <a:defRPr/>
+            </a:pPr>
             <a:r>
               <a:rPr lang="ru-RU"/>
               <a:t>Третий уровень</a:t>
             </a:r>
-          </a:p>
-          <a:p>
-            <a:pPr lvl="3"/>
+            <a:endParaRPr/>
+          </a:p>
+          <a:p>
+            <a:pPr lvl="3">
+              <a:defRPr/>
+            </a:pPr>
             <a:r>
               <a:rPr lang="ru-RU"/>
               <a:t>Четвертый уровень</a:t>
             </a:r>
-          </a:p>
-          <a:p>
-            <a:pPr lvl="4"/>
+            <a:endParaRPr/>
+          </a:p>
+          <a:p>
+            <a:pPr lvl="4">
+              <a:defRPr/>
+            </a:pPr>
             <a:r>
               <a:rPr lang="ru-RU"/>
               <a:t>Пятый уровень</a:t>
             </a:r>
-            <a:endParaRPr lang="en-US" dirty="0"/>
+            <a:endParaRPr lang="en-US"/>
           </a:p>
         </p:txBody>
       </p:sp>
@@ -2322,17 +2434,19 @@
             <p:ph type="dt" sz="half" idx="10"/>
           </p:nvPr>
         </p:nvSpPr>
-        <p:spPr/>
+        <p:spPr bwMode="auto"/>
         <p:txBody>
           <a:bodyPr/>
           <a:lstStyle/>
           <a:p>
+            <a:pPr>
+              <a:defRPr/>
+            </a:pPr>
             <a:fld id="{B61BEF0D-F0BB-DE4B-95CE-6DB70DBA9567}" type="datetimeFigureOut">
-              <a:rPr lang="en-US" dirty="0"/>
-              <a:pPr/>
-              <a:t>1/1/2024</a:t>
+              <a:rPr lang="en-US"/>
+              <a:t/>
             </a:fld>
-            <a:endParaRPr lang="en-US" dirty="0"/>
+            <a:endParaRPr lang="en-US"/>
           </a:p>
         </p:txBody>
       </p:sp>
@@ -2346,12 +2460,15 @@
             <p:ph type="ftr" sz="quarter" idx="11"/>
           </p:nvPr>
         </p:nvSpPr>
-        <p:spPr/>
+        <p:spPr bwMode="auto"/>
         <p:txBody>
           <a:bodyPr/>
           <a:lstStyle/>
           <a:p>
-            <a:endParaRPr lang="en-US" dirty="0"/>
+            <a:pPr>
+              <a:defRPr/>
+            </a:pPr>
+            <a:endParaRPr lang="en-US"/>
           </a:p>
         </p:txBody>
       </p:sp>
@@ -2364,7 +2481,7 @@
         <p:spPr bwMode="auto">
           <a:xfrm flipV="1">
             <a:off x="-4189" y="714375"/>
-            <a:ext cx="1588527" cy="507297"/>
+            <a:ext cx="1588526" cy="507296"/>
           </a:xfrm>
           <a:custGeom>
             <a:avLst/>
@@ -2373,7 +2490,7 @@
             <a:cxnLst/>
             <a:rect l="l" t="t" r="r" b="b"/>
             <a:pathLst>
-              <a:path w="9248" h="10000">
+              <a:path w="9248" h="10000" fill="norm" stroke="1" extrusionOk="0">
                 <a:moveTo>
                   <a:pt x="9248" y="4701"/>
                 </a:moveTo>
@@ -2447,17 +2564,19 @@
             <p:ph type="sldNum" sz="quarter" idx="12"/>
           </p:nvPr>
         </p:nvSpPr>
-        <p:spPr/>
+        <p:spPr bwMode="auto"/>
         <p:txBody>
           <a:bodyPr/>
           <a:lstStyle/>
           <a:p>
+            <a:pPr>
+              <a:defRPr/>
+            </a:pPr>
             <a:fld id="{D57F1E4F-1CFF-5643-939E-217C01CDF565}" type="slidenum">
-              <a:rPr lang="en-US" dirty="0"/>
-              <a:pPr/>
-              <a:t>‹#›</a:t>
+              <a:rPr lang="en-US"/>
+              <a:t/>
             </a:fld>
-            <a:endParaRPr lang="en-US" dirty="0"/>
+            <a:endParaRPr lang="en-US"/>
           </a:p>
         </p:txBody>
       </p:sp>
@@ -2470,7 +2589,7 @@
 </file>
 
 <file path=ppt/slideLayouts/slideLayout16.xml><?xml version="1.0" encoding="utf-8"?>
-<p:sldLayout xmlns:a="http://schemas.openxmlformats.org/drawingml/2006/main" xmlns:r="http://schemas.openxmlformats.org/officeDocument/2006/relationships" xmlns:p="http://schemas.openxmlformats.org/presentationml/2006/main" type="vertTitleAndTx" preserve="1">
+<p:sldLayout xmlns:a="http://schemas.openxmlformats.org/drawingml/2006/main" xmlns:r="http://schemas.openxmlformats.org/officeDocument/2006/relationships" xmlns:p="http://schemas.openxmlformats.org/presentationml/2006/main" xmlns:m="http://schemas.openxmlformats.org/officeDocument/2006/math" xmlns:w="http://schemas.openxmlformats.org/wordprocessingml/2006/main" matchingName="" preserve="1" showMasterPhAnim="0" type="vertTitleAndTx" userDrawn="1">
   <p:cSld name="Вертикальный заголовок и текст">
     <p:spTree>
       <p:nvGrpSpPr>
@@ -2478,7 +2597,7 @@
         <p:cNvGrpSpPr/>
         <p:nvPr/>
       </p:nvGrpSpPr>
-      <p:grpSpPr>
+      <p:grpSpPr bwMode="auto">
         <a:xfrm>
           <a:off x="0" y="0"/>
           <a:ext cx="0" cy="0"/>
@@ -2496,7 +2615,7 @@
             <p:ph type="title" orient="vert"/>
           </p:nvPr>
         </p:nvSpPr>
-        <p:spPr>
+        <p:spPr bwMode="auto">
           <a:xfrm>
             <a:off x="9294812" y="627405"/>
             <a:ext cx="2207601" cy="5283817"/>
@@ -2506,11 +2625,14 @@
           <a:bodyPr vert="eaVert" anchor="ctr"/>
           <a:lstStyle/>
           <a:p>
+            <a:pPr>
+              <a:defRPr/>
+            </a:pPr>
             <a:r>
               <a:rPr lang="ru-RU"/>
               <a:t>Образец заголовка</a:t>
             </a:r>
-            <a:endParaRPr lang="en-US" dirty="0"/>
+            <a:endParaRPr lang="en-US"/>
           </a:p>
         </p:txBody>
       </p:sp>
@@ -2524,7 +2646,7 @@
             <p:ph type="body" orient="vert" idx="1"/>
           </p:nvPr>
         </p:nvSpPr>
-        <p:spPr>
+        <p:spPr bwMode="auto">
           <a:xfrm>
             <a:off x="2589212" y="627405"/>
             <a:ext cx="6477000" cy="5283817"/>
@@ -2534,40 +2656,54 @@
           <a:bodyPr vert="eaVert"/>
           <a:lstStyle/>
           <a:p>
-            <a:pPr lvl="0"/>
+            <a:pPr lvl="0">
+              <a:defRPr/>
+            </a:pPr>
             <a:r>
               <a:rPr lang="ru-RU"/>
               <a:t>Образец текста</a:t>
             </a:r>
-          </a:p>
-          <a:p>
-            <a:pPr lvl="1"/>
+            <a:endParaRPr/>
+          </a:p>
+          <a:p>
+            <a:pPr lvl="1">
+              <a:defRPr/>
+            </a:pPr>
             <a:r>
               <a:rPr lang="ru-RU"/>
               <a:t>Второй уровень</a:t>
             </a:r>
-          </a:p>
-          <a:p>
-            <a:pPr lvl="2"/>
+            <a:endParaRPr/>
+          </a:p>
+          <a:p>
+            <a:pPr lvl="2">
+              <a:defRPr/>
+            </a:pPr>
             <a:r>
               <a:rPr lang="ru-RU"/>
               <a:t>Третий уровень</a:t>
             </a:r>
-          </a:p>
-          <a:p>
-            <a:pPr lvl="3"/>
+            <a:endParaRPr/>
+          </a:p>
+          <a:p>
+            <a:pPr lvl="3">
+              <a:defRPr/>
+            </a:pPr>
             <a:r>
               <a:rPr lang="ru-RU"/>
               <a:t>Четвертый уровень</a:t>
             </a:r>
-          </a:p>
-          <a:p>
-            <a:pPr lvl="4"/>
+            <a:endParaRPr/>
+          </a:p>
+          <a:p>
+            <a:pPr lvl="4">
+              <a:defRPr/>
+            </a:pPr>
             <a:r>
               <a:rPr lang="ru-RU"/>
               <a:t>Пятый уровень</a:t>
             </a:r>
-            <a:endParaRPr lang="en-US" dirty="0"/>
+            <a:endParaRPr lang="en-US"/>
           </a:p>
         </p:txBody>
       </p:sp>
@@ -2581,17 +2717,19 @@
             <p:ph type="dt" sz="half" idx="10"/>
           </p:nvPr>
         </p:nvSpPr>
-        <p:spPr/>
+        <p:spPr bwMode="auto"/>
         <p:txBody>
           <a:bodyPr/>
           <a:lstStyle/>
           <a:p>
+            <a:pPr>
+              <a:defRPr/>
+            </a:pPr>
             <a:fld id="{B61BEF0D-F0BB-DE4B-95CE-6DB70DBA9567}" type="datetimeFigureOut">
-              <a:rPr lang="en-US" dirty="0"/>
-              <a:pPr/>
-              <a:t>1/1/2024</a:t>
+              <a:rPr lang="en-US"/>
+              <a:t/>
             </a:fld>
-            <a:endParaRPr lang="en-US" dirty="0"/>
+            <a:endParaRPr lang="en-US"/>
           </a:p>
         </p:txBody>
       </p:sp>
@@ -2605,12 +2743,15 @@
             <p:ph type="ftr" sz="quarter" idx="11"/>
           </p:nvPr>
         </p:nvSpPr>
-        <p:spPr/>
+        <p:spPr bwMode="auto"/>
         <p:txBody>
           <a:bodyPr/>
           <a:lstStyle/>
           <a:p>
-            <a:endParaRPr lang="en-US" dirty="0"/>
+            <a:pPr>
+              <a:defRPr/>
+            </a:pPr>
+            <a:endParaRPr lang="en-US"/>
           </a:p>
         </p:txBody>
       </p:sp>
@@ -2623,7 +2764,7 @@
         <p:spPr bwMode="auto">
           <a:xfrm flipV="1">
             <a:off x="-4189" y="714375"/>
-            <a:ext cx="1588527" cy="507297"/>
+            <a:ext cx="1588526" cy="507296"/>
           </a:xfrm>
           <a:custGeom>
             <a:avLst/>
@@ -2632,7 +2773,7 @@
             <a:cxnLst/>
             <a:rect l="l" t="t" r="r" b="b"/>
             <a:pathLst>
-              <a:path w="9248" h="10000">
+              <a:path w="9248" h="10000" fill="norm" stroke="1" extrusionOk="0">
                 <a:moveTo>
                   <a:pt x="9248" y="4701"/>
                 </a:moveTo>
@@ -2706,17 +2847,19 @@
             <p:ph type="sldNum" sz="quarter" idx="12"/>
           </p:nvPr>
         </p:nvSpPr>
-        <p:spPr/>
+        <p:spPr bwMode="auto"/>
         <p:txBody>
           <a:bodyPr/>
           <a:lstStyle/>
           <a:p>
+            <a:pPr>
+              <a:defRPr/>
+            </a:pPr>
             <a:fld id="{D57F1E4F-1CFF-5643-939E-217C01CDF565}" type="slidenum">
-              <a:rPr lang="en-US" dirty="0"/>
-              <a:pPr/>
-              <a:t>‹#›</a:t>
+              <a:rPr lang="en-US"/>
+              <a:t/>
             </a:fld>
-            <a:endParaRPr lang="en-US" dirty="0"/>
+            <a:endParaRPr lang="en-US"/>
           </a:p>
         </p:txBody>
       </p:sp>
@@ -2729,7 +2872,7 @@
 </file>
 
 <file path=ppt/slideLayouts/slideLayout2.xml><?xml version="1.0" encoding="utf-8"?>
-<p:sldLayout xmlns:a="http://schemas.openxmlformats.org/drawingml/2006/main" xmlns:r="http://schemas.openxmlformats.org/officeDocument/2006/relationships" xmlns:p="http://schemas.openxmlformats.org/presentationml/2006/main" type="obj" preserve="1">
+<p:sldLayout xmlns:a="http://schemas.openxmlformats.org/drawingml/2006/main" xmlns:r="http://schemas.openxmlformats.org/officeDocument/2006/relationships" xmlns:p="http://schemas.openxmlformats.org/presentationml/2006/main" xmlns:m="http://schemas.openxmlformats.org/officeDocument/2006/math" xmlns:w="http://schemas.openxmlformats.org/wordprocessingml/2006/main" matchingName="" preserve="1" showMasterPhAnim="0" type="obj" userDrawn="1">
   <p:cSld name="Заголовок и объект">
     <p:spTree>
       <p:nvGrpSpPr>
@@ -2737,7 +2880,7 @@
         <p:cNvGrpSpPr/>
         <p:nvPr/>
       </p:nvGrpSpPr>
-      <p:grpSpPr>
+      <p:grpSpPr bwMode="auto">
         <a:xfrm>
           <a:off x="0" y="0"/>
           <a:ext cx="0" cy="0"/>
@@ -2755,7 +2898,7 @@
             <p:ph type="title"/>
           </p:nvPr>
         </p:nvSpPr>
-        <p:spPr>
+        <p:spPr bwMode="auto">
           <a:xfrm>
             <a:off x="2592925" y="624110"/>
             <a:ext cx="8911687" cy="1280890"/>
@@ -2765,11 +2908,14 @@
           <a:bodyPr/>
           <a:lstStyle/>
           <a:p>
+            <a:pPr>
+              <a:defRPr/>
+            </a:pPr>
             <a:r>
               <a:rPr lang="ru-RU"/>
               <a:t>Образец заголовка</a:t>
             </a:r>
-            <a:endParaRPr lang="en-US" dirty="0"/>
+            <a:endParaRPr lang="en-US"/>
           </a:p>
         </p:txBody>
       </p:sp>
@@ -2783,7 +2929,7 @@
             <p:ph idx="1"/>
           </p:nvPr>
         </p:nvSpPr>
-        <p:spPr>
+        <p:spPr bwMode="auto">
           <a:xfrm>
             <a:off x="2589212" y="2133600"/>
             <a:ext cx="8915400" cy="3777622"/>
@@ -2793,40 +2939,54 @@
           <a:bodyPr/>
           <a:lstStyle/>
           <a:p>
-            <a:pPr lvl="0"/>
+            <a:pPr lvl="0">
+              <a:defRPr/>
+            </a:pPr>
             <a:r>
               <a:rPr lang="ru-RU"/>
               <a:t>Образец текста</a:t>
             </a:r>
-          </a:p>
-          <a:p>
-            <a:pPr lvl="1"/>
+            <a:endParaRPr/>
+          </a:p>
+          <a:p>
+            <a:pPr lvl="1">
+              <a:defRPr/>
+            </a:pPr>
             <a:r>
               <a:rPr lang="ru-RU"/>
               <a:t>Второй уровень</a:t>
             </a:r>
-          </a:p>
-          <a:p>
-            <a:pPr lvl="2"/>
+            <a:endParaRPr/>
+          </a:p>
+          <a:p>
+            <a:pPr lvl="2">
+              <a:defRPr/>
+            </a:pPr>
             <a:r>
               <a:rPr lang="ru-RU"/>
               <a:t>Третий уровень</a:t>
             </a:r>
-          </a:p>
-          <a:p>
-            <a:pPr lvl="3"/>
+            <a:endParaRPr/>
+          </a:p>
+          <a:p>
+            <a:pPr lvl="3">
+              <a:defRPr/>
+            </a:pPr>
             <a:r>
               <a:rPr lang="ru-RU"/>
               <a:t>Четвертый уровень</a:t>
             </a:r>
-          </a:p>
-          <a:p>
-            <a:pPr lvl="4"/>
+            <a:endParaRPr/>
+          </a:p>
+          <a:p>
+            <a:pPr lvl="4">
+              <a:defRPr/>
+            </a:pPr>
             <a:r>
               <a:rPr lang="ru-RU"/>
               <a:t>Пятый уровень</a:t>
             </a:r>
-            <a:endParaRPr lang="en-US" dirty="0"/>
+            <a:endParaRPr lang="en-US"/>
           </a:p>
         </p:txBody>
       </p:sp>
@@ -2840,17 +3000,19 @@
             <p:ph type="dt" sz="half" idx="10"/>
           </p:nvPr>
         </p:nvSpPr>
-        <p:spPr/>
+        <p:spPr bwMode="auto"/>
         <p:txBody>
           <a:bodyPr/>
           <a:lstStyle/>
           <a:p>
+            <a:pPr>
+              <a:defRPr/>
+            </a:pPr>
             <a:fld id="{B61BEF0D-F0BB-DE4B-95CE-6DB70DBA9567}" type="datetimeFigureOut">
-              <a:rPr lang="en-US" dirty="0"/>
-              <a:pPr/>
-              <a:t>1/1/2024</a:t>
+              <a:rPr lang="en-US"/>
+              <a:t/>
             </a:fld>
-            <a:endParaRPr lang="en-US" dirty="0"/>
+            <a:endParaRPr lang="en-US"/>
           </a:p>
         </p:txBody>
       </p:sp>
@@ -2864,12 +3026,15 @@
             <p:ph type="ftr" sz="quarter" idx="11"/>
           </p:nvPr>
         </p:nvSpPr>
-        <p:spPr/>
+        <p:spPr bwMode="auto"/>
         <p:txBody>
           <a:bodyPr/>
           <a:lstStyle/>
           <a:p>
-            <a:endParaRPr lang="en-US" dirty="0"/>
+            <a:pPr>
+              <a:defRPr/>
+            </a:pPr>
+            <a:endParaRPr lang="en-US"/>
           </a:p>
         </p:txBody>
       </p:sp>
@@ -2882,7 +3047,7 @@
         <p:spPr bwMode="auto">
           <a:xfrm flipV="1">
             <a:off x="-4189" y="714375"/>
-            <a:ext cx="1588527" cy="507297"/>
+            <a:ext cx="1588526" cy="507296"/>
           </a:xfrm>
           <a:custGeom>
             <a:avLst/>
@@ -2891,7 +3056,7 @@
             <a:cxnLst/>
             <a:rect l="l" t="t" r="r" b="b"/>
             <a:pathLst>
-              <a:path w="9248" h="10000">
+              <a:path w="9248" h="10000" fill="norm" stroke="1" extrusionOk="0">
                 <a:moveTo>
                   <a:pt x="9248" y="4701"/>
                 </a:moveTo>
@@ -2965,17 +3130,19 @@
             <p:ph type="sldNum" sz="quarter" idx="12"/>
           </p:nvPr>
         </p:nvSpPr>
-        <p:spPr/>
+        <p:spPr bwMode="auto"/>
         <p:txBody>
           <a:bodyPr/>
           <a:lstStyle/>
           <a:p>
+            <a:pPr>
+              <a:defRPr/>
+            </a:pPr>
             <a:fld id="{D57F1E4F-1CFF-5643-939E-217C01CDF565}" type="slidenum">
-              <a:rPr lang="en-US" dirty="0"/>
-              <a:pPr/>
-              <a:t>‹#›</a:t>
+              <a:rPr lang="en-US"/>
+              <a:t/>
             </a:fld>
-            <a:endParaRPr lang="en-US" dirty="0"/>
+            <a:endParaRPr lang="en-US"/>
           </a:p>
         </p:txBody>
       </p:sp>
@@ -2988,7 +3155,7 @@
 </file>
 
 <file path=ppt/slideLayouts/slideLayout3.xml><?xml version="1.0" encoding="utf-8"?>
-<p:sldLayout xmlns:a="http://schemas.openxmlformats.org/drawingml/2006/main" xmlns:r="http://schemas.openxmlformats.org/officeDocument/2006/relationships" xmlns:p="http://schemas.openxmlformats.org/presentationml/2006/main" type="secHead" preserve="1">
+<p:sldLayout xmlns:a="http://schemas.openxmlformats.org/drawingml/2006/main" xmlns:r="http://schemas.openxmlformats.org/officeDocument/2006/relationships" xmlns:p="http://schemas.openxmlformats.org/presentationml/2006/main" xmlns:m="http://schemas.openxmlformats.org/officeDocument/2006/math" xmlns:w="http://schemas.openxmlformats.org/wordprocessingml/2006/main" matchingName="" preserve="1" showMasterPhAnim="0" type="secHead" userDrawn="1">
   <p:cSld name="Заголовок раздела">
     <p:spTree>
       <p:nvGrpSpPr>
@@ -2996,7 +3163,7 @@
         <p:cNvGrpSpPr/>
         <p:nvPr/>
       </p:nvGrpSpPr>
-      <p:grpSpPr>
+      <p:grpSpPr bwMode="auto">
         <a:xfrm>
           <a:off x="0" y="0"/>
           <a:ext cx="0" cy="0"/>
@@ -3014,7 +3181,7 @@
             <p:ph type="title"/>
           </p:nvPr>
         </p:nvSpPr>
-        <p:spPr>
+        <p:spPr bwMode="auto">
           <a:xfrm>
             <a:off x="2589212" y="2058750"/>
             <a:ext cx="8915399" cy="1468800"/>
@@ -3028,11 +3195,14 @@
             </a:lvl1pPr>
           </a:lstStyle>
           <a:p>
+            <a:pPr>
+              <a:defRPr/>
+            </a:pPr>
             <a:r>
               <a:rPr lang="ru-RU"/>
               <a:t>Образец заголовка</a:t>
             </a:r>
-            <a:endParaRPr lang="en-US" dirty="0"/>
+            <a:endParaRPr lang="en-US"/>
           </a:p>
         </p:txBody>
       </p:sp>
@@ -3046,7 +3216,7 @@
             <p:ph type="body" idx="1"/>
           </p:nvPr>
         </p:nvSpPr>
-        <p:spPr>
+        <p:spPr bwMode="auto">
           <a:xfrm>
             <a:off x="2589212" y="3530129"/>
             <a:ext cx="8915399" cy="860400"/>
@@ -3148,11 +3318,14 @@
             </a:lvl9pPr>
           </a:lstStyle>
           <a:p>
-            <a:pPr lvl="0"/>
+            <a:pPr lvl="0">
+              <a:defRPr/>
+            </a:pPr>
             <a:r>
               <a:rPr lang="ru-RU"/>
               <a:t>Образец текста</a:t>
             </a:r>
+            <a:endParaRPr/>
           </a:p>
         </p:txBody>
       </p:sp>
@@ -3166,17 +3339,19 @@
             <p:ph type="dt" sz="half" idx="10"/>
           </p:nvPr>
         </p:nvSpPr>
-        <p:spPr/>
+        <p:spPr bwMode="auto"/>
         <p:txBody>
           <a:bodyPr/>
           <a:lstStyle/>
           <a:p>
+            <a:pPr>
+              <a:defRPr/>
+            </a:pPr>
             <a:fld id="{B61BEF0D-F0BB-DE4B-95CE-6DB70DBA9567}" type="datetimeFigureOut">
-              <a:rPr lang="en-US" dirty="0"/>
-              <a:pPr/>
-              <a:t>1/1/2024</a:t>
+              <a:rPr lang="en-US"/>
+              <a:t/>
             </a:fld>
-            <a:endParaRPr lang="en-US" dirty="0"/>
+            <a:endParaRPr lang="en-US"/>
           </a:p>
         </p:txBody>
       </p:sp>
@@ -3190,12 +3365,15 @@
             <p:ph type="ftr" sz="quarter" idx="11"/>
           </p:nvPr>
         </p:nvSpPr>
-        <p:spPr/>
+        <p:spPr bwMode="auto"/>
         <p:txBody>
           <a:bodyPr/>
           <a:lstStyle/>
           <a:p>
-            <a:endParaRPr lang="en-US" dirty="0"/>
+            <a:pPr>
+              <a:defRPr/>
+            </a:pPr>
+            <a:endParaRPr lang="en-US"/>
           </a:p>
         </p:txBody>
       </p:sp>
@@ -3208,7 +3386,7 @@
         <p:spPr bwMode="auto">
           <a:xfrm flipV="1">
             <a:off x="-4189" y="3178175"/>
-            <a:ext cx="1588527" cy="507297"/>
+            <a:ext cx="1588526" cy="507296"/>
           </a:xfrm>
           <a:custGeom>
             <a:avLst/>
@@ -3217,7 +3395,7 @@
             <a:cxnLst/>
             <a:rect l="l" t="t" r="r" b="b"/>
             <a:pathLst>
-              <a:path w="9248" h="10000">
+              <a:path w="9248" h="10000" fill="norm" stroke="1" extrusionOk="0">
                 <a:moveTo>
                   <a:pt x="9248" y="4701"/>
                 </a:moveTo>
@@ -3291,22 +3469,24 @@
             <p:ph type="sldNum" sz="quarter" idx="12"/>
           </p:nvPr>
         </p:nvSpPr>
-        <p:spPr>
+        <p:spPr bwMode="auto">
           <a:xfrm>
             <a:off x="531812" y="3244139"/>
-            <a:ext cx="779767" cy="365125"/>
+            <a:ext cx="779766" cy="365125"/>
           </a:xfrm>
         </p:spPr>
         <p:txBody>
           <a:bodyPr/>
           <a:lstStyle/>
           <a:p>
+            <a:pPr>
+              <a:defRPr/>
+            </a:pPr>
             <a:fld id="{D57F1E4F-1CFF-5643-939E-217C01CDF565}" type="slidenum">
-              <a:rPr lang="en-US" dirty="0"/>
-              <a:pPr/>
-              <a:t>‹#›</a:t>
+              <a:rPr lang="en-US"/>
+              <a:t/>
             </a:fld>
-            <a:endParaRPr lang="en-US" dirty="0"/>
+            <a:endParaRPr lang="en-US"/>
           </a:p>
         </p:txBody>
       </p:sp>
@@ -3319,7 +3499,7 @@
 </file>
 
 <file path=ppt/slideLayouts/slideLayout4.xml><?xml version="1.0" encoding="utf-8"?>
-<p:sldLayout xmlns:a="http://schemas.openxmlformats.org/drawingml/2006/main" xmlns:r="http://schemas.openxmlformats.org/officeDocument/2006/relationships" xmlns:p="http://schemas.openxmlformats.org/presentationml/2006/main" type="twoObj" preserve="1">
+<p:sldLayout xmlns:a="http://schemas.openxmlformats.org/drawingml/2006/main" xmlns:r="http://schemas.openxmlformats.org/officeDocument/2006/relationships" xmlns:p="http://schemas.openxmlformats.org/presentationml/2006/main" xmlns:m="http://schemas.openxmlformats.org/officeDocument/2006/math" xmlns:w="http://schemas.openxmlformats.org/wordprocessingml/2006/main" matchingName="" preserve="1" showMasterPhAnim="0" type="twoObj" userDrawn="1">
   <p:cSld name="Два объекта">
     <p:spTree>
       <p:nvGrpSpPr>
@@ -3327,7 +3507,7 @@
         <p:cNvGrpSpPr/>
         <p:nvPr/>
       </p:nvGrpSpPr>
-      <p:grpSpPr>
+      <p:grpSpPr bwMode="auto">
         <a:xfrm>
           <a:off x="0" y="0"/>
           <a:ext cx="0" cy="0"/>
@@ -3345,16 +3525,19 @@
             <p:ph type="title"/>
           </p:nvPr>
         </p:nvSpPr>
-        <p:spPr/>
+        <p:spPr bwMode="auto"/>
         <p:txBody>
           <a:bodyPr/>
           <a:lstStyle/>
           <a:p>
+            <a:pPr>
+              <a:defRPr/>
+            </a:pPr>
             <a:r>
               <a:rPr lang="ru-RU"/>
               <a:t>Образец заголовка</a:t>
             </a:r>
-            <a:endParaRPr lang="en-US" dirty="0"/>
+            <a:endParaRPr lang="en-US"/>
           </a:p>
         </p:txBody>
       </p:sp>
@@ -3368,7 +3551,7 @@
             <p:ph sz="half" idx="1"/>
           </p:nvPr>
         </p:nvSpPr>
-        <p:spPr>
+        <p:spPr bwMode="auto">
           <a:xfrm>
             <a:off x="2589212" y="2133600"/>
             <a:ext cx="4313864" cy="3777622"/>
@@ -3380,40 +3563,54 @@
           </a:bodyPr>
           <a:lstStyle/>
           <a:p>
-            <a:pPr lvl="0"/>
+            <a:pPr lvl="0">
+              <a:defRPr/>
+            </a:pPr>
             <a:r>
               <a:rPr lang="ru-RU"/>
               <a:t>Образец текста</a:t>
             </a:r>
-          </a:p>
-          <a:p>
-            <a:pPr lvl="1"/>
+            <a:endParaRPr/>
+          </a:p>
+          <a:p>
+            <a:pPr lvl="1">
+              <a:defRPr/>
+            </a:pPr>
             <a:r>
               <a:rPr lang="ru-RU"/>
               <a:t>Второй уровень</a:t>
             </a:r>
-          </a:p>
-          <a:p>
-            <a:pPr lvl="2"/>
+            <a:endParaRPr/>
+          </a:p>
+          <a:p>
+            <a:pPr lvl="2">
+              <a:defRPr/>
+            </a:pPr>
             <a:r>
               <a:rPr lang="ru-RU"/>
               <a:t>Третий уровень</a:t>
             </a:r>
-          </a:p>
-          <a:p>
-            <a:pPr lvl="3"/>
+            <a:endParaRPr/>
+          </a:p>
+          <a:p>
+            <a:pPr lvl="3">
+              <a:defRPr/>
+            </a:pPr>
             <a:r>
               <a:rPr lang="ru-RU"/>
               <a:t>Четвертый уровень</a:t>
             </a:r>
-          </a:p>
-          <a:p>
-            <a:pPr lvl="4"/>
+            <a:endParaRPr/>
+          </a:p>
+          <a:p>
+            <a:pPr lvl="4">
+              <a:defRPr/>
+            </a:pPr>
             <a:r>
               <a:rPr lang="ru-RU"/>
               <a:t>Пятый уровень</a:t>
             </a:r>
-            <a:endParaRPr lang="en-US" dirty="0"/>
+            <a:endParaRPr lang="en-US"/>
           </a:p>
         </p:txBody>
       </p:sp>
@@ -3427,7 +3624,7 @@
             <p:ph sz="half" idx="2"/>
           </p:nvPr>
         </p:nvSpPr>
-        <p:spPr>
+        <p:spPr bwMode="auto">
           <a:xfrm>
             <a:off x="7190747" y="2126222"/>
             <a:ext cx="4313864" cy="3777622"/>
@@ -3439,40 +3636,54 @@
           </a:bodyPr>
           <a:lstStyle/>
           <a:p>
-            <a:pPr lvl="0"/>
+            <a:pPr lvl="0">
+              <a:defRPr/>
+            </a:pPr>
             <a:r>
               <a:rPr lang="ru-RU"/>
               <a:t>Образец текста</a:t>
             </a:r>
-          </a:p>
-          <a:p>
-            <a:pPr lvl="1"/>
+            <a:endParaRPr/>
+          </a:p>
+          <a:p>
+            <a:pPr lvl="1">
+              <a:defRPr/>
+            </a:pPr>
             <a:r>
               <a:rPr lang="ru-RU"/>
               <a:t>Второй уровень</a:t>
             </a:r>
-          </a:p>
-          <a:p>
-            <a:pPr lvl="2"/>
+            <a:endParaRPr/>
+          </a:p>
+          <a:p>
+            <a:pPr lvl="2">
+              <a:defRPr/>
+            </a:pPr>
             <a:r>
               <a:rPr lang="ru-RU"/>
               <a:t>Третий уровень</a:t>
             </a:r>
-          </a:p>
-          <a:p>
-            <a:pPr lvl="3"/>
+            <a:endParaRPr/>
+          </a:p>
+          <a:p>
+            <a:pPr lvl="3">
+              <a:defRPr/>
+            </a:pPr>
             <a:r>
               <a:rPr lang="ru-RU"/>
               <a:t>Четвертый уровень</a:t>
             </a:r>
-          </a:p>
-          <a:p>
-            <a:pPr lvl="4"/>
+            <a:endParaRPr/>
+          </a:p>
+          <a:p>
+            <a:pPr lvl="4">
+              <a:defRPr/>
+            </a:pPr>
             <a:r>
               <a:rPr lang="ru-RU"/>
               <a:t>Пятый уровень</a:t>
             </a:r>
-            <a:endParaRPr lang="en-US" dirty="0"/>
+            <a:endParaRPr lang="en-US"/>
           </a:p>
         </p:txBody>
       </p:sp>
@@ -3486,17 +3697,19 @@
             <p:ph type="dt" sz="half" idx="10"/>
           </p:nvPr>
         </p:nvSpPr>
-        <p:spPr/>
+        <p:spPr bwMode="auto"/>
         <p:txBody>
           <a:bodyPr/>
           <a:lstStyle/>
           <a:p>
+            <a:pPr>
+              <a:defRPr/>
+            </a:pPr>
             <a:fld id="{B61BEF0D-F0BB-DE4B-95CE-6DB70DBA9567}" type="datetimeFigureOut">
-              <a:rPr lang="en-US" dirty="0"/>
-              <a:pPr/>
-              <a:t>1/1/2024</a:t>
+              <a:rPr lang="en-US"/>
+              <a:t/>
             </a:fld>
-            <a:endParaRPr lang="en-US" dirty="0"/>
+            <a:endParaRPr lang="en-US"/>
           </a:p>
         </p:txBody>
       </p:sp>
@@ -3510,12 +3723,15 @@
             <p:ph type="ftr" sz="quarter" idx="11"/>
           </p:nvPr>
         </p:nvSpPr>
-        <p:spPr/>
+        <p:spPr bwMode="auto"/>
         <p:txBody>
           <a:bodyPr/>
           <a:lstStyle/>
           <a:p>
-            <a:endParaRPr lang="en-US" dirty="0"/>
+            <a:pPr>
+              <a:defRPr/>
+            </a:pPr>
+            <a:endParaRPr lang="en-US"/>
           </a:p>
         </p:txBody>
       </p:sp>
@@ -3528,7 +3744,7 @@
         <p:spPr bwMode="auto">
           <a:xfrm flipV="1">
             <a:off x="-4189" y="714375"/>
-            <a:ext cx="1588527" cy="507297"/>
+            <a:ext cx="1588526" cy="507296"/>
           </a:xfrm>
           <a:custGeom>
             <a:avLst/>
@@ -3537,7 +3753,7 @@
             <a:cxnLst/>
             <a:rect l="l" t="t" r="r" b="b"/>
             <a:pathLst>
-              <a:path w="9248" h="10000">
+              <a:path w="9248" h="10000" fill="norm" stroke="1" extrusionOk="0">
                 <a:moveTo>
                   <a:pt x="9248" y="4701"/>
                 </a:moveTo>
@@ -3611,22 +3827,24 @@
             <p:ph type="sldNum" sz="quarter" idx="12"/>
           </p:nvPr>
         </p:nvSpPr>
-        <p:spPr>
+        <p:spPr bwMode="auto">
           <a:xfrm>
             <a:off x="531812" y="787782"/>
-            <a:ext cx="779767" cy="365125"/>
+            <a:ext cx="779766" cy="365125"/>
           </a:xfrm>
         </p:spPr>
         <p:txBody>
           <a:bodyPr/>
           <a:lstStyle/>
           <a:p>
+            <a:pPr>
+              <a:defRPr/>
+            </a:pPr>
             <a:fld id="{D57F1E4F-1CFF-5643-939E-217C01CDF565}" type="slidenum">
-              <a:rPr lang="en-US" dirty="0"/>
-              <a:pPr/>
-              <a:t>‹#›</a:t>
+              <a:rPr lang="en-US"/>
+              <a:t/>
             </a:fld>
-            <a:endParaRPr lang="en-US" dirty="0"/>
+            <a:endParaRPr lang="en-US"/>
           </a:p>
         </p:txBody>
       </p:sp>
@@ -3639,7 +3857,7 @@
 </file>
 
 <file path=ppt/slideLayouts/slideLayout5.xml><?xml version="1.0" encoding="utf-8"?>
-<p:sldLayout xmlns:a="http://schemas.openxmlformats.org/drawingml/2006/main" xmlns:r="http://schemas.openxmlformats.org/officeDocument/2006/relationships" xmlns:p="http://schemas.openxmlformats.org/presentationml/2006/main" type="twoTxTwoObj" preserve="1">
+<p:sldLayout xmlns:a="http://schemas.openxmlformats.org/drawingml/2006/main" xmlns:r="http://schemas.openxmlformats.org/officeDocument/2006/relationships" xmlns:p="http://schemas.openxmlformats.org/presentationml/2006/main" xmlns:m="http://schemas.openxmlformats.org/officeDocument/2006/math" xmlns:w="http://schemas.openxmlformats.org/wordprocessingml/2006/main" matchingName="" preserve="1" showMasterPhAnim="0" type="twoTxTwoObj" userDrawn="1">
   <p:cSld name="Сравнение">
     <p:spTree>
       <p:nvGrpSpPr>
@@ -3647,7 +3865,7 @@
         <p:cNvGrpSpPr/>
         <p:nvPr/>
       </p:nvGrpSpPr>
-      <p:grpSpPr>
+      <p:grpSpPr bwMode="auto">
         <a:xfrm>
           <a:off x="0" y="0"/>
           <a:ext cx="0" cy="0"/>
@@ -3665,16 +3883,19 @@
             <p:ph type="title"/>
           </p:nvPr>
         </p:nvSpPr>
-        <p:spPr/>
+        <p:spPr bwMode="auto"/>
         <p:txBody>
           <a:bodyPr/>
           <a:lstStyle/>
           <a:p>
+            <a:pPr>
+              <a:defRPr/>
+            </a:pPr>
             <a:r>
               <a:rPr lang="ru-RU"/>
               <a:t>Образец заголовка</a:t>
             </a:r>
-            <a:endParaRPr lang="en-US" dirty="0"/>
+            <a:endParaRPr lang="en-US"/>
           </a:p>
         </p:txBody>
       </p:sp>
@@ -3688,7 +3909,7 @@
             <p:ph type="body" idx="1"/>
           </p:nvPr>
         </p:nvSpPr>
-        <p:spPr>
+        <p:spPr bwMode="auto">
           <a:xfrm>
             <a:off x="2939373" y="1972703"/>
             <a:ext cx="3992732" cy="576262"/>
@@ -3737,11 +3958,14 @@
             </a:lvl9pPr>
           </a:lstStyle>
           <a:p>
-            <a:pPr lvl="0"/>
+            <a:pPr lvl="0">
+              <a:defRPr/>
+            </a:pPr>
             <a:r>
               <a:rPr lang="ru-RU"/>
               <a:t>Образец текста</a:t>
             </a:r>
+            <a:endParaRPr/>
           </a:p>
         </p:txBody>
       </p:sp>
@@ -3755,7 +3979,7 @@
             <p:ph sz="half" idx="2"/>
           </p:nvPr>
         </p:nvSpPr>
-        <p:spPr>
+        <p:spPr bwMode="auto">
           <a:xfrm>
             <a:off x="2589212" y="2548966"/>
             <a:ext cx="4342893" cy="3354060"/>
@@ -3767,40 +3991,54 @@
           </a:bodyPr>
           <a:lstStyle/>
           <a:p>
-            <a:pPr lvl="0"/>
+            <a:pPr lvl="0">
+              <a:defRPr/>
+            </a:pPr>
             <a:r>
               <a:rPr lang="ru-RU"/>
               <a:t>Образец текста</a:t>
             </a:r>
-          </a:p>
-          <a:p>
-            <a:pPr lvl="1"/>
+            <a:endParaRPr/>
+          </a:p>
+          <a:p>
+            <a:pPr lvl="1">
+              <a:defRPr/>
+            </a:pPr>
             <a:r>
               <a:rPr lang="ru-RU"/>
               <a:t>Второй уровень</a:t>
             </a:r>
-          </a:p>
-          <a:p>
-            <a:pPr lvl="2"/>
+            <a:endParaRPr/>
+          </a:p>
+          <a:p>
+            <a:pPr lvl="2">
+              <a:defRPr/>
+            </a:pPr>
             <a:r>
               <a:rPr lang="ru-RU"/>
               <a:t>Третий уровень</a:t>
             </a:r>
-          </a:p>
-          <a:p>
-            <a:pPr lvl="3"/>
+            <a:endParaRPr/>
+          </a:p>
+          <a:p>
+            <a:pPr lvl="3">
+              <a:defRPr/>
+            </a:pPr>
             <a:r>
               <a:rPr lang="ru-RU"/>
               <a:t>Четвертый уровень</a:t>
             </a:r>
-          </a:p>
-          <a:p>
-            <a:pPr lvl="4"/>
+            <a:endParaRPr/>
+          </a:p>
+          <a:p>
+            <a:pPr lvl="4">
+              <a:defRPr/>
+            </a:pPr>
             <a:r>
               <a:rPr lang="ru-RU"/>
               <a:t>Пятый уровень</a:t>
             </a:r>
-            <a:endParaRPr lang="en-US" dirty="0"/>
+            <a:endParaRPr lang="en-US"/>
           </a:p>
         </p:txBody>
       </p:sp>
@@ -3814,7 +4052,7 @@
             <p:ph type="body" sz="quarter" idx="3"/>
           </p:nvPr>
         </p:nvSpPr>
-        <p:spPr>
+        <p:spPr bwMode="auto">
           <a:xfrm>
             <a:off x="7506629" y="1969475"/>
             <a:ext cx="3999001" cy="576262"/>
@@ -3863,11 +4101,14 @@
             </a:lvl9pPr>
           </a:lstStyle>
           <a:p>
-            <a:pPr lvl="0"/>
+            <a:pPr lvl="0">
+              <a:defRPr/>
+            </a:pPr>
             <a:r>
               <a:rPr lang="ru-RU"/>
               <a:t>Образец текста</a:t>
             </a:r>
+            <a:endParaRPr/>
           </a:p>
         </p:txBody>
       </p:sp>
@@ -3881,7 +4122,7 @@
             <p:ph sz="quarter" idx="4"/>
           </p:nvPr>
         </p:nvSpPr>
-        <p:spPr>
+        <p:spPr bwMode="auto">
           <a:xfrm>
             <a:off x="7166957" y="2545738"/>
             <a:ext cx="4338674" cy="3354060"/>
@@ -3893,40 +4134,54 @@
           </a:bodyPr>
           <a:lstStyle/>
           <a:p>
-            <a:pPr lvl="0"/>
+            <a:pPr lvl="0">
+              <a:defRPr/>
+            </a:pPr>
             <a:r>
               <a:rPr lang="ru-RU"/>
               <a:t>Образец текста</a:t>
             </a:r>
-          </a:p>
-          <a:p>
-            <a:pPr lvl="1"/>
+            <a:endParaRPr/>
+          </a:p>
+          <a:p>
+            <a:pPr lvl="1">
+              <a:defRPr/>
+            </a:pPr>
             <a:r>
               <a:rPr lang="ru-RU"/>
               <a:t>Второй уровень</a:t>
             </a:r>
-          </a:p>
-          <a:p>
-            <a:pPr lvl="2"/>
+            <a:endParaRPr/>
+          </a:p>
+          <a:p>
+            <a:pPr lvl="2">
+              <a:defRPr/>
+            </a:pPr>
             <a:r>
               <a:rPr lang="ru-RU"/>
               <a:t>Третий уровень</a:t>
             </a:r>
-          </a:p>
-          <a:p>
-            <a:pPr lvl="3"/>
+            <a:endParaRPr/>
+          </a:p>
+          <a:p>
+            <a:pPr lvl="3">
+              <a:defRPr/>
+            </a:pPr>
             <a:r>
               <a:rPr lang="ru-RU"/>
               <a:t>Четвертый уровень</a:t>
             </a:r>
-          </a:p>
-          <a:p>
-            <a:pPr lvl="4"/>
+            <a:endParaRPr/>
+          </a:p>
+          <a:p>
+            <a:pPr lvl="4">
+              <a:defRPr/>
+            </a:pPr>
             <a:r>
               <a:rPr lang="ru-RU"/>
               <a:t>Пятый уровень</a:t>
             </a:r>
-            <a:endParaRPr lang="en-US" dirty="0"/>
+            <a:endParaRPr lang="en-US"/>
           </a:p>
         </p:txBody>
       </p:sp>
@@ -3940,17 +4195,19 @@
             <p:ph type="dt" sz="half" idx="10"/>
           </p:nvPr>
         </p:nvSpPr>
-        <p:spPr/>
+        <p:spPr bwMode="auto"/>
         <p:txBody>
           <a:bodyPr/>
           <a:lstStyle/>
           <a:p>
+            <a:pPr>
+              <a:defRPr/>
+            </a:pPr>
             <a:fld id="{B61BEF0D-F0BB-DE4B-95CE-6DB70DBA9567}" type="datetimeFigureOut">
-              <a:rPr lang="en-US" dirty="0"/>
-              <a:pPr/>
-              <a:t>1/1/2024</a:t>
+              <a:rPr lang="en-US"/>
+              <a:t/>
             </a:fld>
-            <a:endParaRPr lang="en-US" dirty="0"/>
+            <a:endParaRPr lang="en-US"/>
           </a:p>
         </p:txBody>
       </p:sp>
@@ -3964,12 +4221,15 @@
             <p:ph type="ftr" sz="quarter" idx="11"/>
           </p:nvPr>
         </p:nvSpPr>
-        <p:spPr/>
+        <p:spPr bwMode="auto"/>
         <p:txBody>
           <a:bodyPr/>
           <a:lstStyle/>
           <a:p>
-            <a:endParaRPr lang="en-US" dirty="0"/>
+            <a:pPr>
+              <a:defRPr/>
+            </a:pPr>
+            <a:endParaRPr lang="en-US"/>
           </a:p>
         </p:txBody>
       </p:sp>
@@ -3982,7 +4242,7 @@
         <p:spPr bwMode="auto">
           <a:xfrm flipV="1">
             <a:off x="-4189" y="714375"/>
-            <a:ext cx="1588527" cy="507297"/>
+            <a:ext cx="1588526" cy="507296"/>
           </a:xfrm>
           <a:custGeom>
             <a:avLst/>
@@ -3991,7 +4251,7 @@
             <a:cxnLst/>
             <a:rect l="l" t="t" r="r" b="b"/>
             <a:pathLst>
-              <a:path w="9248" h="10000">
+              <a:path w="9248" h="10000" fill="norm" stroke="1" extrusionOk="0">
                 <a:moveTo>
                   <a:pt x="9248" y="4701"/>
                 </a:moveTo>
@@ -4065,22 +4325,24 @@
             <p:ph type="sldNum" sz="quarter" idx="12"/>
           </p:nvPr>
         </p:nvSpPr>
-        <p:spPr>
+        <p:spPr bwMode="auto">
           <a:xfrm>
             <a:off x="531812" y="787782"/>
-            <a:ext cx="779767" cy="365125"/>
+            <a:ext cx="779766" cy="365125"/>
           </a:xfrm>
         </p:spPr>
         <p:txBody>
           <a:bodyPr/>
           <a:lstStyle/>
           <a:p>
+            <a:pPr>
+              <a:defRPr/>
+            </a:pPr>
             <a:fld id="{D57F1E4F-1CFF-5643-939E-217C01CDF565}" type="slidenum">
-              <a:rPr lang="en-US" dirty="0"/>
-              <a:pPr/>
-              <a:t>‹#›</a:t>
+              <a:rPr lang="en-US"/>
+              <a:t/>
             </a:fld>
-            <a:endParaRPr lang="en-US" dirty="0"/>
+            <a:endParaRPr lang="en-US"/>
           </a:p>
         </p:txBody>
       </p:sp>
@@ -4093,7 +4355,7 @@
 </file>
 
 <file path=ppt/slideLayouts/slideLayout6.xml><?xml version="1.0" encoding="utf-8"?>
-<p:sldLayout xmlns:a="http://schemas.openxmlformats.org/drawingml/2006/main" xmlns:r="http://schemas.openxmlformats.org/officeDocument/2006/relationships" xmlns:p="http://schemas.openxmlformats.org/presentationml/2006/main" type="titleOnly" preserve="1">
+<p:sldLayout xmlns:a="http://schemas.openxmlformats.org/drawingml/2006/main" xmlns:r="http://schemas.openxmlformats.org/officeDocument/2006/relationships" xmlns:p="http://schemas.openxmlformats.org/presentationml/2006/main" xmlns:m="http://schemas.openxmlformats.org/officeDocument/2006/math" xmlns:w="http://schemas.openxmlformats.org/wordprocessingml/2006/main" matchingName="" preserve="1" showMasterPhAnim="0" type="titleOnly" userDrawn="1">
   <p:cSld name="Только заголовок">
     <p:spTree>
       <p:nvGrpSpPr>
@@ -4101,7 +4363,7 @@
         <p:cNvGrpSpPr/>
         <p:nvPr/>
       </p:nvGrpSpPr>
-      <p:grpSpPr>
+      <p:grpSpPr bwMode="auto">
         <a:xfrm>
           <a:off x="0" y="0"/>
           <a:ext cx="0" cy="0"/>
@@ -4119,16 +4381,19 @@
             <p:ph type="title"/>
           </p:nvPr>
         </p:nvSpPr>
-        <p:spPr/>
+        <p:spPr bwMode="auto"/>
         <p:txBody>
           <a:bodyPr/>
           <a:lstStyle/>
           <a:p>
+            <a:pPr>
+              <a:defRPr/>
+            </a:pPr>
             <a:r>
               <a:rPr lang="ru-RU"/>
               <a:t>Образец заголовка</a:t>
             </a:r>
-            <a:endParaRPr lang="en-US" dirty="0"/>
+            <a:endParaRPr lang="en-US"/>
           </a:p>
         </p:txBody>
       </p:sp>
@@ -4142,17 +4407,19 @@
             <p:ph type="dt" sz="half" idx="10"/>
           </p:nvPr>
         </p:nvSpPr>
-        <p:spPr/>
+        <p:spPr bwMode="auto"/>
         <p:txBody>
           <a:bodyPr/>
           <a:lstStyle/>
           <a:p>
+            <a:pPr>
+              <a:defRPr/>
+            </a:pPr>
             <a:fld id="{B61BEF0D-F0BB-DE4B-95CE-6DB70DBA9567}" type="datetimeFigureOut">
-              <a:rPr lang="en-US" dirty="0"/>
-              <a:pPr/>
-              <a:t>1/1/2024</a:t>
+              <a:rPr lang="en-US"/>
+              <a:t/>
             </a:fld>
-            <a:endParaRPr lang="en-US" dirty="0"/>
+            <a:endParaRPr lang="en-US"/>
           </a:p>
         </p:txBody>
       </p:sp>
@@ -4166,12 +4433,15 @@
             <p:ph type="ftr" sz="quarter" idx="11"/>
           </p:nvPr>
         </p:nvSpPr>
-        <p:spPr/>
+        <p:spPr bwMode="auto"/>
         <p:txBody>
           <a:bodyPr/>
           <a:lstStyle/>
           <a:p>
-            <a:endParaRPr lang="en-US" dirty="0"/>
+            <a:pPr>
+              <a:defRPr/>
+            </a:pPr>
+            <a:endParaRPr lang="en-US"/>
           </a:p>
         </p:txBody>
       </p:sp>
@@ -4184,7 +4454,7 @@
         <p:spPr bwMode="auto">
           <a:xfrm flipV="1">
             <a:off x="-4189" y="714375"/>
-            <a:ext cx="1588527" cy="507297"/>
+            <a:ext cx="1588526" cy="507296"/>
           </a:xfrm>
           <a:custGeom>
             <a:avLst/>
@@ -4193,7 +4463,7 @@
             <a:cxnLst/>
             <a:rect l="l" t="t" r="r" b="b"/>
             <a:pathLst>
-              <a:path w="9248" h="10000">
+              <a:path w="9248" h="10000" fill="norm" stroke="1" extrusionOk="0">
                 <a:moveTo>
                   <a:pt x="9248" y="4701"/>
                 </a:moveTo>
@@ -4267,17 +4537,19 @@
             <p:ph type="sldNum" sz="quarter" idx="12"/>
           </p:nvPr>
         </p:nvSpPr>
-        <p:spPr/>
+        <p:spPr bwMode="auto"/>
         <p:txBody>
           <a:bodyPr/>
           <a:lstStyle/>
           <a:p>
+            <a:pPr>
+              <a:defRPr/>
+            </a:pPr>
             <a:fld id="{D57F1E4F-1CFF-5643-939E-217C01CDF565}" type="slidenum">
-              <a:rPr lang="en-US" dirty="0"/>
-              <a:pPr/>
-              <a:t>‹#›</a:t>
+              <a:rPr lang="en-US"/>
+              <a:t/>
             </a:fld>
-            <a:endParaRPr lang="en-US" dirty="0"/>
+            <a:endParaRPr lang="en-US"/>
           </a:p>
         </p:txBody>
       </p:sp>
@@ -4290,7 +4562,7 @@
 </file>
 
 <file path=ppt/slideLayouts/slideLayout7.xml><?xml version="1.0" encoding="utf-8"?>
-<p:sldLayout xmlns:a="http://schemas.openxmlformats.org/drawingml/2006/main" xmlns:r="http://schemas.openxmlformats.org/officeDocument/2006/relationships" xmlns:p="http://schemas.openxmlformats.org/presentationml/2006/main" type="blank" preserve="1">
+<p:sldLayout xmlns:a="http://schemas.openxmlformats.org/drawingml/2006/main" xmlns:r="http://schemas.openxmlformats.org/officeDocument/2006/relationships" xmlns:p="http://schemas.openxmlformats.org/presentationml/2006/main" xmlns:m="http://schemas.openxmlformats.org/officeDocument/2006/math" xmlns:w="http://schemas.openxmlformats.org/wordprocessingml/2006/main" matchingName="" preserve="1" showMasterPhAnim="0" type="blank" userDrawn="1">
   <p:cSld name="Пустой слайд">
     <p:spTree>
       <p:nvGrpSpPr>
@@ -4298,7 +4570,7 @@
         <p:cNvGrpSpPr/>
         <p:nvPr/>
       </p:nvGrpSpPr>
-      <p:grpSpPr>
+      <p:grpSpPr bwMode="auto">
         <a:xfrm>
           <a:off x="0" y="0"/>
           <a:ext cx="0" cy="0"/>
@@ -4316,17 +4588,19 @@
             <p:ph type="dt" sz="half" idx="10"/>
           </p:nvPr>
         </p:nvSpPr>
-        <p:spPr/>
+        <p:spPr bwMode="auto"/>
         <p:txBody>
           <a:bodyPr/>
           <a:lstStyle/>
           <a:p>
+            <a:pPr>
+              <a:defRPr/>
+            </a:pPr>
             <a:fld id="{B61BEF0D-F0BB-DE4B-95CE-6DB70DBA9567}" type="datetimeFigureOut">
-              <a:rPr lang="en-US" dirty="0"/>
-              <a:pPr/>
-              <a:t>1/1/2024</a:t>
+              <a:rPr lang="en-US"/>
+              <a:t/>
             </a:fld>
-            <a:endParaRPr lang="en-US" dirty="0"/>
+            <a:endParaRPr lang="en-US"/>
           </a:p>
         </p:txBody>
       </p:sp>
@@ -4340,12 +4614,15 @@
             <p:ph type="ftr" sz="quarter" idx="11"/>
           </p:nvPr>
         </p:nvSpPr>
-        <p:spPr/>
+        <p:spPr bwMode="auto"/>
         <p:txBody>
           <a:bodyPr/>
           <a:lstStyle/>
           <a:p>
-            <a:endParaRPr lang="en-US" dirty="0"/>
+            <a:pPr>
+              <a:defRPr/>
+            </a:pPr>
+            <a:endParaRPr lang="en-US"/>
           </a:p>
         </p:txBody>
       </p:sp>
@@ -4358,7 +4635,7 @@
         <p:spPr bwMode="auto">
           <a:xfrm flipV="1">
             <a:off x="-4189" y="714375"/>
-            <a:ext cx="1588527" cy="507297"/>
+            <a:ext cx="1588526" cy="507296"/>
           </a:xfrm>
           <a:custGeom>
             <a:avLst/>
@@ -4367,7 +4644,7 @@
             <a:cxnLst/>
             <a:rect l="l" t="t" r="r" b="b"/>
             <a:pathLst>
-              <a:path w="9248" h="10000">
+              <a:path w="9248" h="10000" fill="norm" stroke="1" extrusionOk="0">
                 <a:moveTo>
                   <a:pt x="9248" y="4701"/>
                 </a:moveTo>
@@ -4441,17 +4718,19 @@
             <p:ph type="sldNum" sz="quarter" idx="12"/>
           </p:nvPr>
         </p:nvSpPr>
-        <p:spPr/>
+        <p:spPr bwMode="auto"/>
         <p:txBody>
           <a:bodyPr/>
           <a:lstStyle/>
           <a:p>
+            <a:pPr>
+              <a:defRPr/>
+            </a:pPr>
             <a:fld id="{D57F1E4F-1CFF-5643-939E-217C01CDF565}" type="slidenum">
-              <a:rPr lang="en-US" dirty="0"/>
-              <a:pPr/>
-              <a:t>‹#›</a:t>
+              <a:rPr lang="en-US"/>
+              <a:t/>
             </a:fld>
-            <a:endParaRPr lang="en-US" dirty="0"/>
+            <a:endParaRPr lang="en-US"/>
           </a:p>
         </p:txBody>
       </p:sp>
@@ -4464,7 +4743,7 @@
 </file>
 
 <file path=ppt/slideLayouts/slideLayout8.xml><?xml version="1.0" encoding="utf-8"?>
-<p:sldLayout xmlns:a="http://schemas.openxmlformats.org/drawingml/2006/main" xmlns:r="http://schemas.openxmlformats.org/officeDocument/2006/relationships" xmlns:p="http://schemas.openxmlformats.org/presentationml/2006/main" type="objTx" preserve="1">
+<p:sldLayout xmlns:a="http://schemas.openxmlformats.org/drawingml/2006/main" xmlns:r="http://schemas.openxmlformats.org/officeDocument/2006/relationships" xmlns:p="http://schemas.openxmlformats.org/presentationml/2006/main" xmlns:m="http://schemas.openxmlformats.org/officeDocument/2006/math" xmlns:w="http://schemas.openxmlformats.org/wordprocessingml/2006/main" matchingName="" preserve="1" showMasterPhAnim="0" type="objTx" userDrawn="1">
   <p:cSld name="Объект с подписью">
     <p:spTree>
       <p:nvGrpSpPr>
@@ -4472,7 +4751,7 @@
         <p:cNvGrpSpPr/>
         <p:nvPr/>
       </p:nvGrpSpPr>
-      <p:grpSpPr>
+      <p:grpSpPr bwMode="auto">
         <a:xfrm>
           <a:off x="0" y="0"/>
           <a:ext cx="0" cy="0"/>
@@ -4490,7 +4769,7 @@
             <p:ph type="title"/>
           </p:nvPr>
         </p:nvSpPr>
-        <p:spPr>
+        <p:spPr bwMode="auto">
           <a:xfrm>
             <a:off x="2589212" y="446088"/>
             <a:ext cx="3505199" cy="976312"/>
@@ -4504,11 +4783,14 @@
             </a:lvl1pPr>
           </a:lstStyle>
           <a:p>
+            <a:pPr>
+              <a:defRPr/>
+            </a:pPr>
             <a:r>
               <a:rPr lang="ru-RU"/>
               <a:t>Образец заголовка</a:t>
             </a:r>
-            <a:endParaRPr lang="en-US" dirty="0"/>
+            <a:endParaRPr lang="en-US"/>
           </a:p>
         </p:txBody>
       </p:sp>
@@ -4522,7 +4804,7 @@
             <p:ph idx="1"/>
           </p:nvPr>
         </p:nvSpPr>
-        <p:spPr>
+        <p:spPr bwMode="auto">
           <a:xfrm>
             <a:off x="6323012" y="446088"/>
             <a:ext cx="5181600" cy="5414963"/>
@@ -4534,40 +4816,54 @@
           </a:bodyPr>
           <a:lstStyle/>
           <a:p>
-            <a:pPr lvl="0"/>
+            <a:pPr lvl="0">
+              <a:defRPr/>
+            </a:pPr>
             <a:r>
               <a:rPr lang="ru-RU"/>
               <a:t>Образец текста</a:t>
             </a:r>
-          </a:p>
-          <a:p>
-            <a:pPr lvl="1"/>
+            <a:endParaRPr/>
+          </a:p>
+          <a:p>
+            <a:pPr lvl="1">
+              <a:defRPr/>
+            </a:pPr>
             <a:r>
               <a:rPr lang="ru-RU"/>
               <a:t>Второй уровень</a:t>
             </a:r>
-          </a:p>
-          <a:p>
-            <a:pPr lvl="2"/>
+            <a:endParaRPr/>
+          </a:p>
+          <a:p>
+            <a:pPr lvl="2">
+              <a:defRPr/>
+            </a:pPr>
             <a:r>
               <a:rPr lang="ru-RU"/>
               <a:t>Третий уровень</a:t>
             </a:r>
-          </a:p>
-          <a:p>
-            <a:pPr lvl="3"/>
+            <a:endParaRPr/>
+          </a:p>
+          <a:p>
+            <a:pPr lvl="3">
+              <a:defRPr/>
+            </a:pPr>
             <a:r>
               <a:rPr lang="ru-RU"/>
               <a:t>Четвертый уровень</a:t>
             </a:r>
-          </a:p>
-          <a:p>
-            <a:pPr lvl="4"/>
+            <a:endParaRPr/>
+          </a:p>
+          <a:p>
+            <a:pPr lvl="4">
+              <a:defRPr/>
+            </a:pPr>
             <a:r>
               <a:rPr lang="ru-RU"/>
               <a:t>Пятый уровень</a:t>
             </a:r>
-            <a:endParaRPr lang="en-US" dirty="0"/>
+            <a:endParaRPr lang="en-US"/>
           </a:p>
         </p:txBody>
       </p:sp>
@@ -4581,7 +4877,7 @@
             <p:ph type="body" sz="half" idx="2"/>
           </p:nvPr>
         </p:nvSpPr>
-        <p:spPr>
+        <p:spPr bwMode="auto">
           <a:xfrm>
             <a:off x="2589212" y="1598613"/>
             <a:ext cx="3505199" cy="4262436"/>
@@ -4628,11 +4924,14 @@
             </a:lvl9pPr>
           </a:lstStyle>
           <a:p>
-            <a:pPr lvl="0"/>
+            <a:pPr lvl="0">
+              <a:defRPr/>
+            </a:pPr>
             <a:r>
               <a:rPr lang="ru-RU"/>
               <a:t>Образец текста</a:t>
             </a:r>
+            <a:endParaRPr/>
           </a:p>
         </p:txBody>
       </p:sp>
@@ -4646,17 +4945,19 @@
             <p:ph type="dt" sz="half" idx="10"/>
           </p:nvPr>
         </p:nvSpPr>
-        <p:spPr/>
+        <p:spPr bwMode="auto"/>
         <p:txBody>
           <a:bodyPr/>
           <a:lstStyle/>
           <a:p>
+            <a:pPr>
+              <a:defRPr/>
+            </a:pPr>
             <a:fld id="{B61BEF0D-F0BB-DE4B-95CE-6DB70DBA9567}" type="datetimeFigureOut">
-              <a:rPr lang="en-US" dirty="0"/>
-              <a:pPr/>
-              <a:t>1/1/2024</a:t>
+              <a:rPr lang="en-US"/>
+              <a:t/>
             </a:fld>
-            <a:endParaRPr lang="en-US" dirty="0"/>
+            <a:endParaRPr lang="en-US"/>
           </a:p>
         </p:txBody>
       </p:sp>
@@ -4670,12 +4971,15 @@
             <p:ph type="ftr" sz="quarter" idx="11"/>
           </p:nvPr>
         </p:nvSpPr>
-        <p:spPr/>
+        <p:spPr bwMode="auto"/>
         <p:txBody>
           <a:bodyPr/>
           <a:lstStyle/>
           <a:p>
-            <a:endParaRPr lang="en-US" dirty="0"/>
+            <a:pPr>
+              <a:defRPr/>
+            </a:pPr>
+            <a:endParaRPr lang="en-US"/>
           </a:p>
         </p:txBody>
       </p:sp>
@@ -4688,7 +4992,7 @@
         <p:spPr bwMode="auto">
           <a:xfrm flipV="1">
             <a:off x="-4189" y="714375"/>
-            <a:ext cx="1588527" cy="507297"/>
+            <a:ext cx="1588526" cy="507296"/>
           </a:xfrm>
           <a:custGeom>
             <a:avLst/>
@@ -4697,7 +5001,7 @@
             <a:cxnLst/>
             <a:rect l="l" t="t" r="r" b="b"/>
             <a:pathLst>
-              <a:path w="9248" h="10000">
+              <a:path w="9248" h="10000" fill="norm" stroke="1" extrusionOk="0">
                 <a:moveTo>
                   <a:pt x="9248" y="4701"/>
                 </a:moveTo>
@@ -4771,17 +5075,19 @@
             <p:ph type="sldNum" sz="quarter" idx="12"/>
           </p:nvPr>
         </p:nvSpPr>
-        <p:spPr/>
+        <p:spPr bwMode="auto"/>
         <p:txBody>
           <a:bodyPr/>
           <a:lstStyle/>
           <a:p>
+            <a:pPr>
+              <a:defRPr/>
+            </a:pPr>
             <a:fld id="{D57F1E4F-1CFF-5643-939E-217C01CDF565}" type="slidenum">
-              <a:rPr lang="en-US" dirty="0"/>
-              <a:pPr/>
-              <a:t>‹#›</a:t>
+              <a:rPr lang="en-US"/>
+              <a:t/>
             </a:fld>
-            <a:endParaRPr lang="en-US" dirty="0"/>
+            <a:endParaRPr lang="en-US"/>
           </a:p>
         </p:txBody>
       </p:sp>
@@ -4794,7 +5100,7 @@
 </file>
 
 <file path=ppt/slideLayouts/slideLayout9.xml><?xml version="1.0" encoding="utf-8"?>
-<p:sldLayout xmlns:a="http://schemas.openxmlformats.org/drawingml/2006/main" xmlns:r="http://schemas.openxmlformats.org/officeDocument/2006/relationships" xmlns:p="http://schemas.openxmlformats.org/presentationml/2006/main" type="picTx" preserve="1">
+<p:sldLayout xmlns:a="http://schemas.openxmlformats.org/drawingml/2006/main" xmlns:r="http://schemas.openxmlformats.org/officeDocument/2006/relationships" xmlns:p="http://schemas.openxmlformats.org/presentationml/2006/main" xmlns:m="http://schemas.openxmlformats.org/officeDocument/2006/math" xmlns:w="http://schemas.openxmlformats.org/wordprocessingml/2006/main" matchingName="" preserve="1" showMasterPhAnim="0" type="picTx" userDrawn="1">
   <p:cSld name="Рисунок с подписью">
     <p:spTree>
       <p:nvGrpSpPr>
@@ -4802,7 +5108,7 @@
         <p:cNvGrpSpPr/>
         <p:nvPr/>
       </p:nvGrpSpPr>
-      <p:grpSpPr>
+      <p:grpSpPr bwMode="auto">
         <a:xfrm>
           <a:off x="0" y="0"/>
           <a:ext cx="0" cy="0"/>
@@ -4820,7 +5126,7 @@
             <p:ph type="title"/>
           </p:nvPr>
         </p:nvSpPr>
-        <p:spPr>
+        <p:spPr bwMode="auto">
           <a:xfrm>
             <a:off x="2589213" y="4800600"/>
             <a:ext cx="8915400" cy="566738"/>
@@ -4836,11 +5142,14 @@
             </a:lvl1pPr>
           </a:lstStyle>
           <a:p>
+            <a:pPr>
+              <a:defRPr/>
+            </a:pPr>
             <a:r>
               <a:rPr lang="ru-RU"/>
               <a:t>Образец заголовка</a:t>
             </a:r>
-            <a:endParaRPr lang="en-US" dirty="0"/>
+            <a:endParaRPr lang="en-US"/>
           </a:p>
         </p:txBody>
       </p:sp>
@@ -4848,13 +5157,13 @@
         <p:nvSpPr>
           <p:cNvPr id="3" name="Picture Placeholder 2"/>
           <p:cNvSpPr>
-            <a:spLocks noGrp="1" noChangeAspect="1"/>
+            <a:spLocks noChangeAspect="1" noGrp="1"/>
           </p:cNvSpPr>
           <p:nvPr>
             <p:ph type="pic" idx="1"/>
           </p:nvPr>
         </p:nvSpPr>
-        <p:spPr>
+        <p:spPr bwMode="auto">
           <a:xfrm>
             <a:off x="2589212" y="634965"/>
             <a:ext cx="8915400" cy="3854970"/>
@@ -4903,11 +5212,14 @@
             </a:lvl9pPr>
           </a:lstStyle>
           <a:p>
+            <a:pPr>
+              <a:defRPr/>
+            </a:pPr>
             <a:r>
               <a:rPr lang="ru-RU"/>
               <a:t>Вставка рисунка</a:t>
             </a:r>
-            <a:endParaRPr lang="en-US" dirty="0"/>
+            <a:endParaRPr lang="en-US"/>
           </a:p>
         </p:txBody>
       </p:sp>
@@ -4921,7 +5233,7 @@
             <p:ph type="body" sz="half" idx="2"/>
           </p:nvPr>
         </p:nvSpPr>
-        <p:spPr>
+        <p:spPr bwMode="auto">
           <a:xfrm>
             <a:off x="2589213" y="5367338"/>
             <a:ext cx="8915400" cy="493712"/>
@@ -4970,11 +5282,14 @@
             </a:lvl9pPr>
           </a:lstStyle>
           <a:p>
-            <a:pPr lvl="0"/>
+            <a:pPr lvl="0">
+              <a:defRPr/>
+            </a:pPr>
             <a:r>
               <a:rPr lang="ru-RU"/>
               <a:t>Образец текста</a:t>
             </a:r>
+            <a:endParaRPr/>
           </a:p>
         </p:txBody>
       </p:sp>
@@ -4988,17 +5303,19 @@
             <p:ph type="dt" sz="half" idx="10"/>
           </p:nvPr>
         </p:nvSpPr>
-        <p:spPr/>
+        <p:spPr bwMode="auto"/>
         <p:txBody>
           <a:bodyPr/>
           <a:lstStyle/>
           <a:p>
+            <a:pPr>
+              <a:defRPr/>
+            </a:pPr>
             <a:fld id="{B61BEF0D-F0BB-DE4B-95CE-6DB70DBA9567}" type="datetimeFigureOut">
-              <a:rPr lang="en-US" dirty="0"/>
-              <a:pPr/>
-              <a:t>1/1/2024</a:t>
+              <a:rPr lang="en-US"/>
+              <a:t/>
             </a:fld>
-            <a:endParaRPr lang="en-US" dirty="0"/>
+            <a:endParaRPr lang="en-US"/>
           </a:p>
         </p:txBody>
       </p:sp>
@@ -5012,12 +5329,15 @@
             <p:ph type="ftr" sz="quarter" idx="11"/>
           </p:nvPr>
         </p:nvSpPr>
-        <p:spPr/>
+        <p:spPr bwMode="auto"/>
         <p:txBody>
           <a:bodyPr/>
           <a:lstStyle/>
           <a:p>
-            <a:endParaRPr lang="en-US" dirty="0"/>
+            <a:pPr>
+              <a:defRPr/>
+            </a:pPr>
+            <a:endParaRPr lang="en-US"/>
           </a:p>
         </p:txBody>
       </p:sp>
@@ -5030,7 +5350,7 @@
         <p:spPr bwMode="auto">
           <a:xfrm flipV="1">
             <a:off x="-4189" y="4911725"/>
-            <a:ext cx="1588527" cy="507297"/>
+            <a:ext cx="1588526" cy="507296"/>
           </a:xfrm>
           <a:custGeom>
             <a:avLst/>
@@ -5039,7 +5359,7 @@
             <a:cxnLst/>
             <a:rect l="l" t="t" r="r" b="b"/>
             <a:pathLst>
-              <a:path w="9248" h="10000">
+              <a:path w="9248" h="10000" fill="norm" stroke="1" extrusionOk="0">
                 <a:moveTo>
                   <a:pt x="9248" y="4701"/>
                 </a:moveTo>
@@ -5113,22 +5433,24 @@
             <p:ph type="sldNum" sz="quarter" idx="12"/>
           </p:nvPr>
         </p:nvSpPr>
-        <p:spPr>
+        <p:spPr bwMode="auto">
           <a:xfrm>
             <a:off x="531812" y="4983087"/>
-            <a:ext cx="779767" cy="365125"/>
+            <a:ext cx="779766" cy="365125"/>
           </a:xfrm>
         </p:spPr>
         <p:txBody>
           <a:bodyPr/>
           <a:lstStyle/>
           <a:p>
+            <a:pPr>
+              <a:defRPr/>
+            </a:pPr>
             <a:fld id="{D57F1E4F-1CFF-5643-939E-217C01CDF565}" type="slidenum">
-              <a:rPr lang="en-US" dirty="0"/>
-              <a:pPr/>
-              <a:t>‹#›</a:t>
+              <a:rPr lang="en-US"/>
+              <a:t/>
             </a:fld>
-            <a:endParaRPr lang="en-US" dirty="0"/>
+            <a:endParaRPr lang="en-US"/>
           </a:p>
         </p:txBody>
       </p:sp>
@@ -5141,8 +5463,8 @@
 </file>
 
 <file path=ppt/slideMasters/slideMaster1.xml><?xml version="1.0" encoding="utf-8"?>
-<p:sldMaster xmlns:a="http://schemas.openxmlformats.org/drawingml/2006/main" xmlns:r="http://schemas.openxmlformats.org/officeDocument/2006/relationships" xmlns:p="http://schemas.openxmlformats.org/presentationml/2006/main">
-  <p:cSld>
+<p:sldMaster xmlns:a="http://schemas.openxmlformats.org/drawingml/2006/main" xmlns:r="http://schemas.openxmlformats.org/officeDocument/2006/relationships" xmlns:p="http://schemas.openxmlformats.org/presentationml/2006/main" xmlns:m="http://schemas.openxmlformats.org/officeDocument/2006/math" xmlns:w="http://schemas.openxmlformats.org/wordprocessingml/2006/main" preserve="0">
+  <p:cSld name="">
     <p:bg>
       <p:bgRef idx="1003">
         <a:schemeClr val="bg2"/>
@@ -5154,7 +5476,7 @@
         <p:cNvGrpSpPr/>
         <p:nvPr/>
       </p:nvGrpSpPr>
-      <p:grpSpPr>
+      <p:grpSpPr bwMode="auto">
         <a:xfrm>
           <a:off x="0" y="0"/>
           <a:ext cx="0" cy="0"/>
@@ -5168,7 +5490,7 @@
           <p:cNvGrpSpPr/>
           <p:nvPr/>
         </p:nvGrpSpPr>
-        <p:grpSpPr>
+        <p:grpSpPr bwMode="auto">
           <a:xfrm>
             <a:off x="1" y="228600"/>
             <a:ext cx="2851516" cy="6638628"/>
@@ -5194,7 +5516,7 @@
               <a:cxnLst/>
               <a:rect l="0" t="0" r="r" b="b"/>
               <a:pathLst>
-                <a:path w="22" h="136">
+                <a:path w="22" h="136" fill="norm" stroke="1" extrusionOk="0">
                   <a:moveTo>
                     <a:pt x="22" y="136"/>
                   </a:moveTo>
@@ -5255,7 +5577,7 @@
               <a:cxnLst/>
               <a:rect l="0" t="0" r="r" b="b"/>
               <a:pathLst>
-                <a:path w="140" h="504">
+                <a:path w="140" h="504" fill="norm" stroke="1" extrusionOk="0">
                   <a:moveTo>
                     <a:pt x="86" y="350"/>
                   </a:moveTo>
@@ -5321,7 +5643,7 @@
               <a:cxnLst/>
               <a:rect l="0" t="0" r="r" b="b"/>
               <a:pathLst>
-                <a:path w="132" h="308">
+                <a:path w="132" h="308" fill="norm" stroke="1" extrusionOk="0">
                   <a:moveTo>
                     <a:pt x="8" y="22"/>
                   </a:moveTo>
@@ -5392,7 +5714,7 @@
               <a:cxnLst/>
               <a:rect l="0" t="0" r="r" b="b"/>
               <a:pathLst>
-                <a:path w="37" h="79">
+                <a:path w="37" h="79" fill="norm" stroke="1" extrusionOk="0">
                   <a:moveTo>
                     <a:pt x="28" y="79"/>
                   </a:moveTo>
@@ -5443,7 +5765,7 @@
               <a:cxnLst/>
               <a:rect l="0" t="0" r="r" b="b"/>
               <a:pathLst>
-                <a:path w="178" h="722">
+                <a:path w="178" h="722" fill="norm" stroke="1" extrusionOk="0">
                   <a:moveTo>
                     <a:pt x="162" y="660"/>
                   </a:moveTo>
@@ -5529,7 +5851,7 @@
               <a:cxnLst/>
               <a:rect l="0" t="0" r="r" b="b"/>
               <a:pathLst>
-                <a:path w="23" h="635">
+                <a:path w="23" h="635" fill="norm" stroke="1" extrusionOk="0">
                   <a:moveTo>
                     <a:pt x="11" y="577"/>
                   </a:moveTo>
@@ -5610,7 +5932,7 @@
               <a:cxnLst/>
               <a:rect l="0" t="0" r="r" b="b"/>
               <a:pathLst>
-                <a:path w="17" h="107">
+                <a:path w="17" h="107" fill="norm" stroke="1" extrusionOk="0">
                   <a:moveTo>
                     <a:pt x="0" y="0"/>
                   </a:moveTo>
@@ -5671,7 +5993,7 @@
               <a:cxnLst/>
               <a:rect l="0" t="0" r="r" b="b"/>
               <a:pathLst>
-                <a:path w="41" h="222">
+                <a:path w="41" h="222" fill="norm" stroke="1" extrusionOk="0">
                   <a:moveTo>
                     <a:pt x="0" y="0"/>
                   </a:moveTo>
@@ -5752,7 +6074,7 @@
               <a:cxnLst/>
               <a:rect l="0" t="0" r="r" b="b"/>
               <a:pathLst>
-                <a:path w="450" h="878">
+                <a:path w="450" h="878" fill="norm" stroke="1" extrusionOk="0">
                   <a:moveTo>
                     <a:pt x="7" y="854"/>
                   </a:moveTo>
@@ -5868,7 +6190,7 @@
               <a:cxnLst/>
               <a:rect l="0" t="0" r="r" b="b"/>
               <a:pathLst>
-                <a:path w="35" h="73">
+                <a:path w="35" h="73" fill="norm" stroke="1" extrusionOk="0">
                   <a:moveTo>
                     <a:pt x="0" y="0"/>
                   </a:moveTo>
@@ -5919,7 +6241,7 @@
               <a:cxnLst/>
               <a:rect l="0" t="0" r="r" b="b"/>
               <a:pathLst>
-                <a:path w="8" h="48">
+                <a:path w="8" h="48" fill="norm" stroke="1" extrusionOk="0">
                   <a:moveTo>
                     <a:pt x="7" y="44"/>
                   </a:moveTo>
@@ -5980,7 +6302,7 @@
               <a:cxnLst/>
               <a:rect l="0" t="0" r="r" b="b"/>
               <a:pathLst>
-                <a:path w="52" h="135">
+                <a:path w="52" h="135" fill="norm" stroke="1" extrusionOk="0">
                   <a:moveTo>
                     <a:pt x="7" y="18"/>
                   </a:moveTo>
@@ -6040,7 +6362,7 @@
           <p:cNvGrpSpPr/>
           <p:nvPr/>
         </p:nvGrpSpPr>
-        <p:grpSpPr>
+        <p:grpSpPr bwMode="auto">
           <a:xfrm>
             <a:off x="27221" y="-786"/>
             <a:ext cx="2356674" cy="6854039"/>
@@ -6066,7 +6388,7 @@
               <a:cxnLst/>
               <a:rect l="0" t="0" r="r" b="b"/>
               <a:pathLst>
-                <a:path w="103" h="920">
+                <a:path w="103" h="920" fill="norm" stroke="1" extrusionOk="0">
                   <a:moveTo>
                     <a:pt x="7" y="210"/>
                   </a:moveTo>
@@ -6170,7 +6492,7 @@
               <a:cxnLst/>
               <a:rect l="0" t="0" r="r" b="b"/>
               <a:pathLst>
-                <a:path w="88" h="330">
+                <a:path w="88" h="330" fill="norm" stroke="1" extrusionOk="0">
                   <a:moveTo>
                     <a:pt x="53" y="229"/>
                   </a:moveTo>
@@ -6239,7 +6561,7 @@
               <a:cxnLst/>
               <a:rect l="0" t="0" r="r" b="b"/>
               <a:pathLst>
-                <a:path w="90" h="207">
+                <a:path w="90" h="207" fill="norm" stroke="1" extrusionOk="0">
                   <a:moveTo>
                     <a:pt x="6" y="15"/>
                   </a:moveTo>
@@ -6308,7 +6630,7 @@
               <a:cxnLst/>
               <a:rect l="0" t="0" r="r" b="b"/>
               <a:pathLst>
-                <a:path w="115" h="467">
+                <a:path w="115" h="467" fill="norm" stroke="1" extrusionOk="0">
                   <a:moveTo>
                     <a:pt x="101" y="409"/>
                   </a:moveTo>
@@ -6392,7 +6714,7 @@
               <a:cxnLst/>
               <a:rect l="0" t="0" r="r" b="b"/>
               <a:pathLst>
-                <a:path w="36" h="633">
+                <a:path w="36" h="633" fill="norm" stroke="1" extrusionOk="0">
                   <a:moveTo>
                     <a:pt x="17" y="633"/>
                   </a:moveTo>
@@ -6486,7 +6808,7 @@
               <a:cxnLst/>
               <a:rect l="0" t="0" r="r" b="b"/>
               <a:pathLst>
-                <a:path w="28" h="59">
+                <a:path w="28" h="59" fill="norm" stroke="1" extrusionOk="0">
                   <a:moveTo>
                     <a:pt x="22" y="59"/>
                   </a:moveTo>
@@ -6535,7 +6857,7 @@
               <a:cxnLst/>
               <a:rect l="0" t="0" r="r" b="b"/>
               <a:pathLst>
-                <a:path w="17" h="107">
+                <a:path w="17" h="107" fill="norm" stroke="1" extrusionOk="0">
                   <a:moveTo>
                     <a:pt x="4" y="54"/>
                   </a:moveTo>
@@ -6599,7 +6921,7 @@
               <a:cxnLst/>
               <a:rect l="0" t="0" r="r" b="b"/>
               <a:pathLst>
-                <a:path w="294" h="568">
+                <a:path w="294" h="568" fill="norm" stroke="1" extrusionOk="0">
                   <a:moveTo>
                     <a:pt x="8" y="553"/>
                   </a:moveTo>
@@ -6708,7 +7030,7 @@
               <a:cxnLst/>
               <a:rect l="0" t="0" r="r" b="b"/>
               <a:pathLst>
-                <a:path w="25" h="53">
+                <a:path w="25" h="53" fill="norm" stroke="1" extrusionOk="0">
                   <a:moveTo>
                     <a:pt x="0" y="0"/>
                   </a:moveTo>
@@ -6757,7 +7079,7 @@
               <a:cxnLst/>
               <a:rect l="0" t="0" r="r" b="b"/>
               <a:pathLst>
-                <a:path w="29" h="141">
+                <a:path w="29" h="141" fill="norm" stroke="1" extrusionOk="0">
                   <a:moveTo>
                     <a:pt x="0" y="0"/>
                   </a:moveTo>
@@ -6826,7 +7148,7 @@
               <a:cxnLst/>
               <a:rect l="0" t="0" r="r" b="b"/>
               <a:pathLst>
-                <a:path w="8" h="48">
+                <a:path w="8" h="48" fill="norm" stroke="1" extrusionOk="0">
                   <a:moveTo>
                     <a:pt x="0" y="26"/>
                   </a:moveTo>
@@ -6890,7 +7212,7 @@
               <a:cxnLst/>
               <a:rect l="0" t="0" r="r" b="b"/>
               <a:pathLst>
-                <a:path w="44" h="111">
+                <a:path w="44" h="111" fill="norm" stroke="1" extrusionOk="0">
                   <a:moveTo>
                     <a:pt x="11" y="28"/>
                   </a:moveTo>
@@ -6948,7 +7270,7 @@
           <p:cNvSpPr/>
           <p:nvPr/>
         </p:nvSpPr>
-        <p:spPr>
+        <p:spPr bwMode="auto">
           <a:xfrm>
             <a:off x="0" y="0"/>
             <a:ext cx="182880" cy="6858000"/>
@@ -6989,7 +7311,7 @@
             <p:ph type="title"/>
           </p:nvPr>
         </p:nvSpPr>
-        <p:spPr>
+        <p:spPr bwMode="auto">
           <a:xfrm>
             <a:off x="2592924" y="624110"/>
             <a:ext cx="8911687" cy="1280890"/>
@@ -7004,11 +7326,14 @@
           </a:bodyPr>
           <a:lstStyle/>
           <a:p>
+            <a:pPr>
+              <a:defRPr/>
+            </a:pPr>
             <a:r>
               <a:rPr lang="ru-RU"/>
               <a:t>Образец заголовка</a:t>
             </a:r>
-            <a:endParaRPr lang="en-US" dirty="0"/>
+            <a:endParaRPr lang="en-US"/>
           </a:p>
         </p:txBody>
       </p:sp>
@@ -7022,7 +7347,7 @@
             <p:ph type="body" idx="1"/>
           </p:nvPr>
         </p:nvSpPr>
-        <p:spPr>
+        <p:spPr bwMode="auto">
           <a:xfrm>
             <a:off x="2589212" y="2133600"/>
             <a:ext cx="8915400" cy="3886200"/>
@@ -7037,40 +7362,54 @@
           </a:bodyPr>
           <a:lstStyle/>
           <a:p>
-            <a:pPr lvl="0"/>
+            <a:pPr lvl="0">
+              <a:defRPr/>
+            </a:pPr>
             <a:r>
               <a:rPr lang="ru-RU"/>
               <a:t>Образец текста</a:t>
             </a:r>
-          </a:p>
-          <a:p>
-            <a:pPr lvl="1"/>
+            <a:endParaRPr/>
+          </a:p>
+          <a:p>
+            <a:pPr lvl="1">
+              <a:defRPr/>
+            </a:pPr>
             <a:r>
               <a:rPr lang="ru-RU"/>
               <a:t>Второй уровень</a:t>
             </a:r>
-          </a:p>
-          <a:p>
-            <a:pPr lvl="2"/>
+            <a:endParaRPr/>
+          </a:p>
+          <a:p>
+            <a:pPr lvl="2">
+              <a:defRPr/>
+            </a:pPr>
             <a:r>
               <a:rPr lang="ru-RU"/>
               <a:t>Третий уровень</a:t>
             </a:r>
-          </a:p>
-          <a:p>
-            <a:pPr lvl="3"/>
+            <a:endParaRPr/>
+          </a:p>
+          <a:p>
+            <a:pPr lvl="3">
+              <a:defRPr/>
+            </a:pPr>
             <a:r>
               <a:rPr lang="ru-RU"/>
               <a:t>Четвертый уровень</a:t>
             </a:r>
-          </a:p>
-          <a:p>
-            <a:pPr lvl="4"/>
+            <a:endParaRPr/>
+          </a:p>
+          <a:p>
+            <a:pPr lvl="4">
+              <a:defRPr/>
+            </a:pPr>
             <a:r>
               <a:rPr lang="ru-RU"/>
               <a:t>Пятый уровень</a:t>
             </a:r>
-            <a:endParaRPr lang="en-US" dirty="0"/>
+            <a:endParaRPr lang="en-US"/>
           </a:p>
         </p:txBody>
       </p:sp>
@@ -7084,7 +7423,7 @@
             <p:ph type="dt" sz="half" idx="2"/>
           </p:nvPr>
         </p:nvSpPr>
-        <p:spPr>
+        <p:spPr bwMode="auto">
           <a:xfrm>
             <a:off x="10361612" y="6130437"/>
             <a:ext cx="1146283" cy="370396"/>
@@ -7107,12 +7446,14 @@
             </a:lvl1pPr>
           </a:lstStyle>
           <a:p>
+            <a:pPr>
+              <a:defRPr/>
+            </a:pPr>
             <a:fld id="{B61BEF0D-F0BB-DE4B-95CE-6DB70DBA9567}" type="datetimeFigureOut">
-              <a:rPr lang="en-US" dirty="0"/>
-              <a:pPr/>
-              <a:t>1/1/2024</a:t>
+              <a:rPr lang="en-US"/>
+              <a:t/>
             </a:fld>
-            <a:endParaRPr lang="en-US" dirty="0"/>
+            <a:endParaRPr lang="en-US"/>
           </a:p>
         </p:txBody>
       </p:sp>
@@ -7126,7 +7467,7 @@
             <p:ph type="ftr" sz="quarter" idx="3"/>
           </p:nvPr>
         </p:nvSpPr>
-        <p:spPr>
+        <p:spPr bwMode="auto">
           <a:xfrm>
             <a:off x="2589212" y="6135808"/>
             <a:ext cx="7619999" cy="365125"/>
@@ -7149,7 +7490,10 @@
             </a:lvl1pPr>
           </a:lstStyle>
           <a:p>
-            <a:endParaRPr lang="en-US" dirty="0"/>
+            <a:pPr>
+              <a:defRPr/>
+            </a:pPr>
+            <a:endParaRPr lang="en-US"/>
           </a:p>
         </p:txBody>
       </p:sp>
@@ -7166,7 +7510,7 @@
         <p:spPr bwMode="gray">
           <a:xfrm>
             <a:off x="531812" y="787782"/>
-            <a:ext cx="779767" cy="365125"/>
+            <a:ext cx="779766" cy="365125"/>
           </a:xfrm>
           <a:prstGeom prst="rect">
             <a:avLst/>
@@ -7184,12 +7528,14 @@
             </a:lvl1pPr>
           </a:lstStyle>
           <a:p>
+            <a:pPr>
+              <a:defRPr/>
+            </a:pPr>
             <a:fld id="{D57F1E4F-1CFF-5643-939E-217C01CDF565}" type="slidenum">
-              <a:rPr lang="en-US" dirty="0"/>
-              <a:pPr/>
-              <a:t>‹#›</a:t>
+              <a:rPr lang="en-US"/>
+              <a:t/>
             </a:fld>
-            <a:endParaRPr lang="en-US" dirty="0"/>
+            <a:endParaRPr lang="en-US"/>
           </a:p>
         </p:txBody>
       </p:sp>
@@ -7206,22 +7552,22 @@
     <p:sldLayoutId id="2147483655" r:id="rId7"/>
     <p:sldLayoutId id="2147483656" r:id="rId8"/>
     <p:sldLayoutId id="2147483657" r:id="rId9"/>
-    <p:sldLayoutId id="2147483660" r:id="rId10"/>
-    <p:sldLayoutId id="2147483661" r:id="rId11"/>
-    <p:sldLayoutId id="2147483662" r:id="rId12"/>
-    <p:sldLayoutId id="2147483663" r:id="rId13"/>
-    <p:sldLayoutId id="2147483664" r:id="rId14"/>
-    <p:sldLayoutId id="2147483658" r:id="rId15"/>
-    <p:sldLayoutId id="2147483659" r:id="rId16"/>
+    <p:sldLayoutId id="2147483658" r:id="rId10"/>
+    <p:sldLayoutId id="2147483659" r:id="rId11"/>
+    <p:sldLayoutId id="2147483660" r:id="rId12"/>
+    <p:sldLayoutId id="2147483661" r:id="rId13"/>
+    <p:sldLayoutId id="2147483662" r:id="rId14"/>
+    <p:sldLayoutId id="2147483663" r:id="rId15"/>
+    <p:sldLayoutId id="2147483664" r:id="rId16"/>
   </p:sldLayoutIdLst>
   <p:txStyles>
     <p:titleStyle>
-      <a:lvl1pPr algn="l" defTabSz="457200" rtl="0" eaLnBrk="1" latinLnBrk="0" hangingPunct="1">
+      <a:lvl1pPr algn="l" defTabSz="457200">
         <a:spcBef>
-          <a:spcPct val="0"/>
+          <a:spcPts val="0"/>
         </a:spcBef>
         <a:buNone/>
-        <a:defRPr sz="3600" kern="1200">
+        <a:defRPr sz="3600">
           <a:solidFill>
             <a:schemeClr val="tx1">
               <a:lumMod val="85000"/>
@@ -7233,56 +7579,56 @@
           <a:cs typeface="+mj-cs"/>
         </a:defRPr>
       </a:lvl1pPr>
-      <a:lvl2pPr eaLnBrk="1" hangingPunct="1">
+      <a:lvl2pPr>
         <a:defRPr>
           <a:solidFill>
             <a:schemeClr val="tx2"/>
           </a:solidFill>
         </a:defRPr>
       </a:lvl2pPr>
-      <a:lvl3pPr eaLnBrk="1" hangingPunct="1">
+      <a:lvl3pPr>
         <a:defRPr>
           <a:solidFill>
             <a:schemeClr val="tx2"/>
           </a:solidFill>
         </a:defRPr>
       </a:lvl3pPr>
-      <a:lvl4pPr eaLnBrk="1" hangingPunct="1">
+      <a:lvl4pPr>
         <a:defRPr>
           <a:solidFill>
             <a:schemeClr val="tx2"/>
           </a:solidFill>
         </a:defRPr>
       </a:lvl4pPr>
-      <a:lvl5pPr eaLnBrk="1" hangingPunct="1">
+      <a:lvl5pPr>
         <a:defRPr>
           <a:solidFill>
             <a:schemeClr val="tx2"/>
           </a:solidFill>
         </a:defRPr>
       </a:lvl5pPr>
-      <a:lvl6pPr eaLnBrk="1" hangingPunct="1">
+      <a:lvl6pPr>
         <a:defRPr>
           <a:solidFill>
             <a:schemeClr val="tx2"/>
           </a:solidFill>
         </a:defRPr>
       </a:lvl6pPr>
-      <a:lvl7pPr eaLnBrk="1" hangingPunct="1">
+      <a:lvl7pPr>
         <a:defRPr>
           <a:solidFill>
             <a:schemeClr val="tx2"/>
           </a:solidFill>
         </a:defRPr>
       </a:lvl7pPr>
-      <a:lvl8pPr eaLnBrk="1" hangingPunct="1">
+      <a:lvl8pPr>
         <a:defRPr>
           <a:solidFill>
             <a:schemeClr val="tx2"/>
           </a:solidFill>
         </a:defRPr>
       </a:lvl8pPr>
-      <a:lvl9pPr eaLnBrk="1" hangingPunct="1">
+      <a:lvl9pPr>
         <a:defRPr>
           <a:solidFill>
             <a:schemeClr val="tx2"/>
@@ -7291,7 +7637,7 @@
       </a:lvl9pPr>
     </p:titleStyle>
     <p:bodyStyle>
-      <a:lvl1pPr marL="342900" indent="-342900" algn="l" defTabSz="457200" rtl="0" eaLnBrk="1" latinLnBrk="0" hangingPunct="1">
+      <a:lvl1pPr marL="342900" indent="-342900" algn="l" defTabSz="457200">
         <a:spcBef>
           <a:spcPts val="1000"/>
         </a:spcBef>
@@ -7301,9 +7647,9 @@
         <a:buClr>
           <a:schemeClr val="accent1"/>
         </a:buClr>
-        <a:buFont typeface="Wingdings 3" charset="2"/>
+        <a:buFont typeface="Wingdings 3"/>
         <a:buChar char=""/>
-        <a:defRPr sz="1800" kern="1200">
+        <a:defRPr sz="1800">
           <a:solidFill>
             <a:schemeClr val="tx1">
               <a:lumMod val="75000"/>
@@ -7315,7 +7661,7 @@
           <a:cs typeface="+mn-cs"/>
         </a:defRPr>
       </a:lvl1pPr>
-      <a:lvl2pPr marL="742950" indent="-285750" algn="l" defTabSz="457200" rtl="0" eaLnBrk="1" latinLnBrk="0" hangingPunct="1">
+      <a:lvl2pPr marL="742950" indent="-285750" algn="l" defTabSz="457200">
         <a:spcBef>
           <a:spcPts val="1000"/>
         </a:spcBef>
@@ -7325,9 +7671,9 @@
         <a:buClr>
           <a:schemeClr val="accent1"/>
         </a:buClr>
-        <a:buFont typeface="Wingdings 3" charset="2"/>
+        <a:buFont typeface="Wingdings 3"/>
         <a:buChar char=""/>
-        <a:defRPr sz="1600" kern="1200">
+        <a:defRPr sz="1600">
           <a:solidFill>
             <a:schemeClr val="tx1">
               <a:lumMod val="75000"/>
@@ -7339,7 +7685,7 @@
           <a:cs typeface="+mn-cs"/>
         </a:defRPr>
       </a:lvl2pPr>
-      <a:lvl3pPr marL="1143000" indent="-228600" algn="l" defTabSz="457200" rtl="0" eaLnBrk="1" latinLnBrk="0" hangingPunct="1">
+      <a:lvl3pPr marL="1143000" indent="-228600" algn="l" defTabSz="457200">
         <a:spcBef>
           <a:spcPts val="1000"/>
         </a:spcBef>
@@ -7349,9 +7695,9 @@
         <a:buClr>
           <a:schemeClr val="accent1"/>
         </a:buClr>
-        <a:buFont typeface="Wingdings 3" charset="2"/>
+        <a:buFont typeface="Wingdings 3"/>
         <a:buChar char=""/>
-        <a:defRPr sz="1400" kern="1200">
+        <a:defRPr sz="1400">
           <a:solidFill>
             <a:schemeClr val="tx1">
               <a:lumMod val="75000"/>
@@ -7363,7 +7709,7 @@
           <a:cs typeface="+mn-cs"/>
         </a:defRPr>
       </a:lvl3pPr>
-      <a:lvl4pPr marL="1600200" indent="-228600" algn="l" defTabSz="457200" rtl="0" eaLnBrk="1" latinLnBrk="0" hangingPunct="1">
+      <a:lvl4pPr marL="1600200" indent="-228600" algn="l" defTabSz="457200">
         <a:spcBef>
           <a:spcPts val="1000"/>
         </a:spcBef>
@@ -7373,9 +7719,9 @@
         <a:buClr>
           <a:schemeClr val="accent1"/>
         </a:buClr>
-        <a:buFont typeface="Wingdings 3" charset="2"/>
+        <a:buFont typeface="Wingdings 3"/>
         <a:buChar char=""/>
-        <a:defRPr sz="1200" kern="1200">
+        <a:defRPr sz="1200">
           <a:solidFill>
             <a:schemeClr val="tx1">
               <a:lumMod val="75000"/>
@@ -7387,7 +7733,7 @@
           <a:cs typeface="+mn-cs"/>
         </a:defRPr>
       </a:lvl4pPr>
-      <a:lvl5pPr marL="2057400" indent="-228600" algn="l" defTabSz="457200" rtl="0" eaLnBrk="1" latinLnBrk="0" hangingPunct="1">
+      <a:lvl5pPr marL="2057400" indent="-228600" algn="l" defTabSz="457200">
         <a:spcBef>
           <a:spcPts val="1000"/>
         </a:spcBef>
@@ -7397,9 +7743,9 @@
         <a:buClr>
           <a:schemeClr val="accent1"/>
         </a:buClr>
-        <a:buFont typeface="Wingdings 3" charset="2"/>
+        <a:buFont typeface="Wingdings 3"/>
         <a:buChar char=""/>
-        <a:defRPr sz="1200" kern="1200">
+        <a:defRPr sz="1200">
           <a:solidFill>
             <a:schemeClr val="tx1">
               <a:lumMod val="75000"/>
@@ -7411,7 +7757,7 @@
           <a:cs typeface="+mn-cs"/>
         </a:defRPr>
       </a:lvl5pPr>
-      <a:lvl6pPr marL="2514600" indent="-228600" algn="l" defTabSz="457200" rtl="0" eaLnBrk="1" latinLnBrk="0" hangingPunct="1">
+      <a:lvl6pPr marL="2514600" indent="-228600" algn="l" defTabSz="457200">
         <a:spcBef>
           <a:spcPts val="1000"/>
         </a:spcBef>
@@ -7421,9 +7767,9 @@
         <a:buClr>
           <a:schemeClr val="accent1"/>
         </a:buClr>
-        <a:buFont typeface="Wingdings 3" charset="2"/>
+        <a:buFont typeface="Wingdings 3"/>
         <a:buChar char=""/>
-        <a:defRPr sz="1200" kern="1200">
+        <a:defRPr sz="1200">
           <a:solidFill>
             <a:schemeClr val="tx1">
               <a:lumMod val="75000"/>
@@ -7435,7 +7781,7 @@
           <a:cs typeface="+mn-cs"/>
         </a:defRPr>
       </a:lvl6pPr>
-      <a:lvl7pPr marL="2971800" indent="-228600" algn="l" defTabSz="457200" rtl="0" eaLnBrk="1" latinLnBrk="0" hangingPunct="1">
+      <a:lvl7pPr marL="2971800" indent="-228600" algn="l" defTabSz="457200">
         <a:spcBef>
           <a:spcPts val="1000"/>
         </a:spcBef>
@@ -7445,9 +7791,9 @@
         <a:buClr>
           <a:schemeClr val="accent1"/>
         </a:buClr>
-        <a:buFont typeface="Wingdings 3" charset="2"/>
+        <a:buFont typeface="Wingdings 3"/>
         <a:buChar char=""/>
-        <a:defRPr sz="1200" kern="1200">
+        <a:defRPr sz="1200">
           <a:solidFill>
             <a:schemeClr val="tx1">
               <a:lumMod val="75000"/>
@@ -7459,7 +7805,7 @@
           <a:cs typeface="+mn-cs"/>
         </a:defRPr>
       </a:lvl7pPr>
-      <a:lvl8pPr marL="3429000" indent="-228600" algn="l" defTabSz="457200" rtl="0" eaLnBrk="1" latinLnBrk="0" hangingPunct="1">
+      <a:lvl8pPr marL="3429000" indent="-228600" algn="l" defTabSz="457200">
         <a:spcBef>
           <a:spcPts val="1000"/>
         </a:spcBef>
@@ -7469,9 +7815,9 @@
         <a:buClr>
           <a:schemeClr val="accent1"/>
         </a:buClr>
-        <a:buFont typeface="Wingdings 3" charset="2"/>
+        <a:buFont typeface="Wingdings 3"/>
         <a:buChar char=""/>
-        <a:defRPr sz="1200" kern="1200">
+        <a:defRPr sz="1200">
           <a:solidFill>
             <a:schemeClr val="tx1">
               <a:lumMod val="75000"/>
@@ -7483,7 +7829,7 @@
           <a:cs typeface="+mn-cs"/>
         </a:defRPr>
       </a:lvl8pPr>
-      <a:lvl9pPr marL="3886200" indent="-228600" algn="l" defTabSz="457200" rtl="0" eaLnBrk="1" latinLnBrk="0" hangingPunct="1">
+      <a:lvl9pPr marL="3886200" indent="-228600" algn="l" defTabSz="457200">
         <a:spcBef>
           <a:spcPts val="1000"/>
         </a:spcBef>
@@ -7493,9 +7839,9 @@
         <a:buClr>
           <a:schemeClr val="accent1"/>
         </a:buClr>
-        <a:buFont typeface="Wingdings 3" charset="2"/>
+        <a:buFont typeface="Wingdings 3"/>
         <a:buChar char=""/>
-        <a:defRPr sz="1200" kern="1200">
+        <a:defRPr sz="1200">
           <a:solidFill>
             <a:schemeClr val="tx1">
               <a:lumMod val="75000"/>
@@ -7512,8 +7858,8 @@
       <a:defPPr>
         <a:defRPr lang="en-US"/>
       </a:defPPr>
-      <a:lvl1pPr marL="0" algn="l" defTabSz="457200" rtl="0" eaLnBrk="1" latinLnBrk="0" hangingPunct="1">
-        <a:defRPr sz="1800" kern="1200">
+      <a:lvl1pPr marL="0" algn="l" defTabSz="457200">
+        <a:defRPr sz="1800">
           <a:solidFill>
             <a:schemeClr val="tx1"/>
           </a:solidFill>
@@ -7522,8 +7868,8 @@
           <a:cs typeface="+mn-cs"/>
         </a:defRPr>
       </a:lvl1pPr>
-      <a:lvl2pPr marL="457200" algn="l" defTabSz="457200" rtl="0" eaLnBrk="1" latinLnBrk="0" hangingPunct="1">
-        <a:defRPr sz="1800" kern="1200">
+      <a:lvl2pPr marL="457200" algn="l" defTabSz="457200">
+        <a:defRPr sz="1800">
           <a:solidFill>
             <a:schemeClr val="tx1"/>
           </a:solidFill>
@@ -7532,8 +7878,8 @@
           <a:cs typeface="+mn-cs"/>
         </a:defRPr>
       </a:lvl2pPr>
-      <a:lvl3pPr marL="914400" algn="l" defTabSz="457200" rtl="0" eaLnBrk="1" latinLnBrk="0" hangingPunct="1">
-        <a:defRPr sz="1800" kern="1200">
+      <a:lvl3pPr marL="914400" algn="l" defTabSz="457200">
+        <a:defRPr sz="1800">
           <a:solidFill>
             <a:schemeClr val="tx1"/>
           </a:solidFill>
@@ -7542,8 +7888,8 @@
           <a:cs typeface="+mn-cs"/>
         </a:defRPr>
       </a:lvl3pPr>
-      <a:lvl4pPr marL="1371600" algn="l" defTabSz="457200" rtl="0" eaLnBrk="1" latinLnBrk="0" hangingPunct="1">
-        <a:defRPr sz="1800" kern="1200">
+      <a:lvl4pPr marL="1371600" algn="l" defTabSz="457200">
+        <a:defRPr sz="1800">
           <a:solidFill>
             <a:schemeClr val="tx1"/>
           </a:solidFill>
@@ -7552,8 +7898,8 @@
           <a:cs typeface="+mn-cs"/>
         </a:defRPr>
       </a:lvl4pPr>
-      <a:lvl5pPr marL="1828800" algn="l" defTabSz="457200" rtl="0" eaLnBrk="1" latinLnBrk="0" hangingPunct="1">
-        <a:defRPr sz="1800" kern="1200">
+      <a:lvl5pPr marL="1828800" algn="l" defTabSz="457200">
+        <a:defRPr sz="1800">
           <a:solidFill>
             <a:schemeClr val="tx1"/>
           </a:solidFill>
@@ -7562,8 +7908,8 @@
           <a:cs typeface="+mn-cs"/>
         </a:defRPr>
       </a:lvl5pPr>
-      <a:lvl6pPr marL="2286000" algn="l" defTabSz="457200" rtl="0" eaLnBrk="1" latinLnBrk="0" hangingPunct="1">
-        <a:defRPr sz="1800" kern="1200">
+      <a:lvl6pPr marL="2286000" algn="l" defTabSz="457200">
+        <a:defRPr sz="1800">
           <a:solidFill>
             <a:schemeClr val="tx1"/>
           </a:solidFill>
@@ -7572,8 +7918,8 @@
           <a:cs typeface="+mn-cs"/>
         </a:defRPr>
       </a:lvl6pPr>
-      <a:lvl7pPr marL="2743200" algn="l" defTabSz="457200" rtl="0" eaLnBrk="1" latinLnBrk="0" hangingPunct="1">
-        <a:defRPr sz="1800" kern="1200">
+      <a:lvl7pPr marL="2743200" algn="l" defTabSz="457200">
+        <a:defRPr sz="1800">
           <a:solidFill>
             <a:schemeClr val="tx1"/>
           </a:solidFill>
@@ -7582,8 +7928,8 @@
           <a:cs typeface="+mn-cs"/>
         </a:defRPr>
       </a:lvl7pPr>
-      <a:lvl8pPr marL="3200400" algn="l" defTabSz="457200" rtl="0" eaLnBrk="1" latinLnBrk="0" hangingPunct="1">
-        <a:defRPr sz="1800" kern="1200">
+      <a:lvl8pPr marL="3200400" algn="l" defTabSz="457200">
+        <a:defRPr sz="1800">
           <a:solidFill>
             <a:schemeClr val="tx1"/>
           </a:solidFill>
@@ -7592,8 +7938,8 @@
           <a:cs typeface="+mn-cs"/>
         </a:defRPr>
       </a:lvl8pPr>
-      <a:lvl9pPr marL="3657600" algn="l" defTabSz="457200" rtl="0" eaLnBrk="1" latinLnBrk="0" hangingPunct="1">
-        <a:defRPr sz="1800" kern="1200">
+      <a:lvl9pPr marL="3657600" algn="l" defTabSz="457200">
+        <a:defRPr sz="1800">
           <a:solidFill>
             <a:schemeClr val="tx1"/>
           </a:solidFill>
@@ -7608,15 +7954,15 @@
 </file>
 
 <file path=ppt/slides/slide1.xml><?xml version="1.0" encoding="utf-8"?>
-<p:sld xmlns:a="http://schemas.openxmlformats.org/drawingml/2006/main" xmlns:r="http://schemas.openxmlformats.org/officeDocument/2006/relationships" xmlns:p="http://schemas.openxmlformats.org/presentationml/2006/main">
-  <p:cSld>
+<p:sld xmlns:a="http://schemas.openxmlformats.org/drawingml/2006/main" xmlns:r="http://schemas.openxmlformats.org/officeDocument/2006/relationships" xmlns:p="http://schemas.openxmlformats.org/presentationml/2006/main" xmlns:m="http://schemas.openxmlformats.org/officeDocument/2006/math" xmlns:w="http://schemas.openxmlformats.org/wordprocessingml/2006/main" showMasterPhAnim="0" show="1">
+  <p:cSld name="">
     <p:spTree>
       <p:nvGrpSpPr>
         <p:cNvPr id="1" name=""/>
         <p:cNvGrpSpPr/>
         <p:nvPr/>
       </p:nvGrpSpPr>
-      <p:grpSpPr>
+      <p:grpSpPr bwMode="auto">
         <a:xfrm>
           <a:off x="0" y="0"/>
           <a:ext cx="0" cy="0"/>
@@ -7626,13 +7972,7 @@
       </p:grpSpPr>
       <p:sp>
         <p:nvSpPr>
-          <p:cNvPr id="2" name="Заголовок 1">
-            <a:extLst>
-              <a:ext uri="{FF2B5EF4-FFF2-40B4-BE49-F238E27FC236}">
-                <a16:creationId xmlns:a16="http://schemas.microsoft.com/office/drawing/2014/main" id="{8205066D-DC5B-7B72-A992-3EE0A6BA6382}"/>
-              </a:ext>
-            </a:extLst>
-          </p:cNvPr>
+          <p:cNvPr id="2" name="Заголовок 1"/>
           <p:cNvSpPr>
             <a:spLocks noGrp="1"/>
           </p:cNvSpPr>
@@ -7640,28 +7980,25 @@
             <p:ph type="ctrTitle"/>
           </p:nvPr>
         </p:nvSpPr>
-        <p:spPr/>
+        <p:spPr bwMode="auto"/>
         <p:txBody>
           <a:bodyPr/>
           <a:lstStyle/>
           <a:p>
-            <a:r>
-              <a:rPr lang="en-US" dirty="0"/>
+            <a:pPr>
+              <a:defRPr/>
+            </a:pPr>
+            <a:r>
+              <a:rPr lang="en-US"/>
               <a:t>Spirit Warrior</a:t>
             </a:r>
-            <a:endParaRPr lang="ru-RU" dirty="0"/>
-          </a:p>
-        </p:txBody>
-      </p:sp>
-      <p:sp>
-        <p:nvSpPr>
-          <p:cNvPr id="3" name="Подзаголовок 2">
-            <a:extLst>
-              <a:ext uri="{FF2B5EF4-FFF2-40B4-BE49-F238E27FC236}">
-                <a16:creationId xmlns:a16="http://schemas.microsoft.com/office/drawing/2014/main" id="{C2E20783-07C5-A8FD-7A5D-5D88414F3ADB}"/>
-              </a:ext>
-            </a:extLst>
-          </p:cNvPr>
+            <a:endParaRPr lang="ru-RU"/>
+          </a:p>
+        </p:txBody>
+      </p:sp>
+      <p:sp>
+        <p:nvSpPr>
+          <p:cNvPr id="3" name="Подзаголовок 2"/>
           <p:cNvSpPr>
             <a:spLocks noGrp="1"/>
           </p:cNvSpPr>
@@ -7669,7 +8006,7 @@
             <p:ph type="subTitle" idx="1"/>
           </p:nvPr>
         </p:nvSpPr>
-        <p:spPr>
+        <p:spPr bwMode="auto">
           <a:xfrm>
             <a:off x="2589212" y="5073713"/>
             <a:ext cx="8915399" cy="1126283"/>
@@ -7679,49 +8016,60 @@
           <a:bodyPr/>
           <a:lstStyle/>
           <a:p>
-            <a:r>
-              <a:rPr lang="ru-RU" dirty="0"/>
+            <a:pPr>
+              <a:defRPr/>
+            </a:pPr>
+            <a:r>
+              <a:rPr lang="ru-RU"/>
               <a:t>Выполнили:</a:t>
             </a:r>
-          </a:p>
-          <a:p>
-            <a:r>
-              <a:rPr lang="ru-RU" dirty="0"/>
+            <a:endParaRPr/>
+          </a:p>
+          <a:p>
+            <a:pPr>
+              <a:defRPr/>
+            </a:pPr>
+            <a:r>
+              <a:rPr lang="ru-RU"/>
               <a:t>Амирханян Артур</a:t>
             </a:r>
             <a:br>
-              <a:rPr lang="ru-RU" dirty="0"/>
+              <a:rPr lang="ru-RU"/>
             </a:br>
             <a:r>
-              <a:rPr lang="ru-RU" dirty="0"/>
+              <a:rPr lang="ru-RU"/>
               <a:t>Стаценко Илья</a:t>
             </a:r>
+            <a:endParaRPr/>
           </a:p>
         </p:txBody>
       </p:sp>
     </p:spTree>
-    <p:extLst>
-      <p:ext uri="{BB962C8B-B14F-4D97-AF65-F5344CB8AC3E}">
-        <p14:creationId xmlns:p14="http://schemas.microsoft.com/office/powerpoint/2010/main" val="3267300591"/>
-      </p:ext>
-    </p:extLst>
   </p:cSld>
   <p:clrMapOvr>
     <a:masterClrMapping/>
   </p:clrMapOvr>
+  <mc:AlternateContent xmlns:mc="http://schemas.openxmlformats.org/markup-compatibility/2006">
+    <mc:Choice xmlns:p14="http://schemas.microsoft.com/office/powerpoint/2010/main" Requires="p14">
+      <p:transition p14:dur="2000" advClick="1"/>
+    </mc:Choice>
+    <mc:Fallback>
+      <p:transition advClick="1"/>
+    </mc:Fallback>
+  </mc:AlternateContent>
 </p:sld>
 </file>
 
 <file path=ppt/slides/slide2.xml><?xml version="1.0" encoding="utf-8"?>
-<p:sld xmlns:a="http://schemas.openxmlformats.org/drawingml/2006/main" xmlns:r="http://schemas.openxmlformats.org/officeDocument/2006/relationships" xmlns:p="http://schemas.openxmlformats.org/presentationml/2006/main">
-  <p:cSld>
+<p:sld xmlns:a="http://schemas.openxmlformats.org/drawingml/2006/main" xmlns:r="http://schemas.openxmlformats.org/officeDocument/2006/relationships" xmlns:p="http://schemas.openxmlformats.org/presentationml/2006/main" xmlns:m="http://schemas.openxmlformats.org/officeDocument/2006/math" xmlns:w="http://schemas.openxmlformats.org/wordprocessingml/2006/main" showMasterPhAnim="0" show="1">
+  <p:cSld name="">
     <p:spTree>
       <p:nvGrpSpPr>
         <p:cNvPr id="1" name=""/>
         <p:cNvGrpSpPr/>
         <p:nvPr/>
       </p:nvGrpSpPr>
-      <p:grpSpPr>
+      <p:grpSpPr bwMode="auto">
         <a:xfrm>
           <a:off x="0" y="0"/>
           <a:ext cx="0" cy="0"/>
@@ -7731,13 +8079,7 @@
       </p:grpSpPr>
       <p:sp>
         <p:nvSpPr>
-          <p:cNvPr id="2" name="Заголовок 1">
-            <a:extLst>
-              <a:ext uri="{FF2B5EF4-FFF2-40B4-BE49-F238E27FC236}">
-                <a16:creationId xmlns:a16="http://schemas.microsoft.com/office/drawing/2014/main" id="{E55B21E6-7F94-F23F-D3E0-098AFBCF6449}"/>
-              </a:ext>
-            </a:extLst>
-          </p:cNvPr>
+          <p:cNvPr id="2" name="Заголовок 1"/>
           <p:cNvSpPr>
             <a:spLocks noGrp="1"/>
           </p:cNvSpPr>
@@ -7745,27 +8087,25 @@
             <p:ph type="title"/>
           </p:nvPr>
         </p:nvSpPr>
-        <p:spPr/>
+        <p:spPr bwMode="auto"/>
         <p:txBody>
           <a:bodyPr/>
           <a:lstStyle/>
           <a:p>
-            <a:r>
-              <a:rPr lang="ru-RU" dirty="0"/>
+            <a:pPr>
+              <a:defRPr/>
+            </a:pPr>
+            <a:r>
+              <a:rPr lang="ru-RU"/>
               <a:t>Описание</a:t>
             </a:r>
-          </a:p>
-        </p:txBody>
-      </p:sp>
-      <p:sp>
-        <p:nvSpPr>
-          <p:cNvPr id="3" name="Объект 2">
-            <a:extLst>
-              <a:ext uri="{FF2B5EF4-FFF2-40B4-BE49-F238E27FC236}">
-                <a16:creationId xmlns:a16="http://schemas.microsoft.com/office/drawing/2014/main" id="{9457B8EA-CAD3-B1B8-AA90-CCE76636013F}"/>
-              </a:ext>
-            </a:extLst>
-          </p:cNvPr>
+            <a:endParaRPr/>
+          </a:p>
+        </p:txBody>
+      </p:sp>
+      <p:sp>
+        <p:nvSpPr>
+          <p:cNvPr id="3" name="Объект 2"/>
           <p:cNvSpPr>
             <a:spLocks noGrp="1"/>
           </p:cNvSpPr>
@@ -7773,7 +8113,7 @@
             <p:ph idx="1"/>
           </p:nvPr>
         </p:nvSpPr>
-        <p:spPr>
+        <p:spPr bwMode="auto">
           <a:xfrm>
             <a:off x="2592925" y="1540189"/>
             <a:ext cx="8915400" cy="3777622"/>
@@ -7783,70 +8123,125 @@
           <a:bodyPr/>
           <a:lstStyle/>
           <a:p>
-            <a:r>
-              <a:rPr lang="ru-RU" dirty="0"/>
+            <a:pPr>
+              <a:defRPr/>
+            </a:pPr>
+            <a:r>
+              <a:rPr lang="ru-RU"/>
               <a:t>Суть игры заключается в том, чтобы продержаться наибольшее количество волн с врагами. В начале игры человек может выбрать персонажа из 3 вариантов: рыцарь, ассасин и священница. У каждого героя есть свои уникальные способности.</a:t>
             </a:r>
-          </a:p>
-          <a:p>
-            <a:r>
-              <a:rPr lang="ru-RU" dirty="0"/>
+            <a:endParaRPr/>
+          </a:p>
+          <a:p>
+            <a:pPr>
+              <a:defRPr/>
+            </a:pPr>
+            <a:r>
+              <a:rPr lang="ru-RU"/>
               <a:t>Управление осуществляется с помощью клавиш </a:t>
             </a:r>
             <a:r>
-              <a:rPr lang="en-US" dirty="0"/>
+              <a:rPr lang="en-US"/>
               <a:t>WASD </a:t>
             </a:r>
             <a:r>
-              <a:rPr lang="ru-RU" dirty="0"/>
-              <a:t>(движение), </a:t>
-            </a:r>
-            <a:r>
-              <a:rPr lang="en-US" dirty="0"/>
-              <a:t>E </a:t>
-            </a:r>
-            <a:r>
-              <a:rPr lang="ru-RU" dirty="0"/>
-              <a:t>E (взаимодействие с торговцем, предметами и т.д.), левая кнопка мыши (уникальная способность персонажа), правая кнопка мыши (атаковать противника).</a:t>
-            </a:r>
-          </a:p>
-          <a:p>
-            <a:r>
-              <a:rPr lang="ru-RU" dirty="0"/>
+              <a:rPr lang="ru-RU"/>
+              <a:t>(движение),</a:t>
+            </a:r>
+            <a:r>
+              <a:rPr lang="en-US"/>
+              <a:t> </a:t>
+            </a:r>
+            <a:r>
+              <a:rPr lang="ru-RU"/>
+              <a:t>E (взаимодействие с торговцем, предметами и т.д.), левая кнопка мыши (</a:t>
+            </a:r>
+            <a:r>
+              <a:rPr lang="ru-RU" sz="1800" b="0" i="0" u="none" strike="noStrike" cap="none" spc="0">
+                <a:solidFill>
+                  <a:schemeClr val="tx1">
+                    <a:lumMod val="75000"/>
+                    <a:lumOff val="25000"/>
+                  </a:schemeClr>
+                </a:solidFill>
+                <a:latin typeface="+mn-lt"/>
+                <a:ea typeface="+mn-ea"/>
+                <a:cs typeface="+mn-cs"/>
+              </a:rPr>
+              <a:t>атаковать противника</a:t>
+            </a:r>
+            <a:r>
+              <a:rPr lang="ru-RU"/>
+              <a:t>), правая кнопка мыши (</a:t>
+            </a:r>
+            <a:r>
+              <a:rPr lang="ru-RU" sz="1800" b="0" i="0" u="none" strike="noStrike" cap="none" spc="0">
+                <a:solidFill>
+                  <a:schemeClr val="tx1">
+                    <a:lumMod val="75000"/>
+                    <a:lumOff val="25000"/>
+                  </a:schemeClr>
+                </a:solidFill>
+                <a:latin typeface="+mn-lt"/>
+                <a:ea typeface="+mn-ea"/>
+                <a:cs typeface="+mn-cs"/>
+              </a:rPr>
+              <a:t>уникальная способность персонажа</a:t>
+            </a:r>
+            <a:r>
+              <a:rPr lang="ru-RU"/>
+              <a:t>).</a:t>
+            </a:r>
+            <a:endParaRPr/>
+          </a:p>
+          <a:p>
+            <a:pPr>
+              <a:defRPr/>
+            </a:pPr>
+            <a:r>
+              <a:rPr lang="ru-RU"/>
               <a:t>Каждые 5 волн будет появляться босс со своими атаками и увеличенным количеством здоровья.</a:t>
             </a:r>
-          </a:p>
-          <a:p>
-            <a:r>
-              <a:rPr lang="ru-RU" dirty="0"/>
+            <a:endParaRPr/>
+          </a:p>
+          <a:p>
+            <a:pPr>
+              <a:defRPr/>
+            </a:pPr>
+            <a:r>
+              <a:rPr lang="ru-RU"/>
               <a:t>У героя также есть характеристики: здоровье, энергия (чтобы атаковать) и броня (восстанавливается со временем, если игрока не атакуют)</a:t>
             </a:r>
+            <a:endParaRPr/>
           </a:p>
         </p:txBody>
       </p:sp>
     </p:spTree>
-    <p:extLst>
-      <p:ext uri="{BB962C8B-B14F-4D97-AF65-F5344CB8AC3E}">
-        <p14:creationId xmlns:p14="http://schemas.microsoft.com/office/powerpoint/2010/main" val="1710482471"/>
-      </p:ext>
-    </p:extLst>
   </p:cSld>
   <p:clrMapOvr>
     <a:masterClrMapping/>
   </p:clrMapOvr>
+  <mc:AlternateContent xmlns:mc="http://schemas.openxmlformats.org/markup-compatibility/2006">
+    <mc:Choice xmlns:p14="http://schemas.microsoft.com/office/powerpoint/2010/main" Requires="p14">
+      <p:transition p14:dur="2000" advClick="1"/>
+    </mc:Choice>
+    <mc:Fallback>
+      <p:transition advClick="1"/>
+    </mc:Fallback>
+  </mc:AlternateContent>
 </p:sld>
 </file>
 
 <file path=ppt/slides/slide3.xml><?xml version="1.0" encoding="utf-8"?>
-<p:sld xmlns:a="http://schemas.openxmlformats.org/drawingml/2006/main" xmlns:r="http://schemas.openxmlformats.org/officeDocument/2006/relationships" xmlns:p="http://schemas.openxmlformats.org/presentationml/2006/main">
-  <p:cSld>
+<p:sld xmlns:a="http://schemas.openxmlformats.org/drawingml/2006/main" xmlns:r="http://schemas.openxmlformats.org/officeDocument/2006/relationships" xmlns:p="http://schemas.openxmlformats.org/presentationml/2006/main" xmlns:m="http://schemas.openxmlformats.org/officeDocument/2006/math" xmlns:w="http://schemas.openxmlformats.org/wordprocessingml/2006/main" showMasterPhAnim="0" show="1">
+  <p:cSld name="">
     <p:spTree>
       <p:nvGrpSpPr>
         <p:cNvPr id="1" name=""/>
         <p:cNvGrpSpPr/>
         <p:nvPr/>
       </p:nvGrpSpPr>
-      <p:grpSpPr>
+      <p:grpSpPr bwMode="auto">
         <a:xfrm>
           <a:off x="0" y="0"/>
           <a:ext cx="0" cy="0"/>
@@ -7856,13 +8251,7 @@
       </p:grpSpPr>
       <p:sp>
         <p:nvSpPr>
-          <p:cNvPr id="2" name="Заголовок 1">
-            <a:extLst>
-              <a:ext uri="{FF2B5EF4-FFF2-40B4-BE49-F238E27FC236}">
-                <a16:creationId xmlns:a16="http://schemas.microsoft.com/office/drawing/2014/main" id="{98007A2D-1565-82D2-82BD-6CE87D408CBC}"/>
-              </a:ext>
-            </a:extLst>
-          </p:cNvPr>
+          <p:cNvPr id="2" name="Заголовок 1"/>
           <p:cNvSpPr>
             <a:spLocks noGrp="1"/>
           </p:cNvSpPr>
@@ -7870,66 +8259,70 @@
             <p:ph type="title"/>
           </p:nvPr>
         </p:nvSpPr>
-        <p:spPr/>
+        <p:spPr bwMode="auto"/>
         <p:txBody>
           <a:bodyPr/>
           <a:lstStyle/>
           <a:p>
-            <a:r>
-              <a:rPr lang="ru-RU" dirty="0"/>
-              <a:t>Кадры игры</a:t>
-            </a:r>
-          </a:p>
-        </p:txBody>
-      </p:sp>
-      <p:sp>
-        <p:nvSpPr>
-          <p:cNvPr id="3" name="Объект 2">
-            <a:extLst>
-              <a:ext uri="{FF2B5EF4-FFF2-40B4-BE49-F238E27FC236}">
-                <a16:creationId xmlns:a16="http://schemas.microsoft.com/office/drawing/2014/main" id="{C3449F49-ADEE-864B-DB9B-4CD400613B58}"/>
-              </a:ext>
-            </a:extLst>
-          </p:cNvPr>
-          <p:cNvSpPr>
-            <a:spLocks noGrp="1"/>
-          </p:cNvSpPr>
-          <p:nvPr>
-            <p:ph idx="1"/>
-          </p:nvPr>
-        </p:nvSpPr>
-        <p:spPr/>
-        <p:txBody>
-          <a:bodyPr/>
-          <a:lstStyle/>
-          <a:p>
-            <a:endParaRPr lang="ru-RU"/>
-          </a:p>
-        </p:txBody>
-      </p:sp>
+            <a:pPr>
+              <a:defRPr/>
+            </a:pPr>
+            <a:r>
+              <a:rPr lang="ru-RU"/>
+              <a:t>           Стартовое окно</a:t>
+            </a:r>
+            <a:endParaRPr/>
+          </a:p>
+        </p:txBody>
+      </p:sp>
+      <p:pic>
+        <p:nvPicPr>
+          <p:cNvPr id="324933874" name=""/>
+          <p:cNvPicPr>
+            <a:picLocks noChangeAspect="1"/>
+          </p:cNvPicPr>
+          <p:nvPr/>
+        </p:nvPicPr>
+        <p:blipFill>
+          <a:blip r:embed="rId2"/>
+          <a:stretch/>
+        </p:blipFill>
+        <p:spPr bwMode="auto">
+          <a:xfrm flipH="0" flipV="0">
+            <a:off x="1875287" y="1904999"/>
+            <a:ext cx="8241237" cy="4815374"/>
+          </a:xfrm>
+          <a:prstGeom prst="rect">
+            <a:avLst/>
+          </a:prstGeom>
+        </p:spPr>
+      </p:pic>
     </p:spTree>
-    <p:extLst>
-      <p:ext uri="{BB962C8B-B14F-4D97-AF65-F5344CB8AC3E}">
-        <p14:creationId xmlns:p14="http://schemas.microsoft.com/office/powerpoint/2010/main" val="669969943"/>
-      </p:ext>
-    </p:extLst>
   </p:cSld>
   <p:clrMapOvr>
     <a:masterClrMapping/>
   </p:clrMapOvr>
+  <mc:AlternateContent xmlns:mc="http://schemas.openxmlformats.org/markup-compatibility/2006">
+    <mc:Choice xmlns:p14="http://schemas.microsoft.com/office/powerpoint/2010/main" Requires="p14">
+      <p:transition p14:dur="2000" advClick="1"/>
+    </mc:Choice>
+    <mc:Fallback>
+      <p:transition advClick="1"/>
+    </mc:Fallback>
+  </mc:AlternateContent>
 </p:sld>
 </file>
 
 <file path=ppt/slides/slide4.xml><?xml version="1.0" encoding="utf-8"?>
-<p:sld xmlns:a="http://schemas.openxmlformats.org/drawingml/2006/main" xmlns:r="http://schemas.openxmlformats.org/officeDocument/2006/relationships" xmlns:p="http://schemas.openxmlformats.org/presentationml/2006/main">
-  <p:cSld>
+<p:sld xmlns:a="http://schemas.openxmlformats.org/drawingml/2006/main" xmlns:r="http://schemas.openxmlformats.org/officeDocument/2006/relationships" xmlns:p="http://schemas.openxmlformats.org/presentationml/2006/main" xmlns:m="http://schemas.openxmlformats.org/officeDocument/2006/math" xmlns:w="http://schemas.openxmlformats.org/wordprocessingml/2006/main" showMasterPhAnim="0" show="1">
+  <p:cSld name="">
     <p:spTree>
       <p:nvGrpSpPr>
         <p:cNvPr id="1" name=""/>
         <p:cNvGrpSpPr/>
         <p:nvPr/>
       </p:nvGrpSpPr>
-      <p:grpSpPr>
+      <p:grpSpPr bwMode="auto">
         <a:xfrm>
           <a:off x="0" y="0"/>
           <a:ext cx="0" cy="0"/>
@@ -7939,13 +8332,7 @@
       </p:grpSpPr>
       <p:sp>
         <p:nvSpPr>
-          <p:cNvPr id="2" name="Заголовок 1">
-            <a:extLst>
-              <a:ext uri="{FF2B5EF4-FFF2-40B4-BE49-F238E27FC236}">
-                <a16:creationId xmlns:a16="http://schemas.microsoft.com/office/drawing/2014/main" id="{009A2848-7535-C97A-0EE5-41BC3389ED06}"/>
-              </a:ext>
-            </a:extLst>
-          </p:cNvPr>
+          <p:cNvPr id="322701318" name="Title 1"/>
           <p:cNvSpPr>
             <a:spLocks noGrp="1"/>
           </p:cNvSpPr>
@@ -7953,66 +8340,75 @@
             <p:ph type="title"/>
           </p:nvPr>
         </p:nvSpPr>
-        <p:spPr/>
+        <p:spPr bwMode="auto">
+          <a:xfrm>
+            <a:off x="2592924" y="624109"/>
+            <a:ext cx="8911686" cy="1280889"/>
+          </a:xfrm>
+        </p:spPr>
         <p:txBody>
           <a:bodyPr/>
           <a:lstStyle/>
           <a:p>
-            <a:r>
-              <a:rPr lang="ru-RU" dirty="0"/>
-              <a:t>Проблемы и сложности</a:t>
-            </a:r>
-          </a:p>
-        </p:txBody>
-      </p:sp>
-      <p:sp>
-        <p:nvSpPr>
-          <p:cNvPr id="3" name="Объект 2">
-            <a:extLst>
-              <a:ext uri="{FF2B5EF4-FFF2-40B4-BE49-F238E27FC236}">
-                <a16:creationId xmlns:a16="http://schemas.microsoft.com/office/drawing/2014/main" id="{5B7B377C-49D5-A9DC-1257-08556FC6CC25}"/>
-              </a:ext>
-            </a:extLst>
-          </p:cNvPr>
-          <p:cNvSpPr>
-            <a:spLocks noGrp="1"/>
-          </p:cNvSpPr>
-          <p:nvPr>
-            <p:ph idx="1"/>
-          </p:nvPr>
-        </p:nvSpPr>
-        <p:spPr/>
-        <p:txBody>
-          <a:bodyPr/>
-          <a:lstStyle/>
-          <a:p>
-            <a:endParaRPr lang="ru-RU"/>
-          </a:p>
-        </p:txBody>
-      </p:sp>
+            <a:pPr>
+              <a:defRPr/>
+            </a:pPr>
+            <a:r>
+              <a:rPr/>
+              <a:t>Окно выбора персонажа</a:t>
+            </a:r>
+            <a:endParaRPr/>
+          </a:p>
+        </p:txBody>
+      </p:sp>
+      <p:pic>
+        <p:nvPicPr>
+          <p:cNvPr id="1647565501" name=""/>
+          <p:cNvPicPr>
+            <a:picLocks noChangeAspect="1"/>
+          </p:cNvPicPr>
+          <p:nvPr/>
+        </p:nvPicPr>
+        <p:blipFill>
+          <a:blip r:embed="rId2"/>
+          <a:stretch/>
+        </p:blipFill>
+        <p:spPr bwMode="auto">
+          <a:xfrm flipH="0" flipV="0">
+            <a:off x="1807665" y="1904999"/>
+            <a:ext cx="8308859" cy="4860924"/>
+          </a:xfrm>
+          <a:prstGeom prst="rect">
+            <a:avLst/>
+          </a:prstGeom>
+        </p:spPr>
+      </p:pic>
     </p:spTree>
-    <p:extLst>
-      <p:ext uri="{BB962C8B-B14F-4D97-AF65-F5344CB8AC3E}">
-        <p14:creationId xmlns:p14="http://schemas.microsoft.com/office/powerpoint/2010/main" val="3267863561"/>
-      </p:ext>
-    </p:extLst>
   </p:cSld>
   <p:clrMapOvr>
     <a:masterClrMapping/>
   </p:clrMapOvr>
+  <mc:AlternateContent xmlns:mc="http://schemas.openxmlformats.org/markup-compatibility/2006">
+    <mc:Choice xmlns:p14="http://schemas.microsoft.com/office/powerpoint/2010/main" Requires="p14">
+      <p:transition p14:dur="2000" advClick="1"/>
+    </mc:Choice>
+    <mc:Fallback>
+      <p:transition advClick="1"/>
+    </mc:Fallback>
+  </mc:AlternateContent>
 </p:sld>
 </file>
 
 <file path=ppt/slides/slide5.xml><?xml version="1.0" encoding="utf-8"?>
-<p:sld xmlns:a="http://schemas.openxmlformats.org/drawingml/2006/main" xmlns:r="http://schemas.openxmlformats.org/officeDocument/2006/relationships" xmlns:p="http://schemas.openxmlformats.org/presentationml/2006/main">
-  <p:cSld>
+<p:sld xmlns:a="http://schemas.openxmlformats.org/drawingml/2006/main" xmlns:r="http://schemas.openxmlformats.org/officeDocument/2006/relationships" xmlns:p="http://schemas.openxmlformats.org/presentationml/2006/main" xmlns:m="http://schemas.openxmlformats.org/officeDocument/2006/math" xmlns:w="http://schemas.openxmlformats.org/wordprocessingml/2006/main" showMasterPhAnim="0" show="1">
+  <p:cSld name="">
     <p:spTree>
       <p:nvGrpSpPr>
         <p:cNvPr id="1" name=""/>
         <p:cNvGrpSpPr/>
         <p:nvPr/>
       </p:nvGrpSpPr>
-      <p:grpSpPr>
+      <p:grpSpPr bwMode="auto">
         <a:xfrm>
           <a:off x="0" y="0"/>
           <a:ext cx="0" cy="0"/>
@@ -8022,13 +8418,7 @@
       </p:grpSpPr>
       <p:sp>
         <p:nvSpPr>
-          <p:cNvPr id="2" name="Заголовок 1">
-            <a:extLst>
-              <a:ext uri="{FF2B5EF4-FFF2-40B4-BE49-F238E27FC236}">
-                <a16:creationId xmlns:a16="http://schemas.microsoft.com/office/drawing/2014/main" id="{C0AD1AAD-5456-F6E9-4FD6-8CE349603DC8}"/>
-              </a:ext>
-            </a:extLst>
-          </p:cNvPr>
+          <p:cNvPr id="867276327" name="Title 1"/>
           <p:cNvSpPr>
             <a:spLocks noGrp="1"/>
           </p:cNvSpPr>
@@ -8036,27 +8426,278 @@
             <p:ph type="title"/>
           </p:nvPr>
         </p:nvSpPr>
-        <p:spPr/>
+        <p:spPr bwMode="auto">
+          <a:xfrm>
+            <a:off x="2592924" y="624109"/>
+            <a:ext cx="8911686" cy="1280889"/>
+          </a:xfrm>
+        </p:spPr>
         <p:txBody>
           <a:bodyPr/>
           <a:lstStyle/>
           <a:p>
-            <a:r>
-              <a:rPr lang="ru-RU" dirty="0"/>
+            <a:pPr>
+              <a:defRPr/>
+            </a:pPr>
+            <a:r>
+              <a:rPr/>
+              <a:t>Кадры игры</a:t>
+            </a:r>
+            <a:endParaRPr/>
+          </a:p>
+        </p:txBody>
+      </p:sp>
+      <p:pic>
+        <p:nvPicPr>
+          <p:cNvPr id="1197458156" name=""/>
+          <p:cNvPicPr>
+            <a:picLocks noChangeAspect="1"/>
+          </p:cNvPicPr>
+          <p:nvPr/>
+        </p:nvPicPr>
+        <p:blipFill>
+          <a:blip r:embed="rId2"/>
+          <a:stretch/>
+        </p:blipFill>
+        <p:spPr bwMode="auto">
+          <a:xfrm flipH="0" flipV="0">
+            <a:off x="2107149" y="1838324"/>
+            <a:ext cx="8194391" cy="4801354"/>
+          </a:xfrm>
+          <a:prstGeom prst="rect">
+            <a:avLst/>
+          </a:prstGeom>
+        </p:spPr>
+      </p:pic>
+    </p:spTree>
+  </p:cSld>
+  <p:clrMapOvr>
+    <a:masterClrMapping/>
+  </p:clrMapOvr>
+  <mc:AlternateContent xmlns:mc="http://schemas.openxmlformats.org/markup-compatibility/2006">
+    <mc:Choice xmlns:p14="http://schemas.microsoft.com/office/powerpoint/2010/main" Requires="p14">
+      <p:transition p14:dur="2000" advClick="1"/>
+    </mc:Choice>
+    <mc:Fallback>
+      <p:transition advClick="1"/>
+    </mc:Fallback>
+  </mc:AlternateContent>
+</p:sld>
+</file>
+
+<file path=ppt/slides/slide6.xml><?xml version="1.0" encoding="utf-8"?>
+<p:sld xmlns:a="http://schemas.openxmlformats.org/drawingml/2006/main" xmlns:r="http://schemas.openxmlformats.org/officeDocument/2006/relationships" xmlns:p="http://schemas.openxmlformats.org/presentationml/2006/main" xmlns:m="http://schemas.openxmlformats.org/officeDocument/2006/math" xmlns:w="http://schemas.openxmlformats.org/wordprocessingml/2006/main" showMasterPhAnim="0" show="1">
+  <p:cSld name="">
+    <p:spTree>
+      <p:nvGrpSpPr>
+        <p:cNvPr id="1" name=""/>
+        <p:cNvGrpSpPr/>
+        <p:nvPr/>
+      </p:nvGrpSpPr>
+      <p:grpSpPr bwMode="auto">
+        <a:xfrm>
+          <a:off x="0" y="0"/>
+          <a:ext cx="0" cy="0"/>
+          <a:chOff x="0" y="0"/>
+          <a:chExt cx="0" cy="0"/>
+        </a:xfrm>
+      </p:grpSpPr>
+      <p:sp>
+        <p:nvSpPr>
+          <p:cNvPr id="1713495198" name="Title 1"/>
+          <p:cNvSpPr>
+            <a:spLocks noGrp="1"/>
+          </p:cNvSpPr>
+          <p:nvPr>
+            <p:ph type="title"/>
+          </p:nvPr>
+        </p:nvSpPr>
+        <p:spPr bwMode="auto">
+          <a:xfrm>
+            <a:off x="2592924" y="624109"/>
+            <a:ext cx="8911686" cy="1280889"/>
+          </a:xfrm>
+        </p:spPr>
+        <p:txBody>
+          <a:bodyPr/>
+          <a:lstStyle/>
+          <a:p>
+            <a:pPr>
+              <a:defRPr/>
+            </a:pPr>
+            <a:r>
+              <a:rPr/>
+              <a:t>Кадры игры</a:t>
+            </a:r>
+            <a:endParaRPr/>
+          </a:p>
+        </p:txBody>
+      </p:sp>
+      <p:pic>
+        <p:nvPicPr>
+          <p:cNvPr id="1718208134" name=""/>
+          <p:cNvPicPr>
+            <a:picLocks noChangeAspect="1"/>
+          </p:cNvPicPr>
+          <p:nvPr/>
+        </p:nvPicPr>
+        <p:blipFill>
+          <a:blip r:embed="rId2"/>
+          <a:stretch/>
+        </p:blipFill>
+        <p:spPr bwMode="auto">
+          <a:xfrm flipH="0" flipV="0">
+            <a:off x="2088099" y="1640319"/>
+            <a:ext cx="8793566" cy="5170054"/>
+          </a:xfrm>
+          <a:prstGeom prst="rect">
+            <a:avLst/>
+          </a:prstGeom>
+        </p:spPr>
+      </p:pic>
+    </p:spTree>
+  </p:cSld>
+  <p:clrMapOvr>
+    <a:masterClrMapping/>
+  </p:clrMapOvr>
+  <mc:AlternateContent xmlns:mc="http://schemas.openxmlformats.org/markup-compatibility/2006">
+    <mc:Choice xmlns:p14="http://schemas.microsoft.com/office/powerpoint/2010/main" Requires="p14">
+      <p:transition p14:dur="2000" advClick="1"/>
+    </mc:Choice>
+    <mc:Fallback>
+      <p:transition advClick="1"/>
+    </mc:Fallback>
+  </mc:AlternateContent>
+</p:sld>
+</file>
+
+<file path=ppt/slides/slide7.xml><?xml version="1.0" encoding="utf-8"?>
+<p:sld xmlns:a="http://schemas.openxmlformats.org/drawingml/2006/main" xmlns:r="http://schemas.openxmlformats.org/officeDocument/2006/relationships" xmlns:p="http://schemas.openxmlformats.org/presentationml/2006/main" xmlns:m="http://schemas.openxmlformats.org/officeDocument/2006/math" xmlns:w="http://schemas.openxmlformats.org/wordprocessingml/2006/main" showMasterPhAnim="0" show="1">
+  <p:cSld name="">
+    <p:spTree>
+      <p:nvGrpSpPr>
+        <p:cNvPr id="1" name=""/>
+        <p:cNvGrpSpPr/>
+        <p:nvPr/>
+      </p:nvGrpSpPr>
+      <p:grpSpPr bwMode="auto">
+        <a:xfrm>
+          <a:off x="0" y="0"/>
+          <a:ext cx="0" cy="0"/>
+          <a:chOff x="0" y="0"/>
+          <a:chExt cx="0" cy="0"/>
+        </a:xfrm>
+      </p:grpSpPr>
+      <p:sp>
+        <p:nvSpPr>
+          <p:cNvPr id="2" name="Заголовок 1"/>
+          <p:cNvSpPr>
+            <a:spLocks noGrp="1"/>
+          </p:cNvSpPr>
+          <p:nvPr>
+            <p:ph type="title"/>
+          </p:nvPr>
+        </p:nvSpPr>
+        <p:spPr bwMode="auto"/>
+        <p:txBody>
+          <a:bodyPr/>
+          <a:lstStyle/>
+          <a:p>
+            <a:pPr>
+              <a:defRPr/>
+            </a:pPr>
+            <a:r>
+              <a:rPr lang="ru-RU"/>
+              <a:t>Проблемы и сложности</a:t>
+            </a:r>
+            <a:endParaRPr/>
+          </a:p>
+        </p:txBody>
+      </p:sp>
+      <p:sp>
+        <p:nvSpPr>
+          <p:cNvPr id="3" name="Объект 2"/>
+          <p:cNvSpPr>
+            <a:spLocks noGrp="1"/>
+          </p:cNvSpPr>
+          <p:nvPr>
+            <p:ph idx="1"/>
+          </p:nvPr>
+        </p:nvSpPr>
+        <p:spPr bwMode="auto"/>
+        <p:txBody>
+          <a:bodyPr/>
+          <a:lstStyle/>
+          <a:p>
+            <a:pPr>
+              <a:defRPr/>
+            </a:pPr>
+            <a:endParaRPr lang="ru-RU"/>
+          </a:p>
+        </p:txBody>
+      </p:sp>
+    </p:spTree>
+  </p:cSld>
+  <p:clrMapOvr>
+    <a:masterClrMapping/>
+  </p:clrMapOvr>
+  <mc:AlternateContent xmlns:mc="http://schemas.openxmlformats.org/markup-compatibility/2006">
+    <mc:Choice xmlns:p14="http://schemas.microsoft.com/office/powerpoint/2010/main" Requires="p14">
+      <p:transition p14:dur="2000" advClick="1"/>
+    </mc:Choice>
+    <mc:Fallback>
+      <p:transition advClick="1"/>
+    </mc:Fallback>
+  </mc:AlternateContent>
+</p:sld>
+</file>
+
+<file path=ppt/slides/slide8.xml><?xml version="1.0" encoding="utf-8"?>
+<p:sld xmlns:a="http://schemas.openxmlformats.org/drawingml/2006/main" xmlns:r="http://schemas.openxmlformats.org/officeDocument/2006/relationships" xmlns:p="http://schemas.openxmlformats.org/presentationml/2006/main" xmlns:m="http://schemas.openxmlformats.org/officeDocument/2006/math" xmlns:w="http://schemas.openxmlformats.org/wordprocessingml/2006/main" showMasterPhAnim="0" show="1">
+  <p:cSld name="">
+    <p:spTree>
+      <p:nvGrpSpPr>
+        <p:cNvPr id="1" name=""/>
+        <p:cNvGrpSpPr/>
+        <p:nvPr/>
+      </p:nvGrpSpPr>
+      <p:grpSpPr bwMode="auto">
+        <a:xfrm>
+          <a:off x="0" y="0"/>
+          <a:ext cx="0" cy="0"/>
+          <a:chOff x="0" y="0"/>
+          <a:chExt cx="0" cy="0"/>
+        </a:xfrm>
+      </p:grpSpPr>
+      <p:sp>
+        <p:nvSpPr>
+          <p:cNvPr id="2" name="Заголовок 1"/>
+          <p:cNvSpPr>
+            <a:spLocks noGrp="1"/>
+          </p:cNvSpPr>
+          <p:nvPr>
+            <p:ph type="title"/>
+          </p:nvPr>
+        </p:nvSpPr>
+        <p:spPr bwMode="auto"/>
+        <p:txBody>
+          <a:bodyPr/>
+          <a:lstStyle/>
+          <a:p>
+            <a:pPr>
+              <a:defRPr/>
+            </a:pPr>
+            <a:r>
+              <a:rPr lang="ru-RU"/>
               <a:t>Технические особенности</a:t>
             </a:r>
-          </a:p>
-        </p:txBody>
-      </p:sp>
-      <p:sp>
-        <p:nvSpPr>
-          <p:cNvPr id="3" name="Объект 2">
-            <a:extLst>
-              <a:ext uri="{FF2B5EF4-FFF2-40B4-BE49-F238E27FC236}">
-                <a16:creationId xmlns:a16="http://schemas.microsoft.com/office/drawing/2014/main" id="{584874AB-0931-1BBE-6F0E-3AB5A5B41207}"/>
-              </a:ext>
-            </a:extLst>
-          </p:cNvPr>
+            <a:endParaRPr/>
+          </a:p>
+        </p:txBody>
+      </p:sp>
+      <p:sp>
+        <p:nvSpPr>
+          <p:cNvPr id="3" name="Объект 2"/>
           <p:cNvSpPr>
             <a:spLocks noGrp="1"/>
           </p:cNvSpPr>
@@ -8064,7 +8705,7 @@
             <p:ph idx="1"/>
           </p:nvPr>
         </p:nvSpPr>
-        <p:spPr>
+        <p:spPr bwMode="auto">
           <a:xfrm>
             <a:off x="2592925" y="1540189"/>
             <a:ext cx="8915400" cy="3777622"/>
@@ -8074,58 +8715,69 @@
           <a:bodyPr/>
           <a:lstStyle/>
           <a:p>
-            <a:r>
-              <a:rPr lang="ru-RU" dirty="0"/>
+            <a:pPr>
+              <a:defRPr/>
+            </a:pPr>
+            <a:r>
+              <a:rPr lang="ru-RU"/>
               <a:t>Игра была создана на языке </a:t>
             </a:r>
             <a:r>
-              <a:rPr lang="en-US" dirty="0"/>
+              <a:rPr lang="en-US"/>
               <a:t>Python. </a:t>
             </a:r>
             <a:r>
-              <a:rPr lang="ru-RU" dirty="0"/>
+              <a:rPr lang="ru-RU"/>
               <a:t>Для программирования игры была использована библиотека </a:t>
             </a:r>
             <a:r>
-              <a:rPr lang="en-US" dirty="0" err="1"/>
+              <a:rPr lang="en-US"/>
               <a:t>PyGame</a:t>
             </a:r>
             <a:r>
-              <a:rPr lang="en-US" dirty="0"/>
+              <a:rPr lang="en-US"/>
               <a:t>, </a:t>
             </a:r>
             <a:r>
-              <a:rPr lang="ru-RU" dirty="0"/>
+              <a:rPr lang="ru-RU"/>
               <a:t>а для работы с базой данных </a:t>
             </a:r>
             <a:r>
-              <a:rPr lang="en-US" dirty="0"/>
+              <a:rPr lang="en-US"/>
               <a:t>– SQLite.</a:t>
             </a:r>
-          </a:p>
-          <a:p>
-            <a:r>
-              <a:rPr lang="ru-RU" dirty="0"/>
+            <a:endParaRPr/>
+          </a:p>
+          <a:p>
+            <a:pPr>
+              <a:defRPr/>
+            </a:pPr>
+            <a:r>
+              <a:rPr lang="ru-RU"/>
               <a:t>На разработку игры потребовался месяц.</a:t>
             </a:r>
+            <a:endParaRPr/>
           </a:p>
         </p:txBody>
       </p:sp>
     </p:spTree>
-    <p:extLst>
-      <p:ext uri="{BB962C8B-B14F-4D97-AF65-F5344CB8AC3E}">
-        <p14:creationId xmlns:p14="http://schemas.microsoft.com/office/powerpoint/2010/main" val="81612229"/>
-      </p:ext>
-    </p:extLst>
   </p:cSld>
   <p:clrMapOvr>
     <a:masterClrMapping/>
   </p:clrMapOvr>
+  <mc:AlternateContent xmlns:mc="http://schemas.openxmlformats.org/markup-compatibility/2006">
+    <mc:Choice xmlns:p14="http://schemas.microsoft.com/office/powerpoint/2010/main" Requires="p14">
+      <p:transition p14:dur="2000" advClick="1"/>
+    </mc:Choice>
+    <mc:Fallback>
+      <p:transition advClick="1"/>
+    </mc:Fallback>
+  </mc:AlternateContent>
 </p:sld>
 </file>
 
 <file path=ppt/theme/theme1.xml><?xml version="1.0" encoding="utf-8"?>
-<a:theme xmlns:a="http://schemas.openxmlformats.org/drawingml/2006/main" name="Легкий дым">
+<a:theme xmlns:a="http://schemas.openxmlformats.org/drawingml/2006/main" xmlns:r="http://schemas.openxmlformats.org/officeDocument/2006/relationships" xmlns:p="http://schemas.openxmlformats.org/presentationml/2006/main" name="Легкий дым">
   <a:themeElements>
     <a:clrScheme name="Wisp">
       <a:dk1>
@@ -8167,74 +8819,14 @@
     </a:clrScheme>
     <a:fontScheme name="Wisp">
       <a:majorFont>
-        <a:latin typeface="Century Gothic" panose="020B0502020202020204"/>
-        <a:ea typeface=""/>
-        <a:cs typeface=""/>
-        <a:font script="Jpan" typeface="メイリオ"/>
-        <a:font script="Hang" typeface="HY중고딕"/>
-        <a:font script="Hans" typeface="幼圆"/>
-        <a:font script="Hant" typeface="微軟正黑體"/>
-        <a:font script="Arab" typeface="Tahoma"/>
-        <a:font script="Hebr" typeface="Gisha"/>
-        <a:font script="Thai" typeface="DilleniaUPC"/>
-        <a:font script="Ethi" typeface="Nyala"/>
-        <a:font script="Beng" typeface="Vrinda"/>
-        <a:font script="Gujr" typeface="Shruti"/>
-        <a:font script="Khmr" typeface="DaunPenh"/>
-        <a:font script="Knda" typeface="Tunga"/>
-        <a:font script="Guru" typeface="Raavi"/>
-        <a:font script="Cans" typeface="Euphemia"/>
-        <a:font script="Cher" typeface="Plantagenet Cherokee"/>
-        <a:font script="Yiii" typeface="Microsoft Yi Baiti"/>
-        <a:font script="Tibt" typeface="Microsoft Himalaya"/>
-        <a:font script="Thaa" typeface="MV Boli"/>
-        <a:font script="Deva" typeface="Mangal"/>
-        <a:font script="Telu" typeface="Gautami"/>
-        <a:font script="Taml" typeface="Latha"/>
-        <a:font script="Syrc" typeface="Estrangelo Edessa"/>
-        <a:font script="Orya" typeface="Kalinga"/>
-        <a:font script="Mlym" typeface="Kartika"/>
-        <a:font script="Laoo" typeface="DokChampa"/>
-        <a:font script="Sinh" typeface="Iskoola Pota"/>
-        <a:font script="Mong" typeface="Mongolian Baiti"/>
-        <a:font script="Viet" typeface="Tahoma"/>
-        <a:font script="Uigh" typeface="Microsoft Uighur"/>
-        <a:font script="Geor" typeface="Sylfaen"/>
+        <a:latin typeface="Century Gothic"/>
+        <a:ea typeface="Arial"/>
+        <a:cs typeface="Arial"/>
       </a:majorFont>
       <a:minorFont>
-        <a:latin typeface="Century Gothic" panose="020B0502020202020204"/>
-        <a:ea typeface=""/>
-        <a:cs typeface=""/>
-        <a:font script="Jpan" typeface="メイリオ"/>
-        <a:font script="Hang" typeface="HY중고딕"/>
-        <a:font script="Hans" typeface="幼圆"/>
-        <a:font script="Hant" typeface="微軟正黑體"/>
-        <a:font script="Arab" typeface="Tahoma"/>
-        <a:font script="Hebr" typeface="Gisha"/>
-        <a:font script="Thai" typeface="DilleniaUPC"/>
-        <a:font script="Ethi" typeface="Nyala"/>
-        <a:font script="Beng" typeface="Vrinda"/>
-        <a:font script="Gujr" typeface="Shruti"/>
-        <a:font script="Khmr" typeface="DaunPenh"/>
-        <a:font script="Knda" typeface="Tunga"/>
-        <a:font script="Guru" typeface="Raavi"/>
-        <a:font script="Cans" typeface="Euphemia"/>
-        <a:font script="Cher" typeface="Plantagenet Cherokee"/>
-        <a:font script="Yiii" typeface="Microsoft Yi Baiti"/>
-        <a:font script="Tibt" typeface="Microsoft Himalaya"/>
-        <a:font script="Thaa" typeface="MV Boli"/>
-        <a:font script="Deva" typeface="Mangal"/>
-        <a:font script="Telu" typeface="Gautami"/>
-        <a:font script="Taml" typeface="Latha"/>
-        <a:font script="Syrc" typeface="Estrangelo Edessa"/>
-        <a:font script="Orya" typeface="Kalinga"/>
-        <a:font script="Mlym" typeface="Kartika"/>
-        <a:font script="Laoo" typeface="DokChampa"/>
-        <a:font script="Sinh" typeface="Iskoola Pota"/>
-        <a:font script="Mong" typeface="Mongolian Baiti"/>
-        <a:font script="Viet" typeface="Tahoma"/>
-        <a:font script="Uigh" typeface="Microsoft Uighur"/>
-        <a:font script="Geor" typeface="Sylfaen"/>
+        <a:latin typeface="Century Gothic"/>
+        <a:ea typeface="Arial"/>
+        <a:cs typeface="Arial"/>
       </a:minorFont>
     </a:fontScheme>
     <a:fmtScheme name="Wisp">
@@ -8248,7 +8840,7 @@
             <a:lumMod val="104000"/>
           </a:schemeClr>
         </a:solidFill>
-        <a:gradFill rotWithShape="1">
+        <a:gradFill>
           <a:gsLst>
             <a:gs pos="0">
               <a:schemeClr val="phClr">
@@ -8290,22 +8882,28 @@
       </a:lnStyleLst>
       <a:effectStyleLst>
         <a:effectStyle>
-          <a:effectLst/>
-        </a:effectStyle>
-        <a:effectStyle>
           <a:effectLst>
-            <a:outerShdw blurRad="38100" dist="25400" dir="5400000" rotWithShape="0">
+            <a:outerShdw blurRad="40000" dist="20000" dir="5400000" rotWithShape="0">
               <a:srgbClr val="000000">
-                <a:alpha val="25000"/>
+                <a:alpha val="38000"/>
               </a:srgbClr>
             </a:outerShdw>
           </a:effectLst>
         </a:effectStyle>
         <a:effectStyle>
           <a:effectLst>
-            <a:outerShdw blurRad="50800" dist="38100" dir="5400000" rotWithShape="0">
+            <a:outerShdw blurRad="40000" dist="23000" dir="5400000" rotWithShape="0">
               <a:srgbClr val="000000">
-                <a:alpha val="60000"/>
+                <a:alpha val="35000"/>
+              </a:srgbClr>
+            </a:outerShdw>
+          </a:effectLst>
+        </a:effectStyle>
+        <a:effectStyle>
+          <a:effectLst>
+            <a:outerShdw blurRad="40000" dist="23000" dir="5400000" rotWithShape="0">
+              <a:srgbClr val="000000">
+                <a:alpha val="35000"/>
               </a:srgbClr>
             </a:outerShdw>
           </a:effectLst>
@@ -8315,7 +8913,7 @@
         <a:solidFill>
           <a:schemeClr val="phClr"/>
         </a:solidFill>
-        <a:gradFill rotWithShape="1">
+        <a:gradFill>
           <a:gsLst>
             <a:gs pos="0">
               <a:schemeClr val="phClr">
@@ -8333,7 +8931,7 @@
           </a:gsLst>
           <a:lin ang="5400000" scaled="0"/>
         </a:gradFill>
-        <a:gradFill rotWithShape="1">
+        <a:gradFill>
           <a:gsLst>
             <a:gs pos="0">
               <a:schemeClr val="phClr">
@@ -8350,19 +8948,11 @@
               </a:schemeClr>
             </a:gs>
           </a:gsLst>
-          <a:path path="circle">
-            <a:fillToRect l="50000" t="50000" r="100000" b="100000"/>
-          </a:path>
+          <a:path path="circle"/>
         </a:gradFill>
       </a:bgFillStyleLst>
     </a:fmtScheme>
   </a:themeElements>
   <a:objectDefaults/>
-  <a:extraClrSchemeLst/>
-  <a:extLst>
-    <a:ext uri="{05A4C25C-085E-4340-85A3-A5531E510DB2}">
-      <thm15:themeFamily xmlns:thm15="http://schemas.microsoft.com/office/thememl/2012/main" name="Wisp" id="{7CB32D59-10C0-40DD-B7BD-2E94284A981C}" vid="{24B1A44C-C006-48B2-A4D7-E5549B3D8CD4}"/>
-    </a:ext>
-  </a:extLst>
 </a:theme>
 </file>
--- a/Spirit Warrior.pptx
+++ b/Spirit Warrior.pptx
@@ -8632,6 +8632,20 @@
             <a:pPr>
               <a:defRPr/>
             </a:pPr>
+            <a:r>
+              <a:rPr lang="ru-RU"/>
+              <a:t>Большое кол-во объектов</a:t>
+            </a:r>
+            <a:endParaRPr lang="ru-RU"/>
+          </a:p>
+          <a:p>
+            <a:pPr>
+              <a:defRPr/>
+            </a:pPr>
+            <a:r>
+              <a:rPr lang="ru-RU"/>
+              <a:t>Особенности Pygame</a:t>
+            </a:r>
             <a:endParaRPr lang="ru-RU"/>
           </a:p>
         </p:txBody>
